--- a/Final_Project/Presentation/Diagrams.pptx
+++ b/Final_Project/Presentation/Diagrams.pptx
@@ -8,6 +8,9 @@
     <p:sldId id="256" r:id="rId2"/>
     <p:sldId id="257" r:id="rId3"/>
     <p:sldId id="258" r:id="rId4"/>
+    <p:sldId id="259" r:id="rId5"/>
+    <p:sldId id="260" r:id="rId6"/>
+    <p:sldId id="261" r:id="rId7"/>
   </p:sldIdLst>
   <p:sldSz cx="12192000" cy="6858000"/>
   <p:notesSz cx="6858000" cy="9144000"/>
@@ -261,7 +264,7 @@
           <a:p>
             <a:fld id="{DB9BF760-F540-46A2-8753-9C4DA6442E5A}" type="datetimeFigureOut">
               <a:rPr lang="en-US" smtClean="0"/>
-              <a:t>3/26/2025</a:t>
+              <a:t>4/14/2025</a:t>
             </a:fld>
             <a:endParaRPr lang="en-US"/>
           </a:p>
@@ -459,7 +462,7 @@
           <a:p>
             <a:fld id="{DB9BF760-F540-46A2-8753-9C4DA6442E5A}" type="datetimeFigureOut">
               <a:rPr lang="en-US" smtClean="0"/>
-              <a:t>3/26/2025</a:t>
+              <a:t>4/14/2025</a:t>
             </a:fld>
             <a:endParaRPr lang="en-US"/>
           </a:p>
@@ -667,7 +670,7 @@
           <a:p>
             <a:fld id="{DB9BF760-F540-46A2-8753-9C4DA6442E5A}" type="datetimeFigureOut">
               <a:rPr lang="en-US" smtClean="0"/>
-              <a:t>3/26/2025</a:t>
+              <a:t>4/14/2025</a:t>
             </a:fld>
             <a:endParaRPr lang="en-US"/>
           </a:p>
@@ -865,7 +868,7 @@
           <a:p>
             <a:fld id="{DB9BF760-F540-46A2-8753-9C4DA6442E5A}" type="datetimeFigureOut">
               <a:rPr lang="en-US" smtClean="0"/>
-              <a:t>3/26/2025</a:t>
+              <a:t>4/14/2025</a:t>
             </a:fld>
             <a:endParaRPr lang="en-US"/>
           </a:p>
@@ -1140,7 +1143,7 @@
           <a:p>
             <a:fld id="{DB9BF760-F540-46A2-8753-9C4DA6442E5A}" type="datetimeFigureOut">
               <a:rPr lang="en-US" smtClean="0"/>
-              <a:t>3/26/2025</a:t>
+              <a:t>4/14/2025</a:t>
             </a:fld>
             <a:endParaRPr lang="en-US"/>
           </a:p>
@@ -1405,7 +1408,7 @@
           <a:p>
             <a:fld id="{DB9BF760-F540-46A2-8753-9C4DA6442E5A}" type="datetimeFigureOut">
               <a:rPr lang="en-US" smtClean="0"/>
-              <a:t>3/26/2025</a:t>
+              <a:t>4/14/2025</a:t>
             </a:fld>
             <a:endParaRPr lang="en-US"/>
           </a:p>
@@ -1817,7 +1820,7 @@
           <a:p>
             <a:fld id="{DB9BF760-F540-46A2-8753-9C4DA6442E5A}" type="datetimeFigureOut">
               <a:rPr lang="en-US" smtClean="0"/>
-              <a:t>3/26/2025</a:t>
+              <a:t>4/14/2025</a:t>
             </a:fld>
             <a:endParaRPr lang="en-US"/>
           </a:p>
@@ -1958,7 +1961,7 @@
           <a:p>
             <a:fld id="{DB9BF760-F540-46A2-8753-9C4DA6442E5A}" type="datetimeFigureOut">
               <a:rPr lang="en-US" smtClean="0"/>
-              <a:t>3/26/2025</a:t>
+              <a:t>4/14/2025</a:t>
             </a:fld>
             <a:endParaRPr lang="en-US"/>
           </a:p>
@@ -2071,7 +2074,7 @@
           <a:p>
             <a:fld id="{DB9BF760-F540-46A2-8753-9C4DA6442E5A}" type="datetimeFigureOut">
               <a:rPr lang="en-US" smtClean="0"/>
-              <a:t>3/26/2025</a:t>
+              <a:t>4/14/2025</a:t>
             </a:fld>
             <a:endParaRPr lang="en-US"/>
           </a:p>
@@ -2382,7 +2385,7 @@
           <a:p>
             <a:fld id="{DB9BF760-F540-46A2-8753-9C4DA6442E5A}" type="datetimeFigureOut">
               <a:rPr lang="en-US" smtClean="0"/>
-              <a:t>3/26/2025</a:t>
+              <a:t>4/14/2025</a:t>
             </a:fld>
             <a:endParaRPr lang="en-US"/>
           </a:p>
@@ -2670,7 +2673,7 @@
           <a:p>
             <a:fld id="{DB9BF760-F540-46A2-8753-9C4DA6442E5A}" type="datetimeFigureOut">
               <a:rPr lang="en-US" smtClean="0"/>
-              <a:t>3/26/2025</a:t>
+              <a:t>4/14/2025</a:t>
             </a:fld>
             <a:endParaRPr lang="en-US"/>
           </a:p>
@@ -2911,7 +2914,7 @@
           <a:p>
             <a:fld id="{DB9BF760-F540-46A2-8753-9C4DA6442E5A}" type="datetimeFigureOut">
               <a:rPr lang="en-US" smtClean="0"/>
-              <a:t>3/26/2025</a:t>
+              <a:t>4/14/2025</a:t>
             </a:fld>
             <a:endParaRPr lang="en-US"/>
           </a:p>
@@ -12742,6 +12745,6551 @@
 </p:sld>
 </file>
 
+<file path=ppt/slides/slide4.xml><?xml version="1.0" encoding="utf-8"?>
+<p:sld xmlns:a="http://schemas.openxmlformats.org/drawingml/2006/main" xmlns:r="http://schemas.openxmlformats.org/officeDocument/2006/relationships" xmlns:p="http://schemas.openxmlformats.org/presentationml/2006/main">
+  <p:cSld>
+    <p:spTree>
+      <p:nvGrpSpPr>
+        <p:cNvPr id="1" name="">
+          <a:extLst>
+            <a:ext uri="{FF2B5EF4-FFF2-40B4-BE49-F238E27FC236}">
+              <a16:creationId xmlns:a16="http://schemas.microsoft.com/office/drawing/2014/main" id="{A0BEA279-8A7A-D766-5B10-6D9251DBFCCC}"/>
+            </a:ext>
+          </a:extLst>
+        </p:cNvPr>
+        <p:cNvGrpSpPr/>
+        <p:nvPr/>
+      </p:nvGrpSpPr>
+      <p:grpSpPr>
+        <a:xfrm>
+          <a:off x="0" y="0"/>
+          <a:ext cx="0" cy="0"/>
+          <a:chOff x="0" y="0"/>
+          <a:chExt cx="0" cy="0"/>
+        </a:xfrm>
+      </p:grpSpPr>
+      <p:cxnSp>
+        <p:nvCxnSpPr>
+          <p:cNvPr id="5" name="Straight Connector 4">
+            <a:extLst>
+              <a:ext uri="{FF2B5EF4-FFF2-40B4-BE49-F238E27FC236}">
+                <a16:creationId xmlns:a16="http://schemas.microsoft.com/office/drawing/2014/main" id="{A3011719-EF61-DCB0-00F1-AF4921B58875}"/>
+              </a:ext>
+            </a:extLst>
+          </p:cNvPr>
+          <p:cNvCxnSpPr>
+            <a:cxnSpLocks/>
+          </p:cNvCxnSpPr>
+          <p:nvPr/>
+        </p:nvCxnSpPr>
+        <p:spPr>
+          <a:xfrm>
+            <a:off x="1390264" y="1240971"/>
+            <a:ext cx="4219956" cy="0"/>
+          </a:xfrm>
+          <a:prstGeom prst="line">
+            <a:avLst/>
+          </a:prstGeom>
+          <a:ln w="28575">
+            <a:solidFill>
+              <a:schemeClr val="tx1"/>
+            </a:solidFill>
+          </a:ln>
+        </p:spPr>
+        <p:style>
+          <a:lnRef idx="1">
+            <a:schemeClr val="dk1"/>
+          </a:lnRef>
+          <a:fillRef idx="0">
+            <a:schemeClr val="dk1"/>
+          </a:fillRef>
+          <a:effectRef idx="0">
+            <a:schemeClr val="dk1"/>
+          </a:effectRef>
+          <a:fontRef idx="minor">
+            <a:schemeClr val="tx1"/>
+          </a:fontRef>
+        </p:style>
+      </p:cxnSp>
+      <p:cxnSp>
+        <p:nvCxnSpPr>
+          <p:cNvPr id="7" name="Straight Connector 6">
+            <a:extLst>
+              <a:ext uri="{FF2B5EF4-FFF2-40B4-BE49-F238E27FC236}">
+                <a16:creationId xmlns:a16="http://schemas.microsoft.com/office/drawing/2014/main" id="{F306249E-F07D-4F80-BDE5-871EE02AEB1B}"/>
+              </a:ext>
+            </a:extLst>
+          </p:cNvPr>
+          <p:cNvCxnSpPr>
+            <a:cxnSpLocks/>
+          </p:cNvCxnSpPr>
+          <p:nvPr/>
+        </p:nvCxnSpPr>
+        <p:spPr>
+          <a:xfrm>
+            <a:off x="1660849" y="1240971"/>
+            <a:ext cx="0" cy="457200"/>
+          </a:xfrm>
+          <a:prstGeom prst="line">
+            <a:avLst/>
+          </a:prstGeom>
+          <a:ln w="28575">
+            <a:solidFill>
+              <a:schemeClr val="tx1"/>
+            </a:solidFill>
+          </a:ln>
+        </p:spPr>
+        <p:style>
+          <a:lnRef idx="1">
+            <a:schemeClr val="dk1"/>
+          </a:lnRef>
+          <a:fillRef idx="0">
+            <a:schemeClr val="dk1"/>
+          </a:fillRef>
+          <a:effectRef idx="0">
+            <a:schemeClr val="dk1"/>
+          </a:effectRef>
+          <a:fontRef idx="minor">
+            <a:schemeClr val="tx1"/>
+          </a:fontRef>
+        </p:style>
+      </p:cxnSp>
+      <p:sp>
+        <p:nvSpPr>
+          <p:cNvPr id="12" name="Rectangle 11">
+            <a:extLst>
+              <a:ext uri="{FF2B5EF4-FFF2-40B4-BE49-F238E27FC236}">
+                <a16:creationId xmlns:a16="http://schemas.microsoft.com/office/drawing/2014/main" id="{4D44D6CA-6C6F-0090-335A-6CD3ADD0B495}"/>
+              </a:ext>
+            </a:extLst>
+          </p:cNvPr>
+          <p:cNvSpPr/>
+          <p:nvPr/>
+        </p:nvSpPr>
+        <p:spPr>
+          <a:xfrm>
+            <a:off x="1390264" y="1707501"/>
+            <a:ext cx="541170" cy="457199"/>
+          </a:xfrm>
+          <a:prstGeom prst="rect">
+            <a:avLst/>
+          </a:prstGeom>
+          <a:solidFill>
+            <a:schemeClr val="bg1"/>
+          </a:solidFill>
+          <a:ln w="28575">
+            <a:solidFill>
+              <a:schemeClr val="tx1"/>
+            </a:solidFill>
+          </a:ln>
+        </p:spPr>
+        <p:style>
+          <a:lnRef idx="2">
+            <a:schemeClr val="accent1">
+              <a:shade val="15000"/>
+            </a:schemeClr>
+          </a:lnRef>
+          <a:fillRef idx="1">
+            <a:schemeClr val="accent1"/>
+          </a:fillRef>
+          <a:effectRef idx="0">
+            <a:schemeClr val="accent1"/>
+          </a:effectRef>
+          <a:fontRef idx="minor">
+            <a:schemeClr val="lt1"/>
+          </a:fontRef>
+        </p:style>
+        <p:txBody>
+          <a:bodyPr rtlCol="0" anchor="ctr"/>
+          <a:lstStyle/>
+          <a:p>
+            <a:pPr algn="ctr"/>
+            <a:endParaRPr lang="en-US"/>
+          </a:p>
+        </p:txBody>
+      </p:sp>
+      <p:sp>
+        <p:nvSpPr>
+          <p:cNvPr id="17" name="Isosceles Triangle 16">
+            <a:extLst>
+              <a:ext uri="{FF2B5EF4-FFF2-40B4-BE49-F238E27FC236}">
+                <a16:creationId xmlns:a16="http://schemas.microsoft.com/office/drawing/2014/main" id="{AE69B92F-BC3D-4538-818B-5EFB71FE9901}"/>
+              </a:ext>
+            </a:extLst>
+          </p:cNvPr>
+          <p:cNvSpPr/>
+          <p:nvPr/>
+        </p:nvSpPr>
+        <p:spPr>
+          <a:xfrm rot="5400000">
+            <a:off x="2097155" y="964320"/>
+            <a:ext cx="383906" cy="553221"/>
+          </a:xfrm>
+          <a:prstGeom prst="triangle">
+            <a:avLst/>
+          </a:prstGeom>
+          <a:solidFill>
+            <a:schemeClr val="bg1"/>
+          </a:solidFill>
+          <a:ln w="28575">
+            <a:solidFill>
+              <a:schemeClr val="tx1"/>
+            </a:solidFill>
+          </a:ln>
+        </p:spPr>
+        <p:style>
+          <a:lnRef idx="2">
+            <a:schemeClr val="accent1">
+              <a:shade val="15000"/>
+            </a:schemeClr>
+          </a:lnRef>
+          <a:fillRef idx="1">
+            <a:schemeClr val="accent1"/>
+          </a:fillRef>
+          <a:effectRef idx="0">
+            <a:schemeClr val="accent1"/>
+          </a:effectRef>
+          <a:fontRef idx="minor">
+            <a:schemeClr val="lt1"/>
+          </a:fontRef>
+        </p:style>
+        <p:txBody>
+          <a:bodyPr rtlCol="0" anchor="ctr"/>
+          <a:lstStyle/>
+          <a:p>
+            <a:pPr algn="ctr"/>
+            <a:endParaRPr lang="en-US"/>
+          </a:p>
+        </p:txBody>
+      </p:sp>
+      <p:sp>
+        <p:nvSpPr>
+          <p:cNvPr id="18" name="Oval 17">
+            <a:extLst>
+              <a:ext uri="{FF2B5EF4-FFF2-40B4-BE49-F238E27FC236}">
+                <a16:creationId xmlns:a16="http://schemas.microsoft.com/office/drawing/2014/main" id="{746FC607-286C-8095-DEC4-AD382C16FEE3}"/>
+              </a:ext>
+            </a:extLst>
+          </p:cNvPr>
+          <p:cNvSpPr/>
+          <p:nvPr/>
+        </p:nvSpPr>
+        <p:spPr>
+          <a:xfrm>
+            <a:off x="2793356" y="1012377"/>
+            <a:ext cx="491411" cy="457188"/>
+          </a:xfrm>
+          <a:prstGeom prst="ellipse">
+            <a:avLst/>
+          </a:prstGeom>
+          <a:solidFill>
+            <a:schemeClr val="bg1"/>
+          </a:solidFill>
+          <a:ln w="28575">
+            <a:solidFill>
+              <a:schemeClr val="tx1"/>
+            </a:solidFill>
+          </a:ln>
+        </p:spPr>
+        <p:style>
+          <a:lnRef idx="2">
+            <a:schemeClr val="accent1">
+              <a:shade val="15000"/>
+            </a:schemeClr>
+          </a:lnRef>
+          <a:fillRef idx="1">
+            <a:schemeClr val="accent1"/>
+          </a:fillRef>
+          <a:effectRef idx="0">
+            <a:schemeClr val="accent1"/>
+          </a:effectRef>
+          <a:fontRef idx="minor">
+            <a:schemeClr val="lt1"/>
+          </a:fontRef>
+        </p:style>
+        <p:txBody>
+          <a:bodyPr rtlCol="0" anchor="ctr"/>
+          <a:lstStyle/>
+          <a:p>
+            <a:pPr algn="ctr"/>
+            <a:endParaRPr lang="en-US"/>
+          </a:p>
+        </p:txBody>
+      </p:sp>
+      <p:sp>
+        <p:nvSpPr>
+          <p:cNvPr id="20" name="TextBox 19">
+            <a:extLst>
+              <a:ext uri="{FF2B5EF4-FFF2-40B4-BE49-F238E27FC236}">
+                <a16:creationId xmlns:a16="http://schemas.microsoft.com/office/drawing/2014/main" id="{71724DD7-7849-93DD-3EBF-73A83173CF05}"/>
+              </a:ext>
+            </a:extLst>
+          </p:cNvPr>
+          <p:cNvSpPr txBox="1"/>
+          <p:nvPr/>
+        </p:nvSpPr>
+        <p:spPr>
+          <a:xfrm>
+            <a:off x="2892881" y="1049018"/>
+            <a:ext cx="298579" cy="369332"/>
+          </a:xfrm>
+          <a:prstGeom prst="rect">
+            <a:avLst/>
+          </a:prstGeom>
+          <a:noFill/>
+          <a:ln>
+            <a:noFill/>
+          </a:ln>
+        </p:spPr>
+        <p:txBody>
+          <a:bodyPr wrap="square" rtlCol="0">
+            <a:spAutoFit/>
+          </a:bodyPr>
+          <a:lstStyle/>
+          <a:p>
+            <a:r>
+              <a:rPr lang="en-US" dirty="0"/>
+              <a:t>+</a:t>
+            </a:r>
+          </a:p>
+        </p:txBody>
+      </p:sp>
+      <p:sp>
+        <p:nvSpPr>
+          <p:cNvPr id="23" name="Isosceles Triangle 22">
+            <a:extLst>
+              <a:ext uri="{FF2B5EF4-FFF2-40B4-BE49-F238E27FC236}">
+                <a16:creationId xmlns:a16="http://schemas.microsoft.com/office/drawing/2014/main" id="{3378F24D-CC59-9D92-7D86-8A489BC40A51}"/>
+              </a:ext>
+            </a:extLst>
+          </p:cNvPr>
+          <p:cNvSpPr/>
+          <p:nvPr/>
+        </p:nvSpPr>
+        <p:spPr>
+          <a:xfrm rot="5400000">
+            <a:off x="2097156" y="2414397"/>
+            <a:ext cx="383906" cy="553221"/>
+          </a:xfrm>
+          <a:prstGeom prst="triangle">
+            <a:avLst/>
+          </a:prstGeom>
+          <a:solidFill>
+            <a:schemeClr val="bg1"/>
+          </a:solidFill>
+          <a:ln w="28575">
+            <a:solidFill>
+              <a:schemeClr val="tx1"/>
+            </a:solidFill>
+          </a:ln>
+        </p:spPr>
+        <p:style>
+          <a:lnRef idx="2">
+            <a:schemeClr val="accent1">
+              <a:shade val="15000"/>
+            </a:schemeClr>
+          </a:lnRef>
+          <a:fillRef idx="1">
+            <a:schemeClr val="accent1"/>
+          </a:fillRef>
+          <a:effectRef idx="0">
+            <a:schemeClr val="accent1"/>
+          </a:effectRef>
+          <a:fontRef idx="minor">
+            <a:schemeClr val="lt1"/>
+          </a:fontRef>
+        </p:style>
+        <p:txBody>
+          <a:bodyPr rtlCol="0" anchor="ctr"/>
+          <a:lstStyle/>
+          <a:p>
+            <a:pPr algn="ctr"/>
+            <a:endParaRPr lang="en-US"/>
+          </a:p>
+        </p:txBody>
+      </p:sp>
+      <p:sp>
+        <p:nvSpPr>
+          <p:cNvPr id="24" name="Oval 23">
+            <a:extLst>
+              <a:ext uri="{FF2B5EF4-FFF2-40B4-BE49-F238E27FC236}">
+                <a16:creationId xmlns:a16="http://schemas.microsoft.com/office/drawing/2014/main" id="{BAA1AD87-8408-01AE-2289-06D371807F6E}"/>
+              </a:ext>
+            </a:extLst>
+          </p:cNvPr>
+          <p:cNvSpPr/>
+          <p:nvPr/>
+        </p:nvSpPr>
+        <p:spPr>
+          <a:xfrm>
+            <a:off x="2793355" y="2462413"/>
+            <a:ext cx="491411" cy="457188"/>
+          </a:xfrm>
+          <a:prstGeom prst="ellipse">
+            <a:avLst/>
+          </a:prstGeom>
+          <a:solidFill>
+            <a:schemeClr val="bg1"/>
+          </a:solidFill>
+          <a:ln w="28575">
+            <a:solidFill>
+              <a:schemeClr val="tx1"/>
+            </a:solidFill>
+          </a:ln>
+        </p:spPr>
+        <p:style>
+          <a:lnRef idx="2">
+            <a:schemeClr val="accent1">
+              <a:shade val="15000"/>
+            </a:schemeClr>
+          </a:lnRef>
+          <a:fillRef idx="1">
+            <a:schemeClr val="accent1"/>
+          </a:fillRef>
+          <a:effectRef idx="0">
+            <a:schemeClr val="accent1"/>
+          </a:effectRef>
+          <a:fontRef idx="minor">
+            <a:schemeClr val="lt1"/>
+          </a:fontRef>
+        </p:style>
+        <p:txBody>
+          <a:bodyPr rtlCol="0" anchor="ctr"/>
+          <a:lstStyle/>
+          <a:p>
+            <a:pPr algn="ctr"/>
+            <a:endParaRPr lang="en-US"/>
+          </a:p>
+        </p:txBody>
+      </p:sp>
+      <p:sp>
+        <p:nvSpPr>
+          <p:cNvPr id="25" name="TextBox 24">
+            <a:extLst>
+              <a:ext uri="{FF2B5EF4-FFF2-40B4-BE49-F238E27FC236}">
+                <a16:creationId xmlns:a16="http://schemas.microsoft.com/office/drawing/2014/main" id="{D04A68B9-6A04-005F-4DC2-0E96067C5F47}"/>
+              </a:ext>
+            </a:extLst>
+          </p:cNvPr>
+          <p:cNvSpPr txBox="1"/>
+          <p:nvPr/>
+        </p:nvSpPr>
+        <p:spPr>
+          <a:xfrm>
+            <a:off x="2892880" y="2499054"/>
+            <a:ext cx="298579" cy="369332"/>
+          </a:xfrm>
+          <a:prstGeom prst="rect">
+            <a:avLst/>
+          </a:prstGeom>
+          <a:noFill/>
+          <a:ln>
+            <a:noFill/>
+          </a:ln>
+        </p:spPr>
+        <p:txBody>
+          <a:bodyPr wrap="square" rtlCol="0">
+            <a:spAutoFit/>
+          </a:bodyPr>
+          <a:lstStyle/>
+          <a:p>
+            <a:r>
+              <a:rPr lang="en-US" dirty="0"/>
+              <a:t>+</a:t>
+            </a:r>
+          </a:p>
+        </p:txBody>
+      </p:sp>
+      <p:sp>
+        <p:nvSpPr>
+          <p:cNvPr id="29" name="Isosceles Triangle 28">
+            <a:extLst>
+              <a:ext uri="{FF2B5EF4-FFF2-40B4-BE49-F238E27FC236}">
+                <a16:creationId xmlns:a16="http://schemas.microsoft.com/office/drawing/2014/main" id="{0A71695B-4594-C473-4855-3924D74572C5}"/>
+              </a:ext>
+            </a:extLst>
+          </p:cNvPr>
+          <p:cNvSpPr/>
+          <p:nvPr/>
+        </p:nvSpPr>
+        <p:spPr>
+          <a:xfrm rot="5400000">
+            <a:off x="2097155" y="5257615"/>
+            <a:ext cx="383906" cy="553221"/>
+          </a:xfrm>
+          <a:prstGeom prst="triangle">
+            <a:avLst/>
+          </a:prstGeom>
+          <a:solidFill>
+            <a:schemeClr val="bg1"/>
+          </a:solidFill>
+          <a:ln w="28575">
+            <a:solidFill>
+              <a:schemeClr val="tx1"/>
+            </a:solidFill>
+          </a:ln>
+        </p:spPr>
+        <p:style>
+          <a:lnRef idx="2">
+            <a:schemeClr val="accent1">
+              <a:shade val="15000"/>
+            </a:schemeClr>
+          </a:lnRef>
+          <a:fillRef idx="1">
+            <a:schemeClr val="accent1"/>
+          </a:fillRef>
+          <a:effectRef idx="0">
+            <a:schemeClr val="accent1"/>
+          </a:effectRef>
+          <a:fontRef idx="minor">
+            <a:schemeClr val="lt1"/>
+          </a:fontRef>
+        </p:style>
+        <p:txBody>
+          <a:bodyPr rtlCol="0" anchor="ctr"/>
+          <a:lstStyle/>
+          <a:p>
+            <a:pPr algn="ctr"/>
+            <a:endParaRPr lang="en-US"/>
+          </a:p>
+        </p:txBody>
+      </p:sp>
+      <p:cxnSp>
+        <p:nvCxnSpPr>
+          <p:cNvPr id="32" name="Straight Connector 31">
+            <a:extLst>
+              <a:ext uri="{FF2B5EF4-FFF2-40B4-BE49-F238E27FC236}">
+                <a16:creationId xmlns:a16="http://schemas.microsoft.com/office/drawing/2014/main" id="{80164593-E788-F206-8251-8FB42697DF80}"/>
+              </a:ext>
+            </a:extLst>
+          </p:cNvPr>
+          <p:cNvCxnSpPr>
+            <a:cxnSpLocks/>
+            <a:stCxn id="12" idx="2"/>
+          </p:cNvCxnSpPr>
+          <p:nvPr/>
+        </p:nvCxnSpPr>
+        <p:spPr>
+          <a:xfrm>
+            <a:off x="1660849" y="2164700"/>
+            <a:ext cx="0" cy="1026370"/>
+          </a:xfrm>
+          <a:prstGeom prst="line">
+            <a:avLst/>
+          </a:prstGeom>
+          <a:ln w="28575">
+            <a:solidFill>
+              <a:schemeClr val="tx1"/>
+            </a:solidFill>
+          </a:ln>
+        </p:spPr>
+        <p:style>
+          <a:lnRef idx="1">
+            <a:schemeClr val="dk1"/>
+          </a:lnRef>
+          <a:fillRef idx="0">
+            <a:schemeClr val="dk1"/>
+          </a:fillRef>
+          <a:effectRef idx="0">
+            <a:schemeClr val="dk1"/>
+          </a:effectRef>
+          <a:fontRef idx="minor">
+            <a:schemeClr val="tx1"/>
+          </a:fontRef>
+        </p:style>
+      </p:cxnSp>
+      <p:sp>
+        <p:nvSpPr>
+          <p:cNvPr id="33" name="Rectangle 32">
+            <a:extLst>
+              <a:ext uri="{FF2B5EF4-FFF2-40B4-BE49-F238E27FC236}">
+                <a16:creationId xmlns:a16="http://schemas.microsoft.com/office/drawing/2014/main" id="{3C5E4D22-26F0-C9C9-9DB8-AB45DD827988}"/>
+              </a:ext>
+            </a:extLst>
+          </p:cNvPr>
+          <p:cNvSpPr/>
+          <p:nvPr/>
+        </p:nvSpPr>
+        <p:spPr>
+          <a:xfrm>
+            <a:off x="1390264" y="3200400"/>
+            <a:ext cx="541170" cy="457199"/>
+          </a:xfrm>
+          <a:prstGeom prst="rect">
+            <a:avLst/>
+          </a:prstGeom>
+          <a:solidFill>
+            <a:schemeClr val="bg1"/>
+          </a:solidFill>
+          <a:ln w="28575">
+            <a:solidFill>
+              <a:schemeClr val="tx1"/>
+            </a:solidFill>
+          </a:ln>
+        </p:spPr>
+        <p:style>
+          <a:lnRef idx="2">
+            <a:schemeClr val="accent1">
+              <a:shade val="15000"/>
+            </a:schemeClr>
+          </a:lnRef>
+          <a:fillRef idx="1">
+            <a:schemeClr val="accent1"/>
+          </a:fillRef>
+          <a:effectRef idx="0">
+            <a:schemeClr val="accent1"/>
+          </a:effectRef>
+          <a:fontRef idx="minor">
+            <a:schemeClr val="lt1"/>
+          </a:fontRef>
+        </p:style>
+        <p:txBody>
+          <a:bodyPr rtlCol="0" anchor="ctr"/>
+          <a:lstStyle/>
+          <a:p>
+            <a:pPr algn="ctr"/>
+            <a:endParaRPr lang="en-US"/>
+          </a:p>
+        </p:txBody>
+      </p:sp>
+      <p:sp>
+        <p:nvSpPr>
+          <p:cNvPr id="41" name="Isosceles Triangle 40">
+            <a:extLst>
+              <a:ext uri="{FF2B5EF4-FFF2-40B4-BE49-F238E27FC236}">
+                <a16:creationId xmlns:a16="http://schemas.microsoft.com/office/drawing/2014/main" id="{58246705-5CB1-D723-B952-5875BDCED211}"/>
+              </a:ext>
+            </a:extLst>
+          </p:cNvPr>
+          <p:cNvSpPr/>
+          <p:nvPr/>
+        </p:nvSpPr>
+        <p:spPr>
+          <a:xfrm rot="5400000">
+            <a:off x="2097156" y="3799365"/>
+            <a:ext cx="383906" cy="553221"/>
+          </a:xfrm>
+          <a:prstGeom prst="triangle">
+            <a:avLst/>
+          </a:prstGeom>
+          <a:solidFill>
+            <a:schemeClr val="bg1"/>
+          </a:solidFill>
+          <a:ln w="28575">
+            <a:solidFill>
+              <a:schemeClr val="tx1"/>
+            </a:solidFill>
+          </a:ln>
+        </p:spPr>
+        <p:style>
+          <a:lnRef idx="2">
+            <a:schemeClr val="accent1">
+              <a:shade val="15000"/>
+            </a:schemeClr>
+          </a:lnRef>
+          <a:fillRef idx="1">
+            <a:schemeClr val="accent1"/>
+          </a:fillRef>
+          <a:effectRef idx="0">
+            <a:schemeClr val="accent1"/>
+          </a:effectRef>
+          <a:fontRef idx="minor">
+            <a:schemeClr val="lt1"/>
+          </a:fontRef>
+        </p:style>
+        <p:txBody>
+          <a:bodyPr rtlCol="0" anchor="ctr"/>
+          <a:lstStyle/>
+          <a:p>
+            <a:pPr algn="ctr"/>
+            <a:endParaRPr lang="en-US"/>
+          </a:p>
+        </p:txBody>
+      </p:sp>
+      <p:sp>
+        <p:nvSpPr>
+          <p:cNvPr id="42" name="Oval 41">
+            <a:extLst>
+              <a:ext uri="{FF2B5EF4-FFF2-40B4-BE49-F238E27FC236}">
+                <a16:creationId xmlns:a16="http://schemas.microsoft.com/office/drawing/2014/main" id="{C78C1F17-2156-2B1B-70F2-8C03DB9B4A7A}"/>
+              </a:ext>
+            </a:extLst>
+          </p:cNvPr>
+          <p:cNvSpPr/>
+          <p:nvPr/>
+        </p:nvSpPr>
+        <p:spPr>
+          <a:xfrm>
+            <a:off x="2793355" y="3847381"/>
+            <a:ext cx="491411" cy="457188"/>
+          </a:xfrm>
+          <a:prstGeom prst="ellipse">
+            <a:avLst/>
+          </a:prstGeom>
+          <a:solidFill>
+            <a:schemeClr val="bg1"/>
+          </a:solidFill>
+          <a:ln w="28575">
+            <a:solidFill>
+              <a:schemeClr val="tx1"/>
+            </a:solidFill>
+          </a:ln>
+        </p:spPr>
+        <p:style>
+          <a:lnRef idx="2">
+            <a:schemeClr val="accent1">
+              <a:shade val="15000"/>
+            </a:schemeClr>
+          </a:lnRef>
+          <a:fillRef idx="1">
+            <a:schemeClr val="accent1"/>
+          </a:fillRef>
+          <a:effectRef idx="0">
+            <a:schemeClr val="accent1"/>
+          </a:effectRef>
+          <a:fontRef idx="minor">
+            <a:schemeClr val="lt1"/>
+          </a:fontRef>
+        </p:style>
+        <p:txBody>
+          <a:bodyPr rtlCol="0" anchor="ctr"/>
+          <a:lstStyle/>
+          <a:p>
+            <a:pPr algn="ctr"/>
+            <a:endParaRPr lang="en-US"/>
+          </a:p>
+        </p:txBody>
+      </p:sp>
+      <p:sp>
+        <p:nvSpPr>
+          <p:cNvPr id="43" name="TextBox 42">
+            <a:extLst>
+              <a:ext uri="{FF2B5EF4-FFF2-40B4-BE49-F238E27FC236}">
+                <a16:creationId xmlns:a16="http://schemas.microsoft.com/office/drawing/2014/main" id="{A8E6D62F-F013-7652-A188-B7595F8EBF28}"/>
+              </a:ext>
+            </a:extLst>
+          </p:cNvPr>
+          <p:cNvSpPr txBox="1"/>
+          <p:nvPr/>
+        </p:nvSpPr>
+        <p:spPr>
+          <a:xfrm>
+            <a:off x="2892880" y="3884022"/>
+            <a:ext cx="298579" cy="369332"/>
+          </a:xfrm>
+          <a:prstGeom prst="rect">
+            <a:avLst/>
+          </a:prstGeom>
+          <a:noFill/>
+          <a:ln>
+            <a:noFill/>
+          </a:ln>
+        </p:spPr>
+        <p:txBody>
+          <a:bodyPr wrap="square" rtlCol="0">
+            <a:spAutoFit/>
+          </a:bodyPr>
+          <a:lstStyle/>
+          <a:p>
+            <a:r>
+              <a:rPr lang="en-US" dirty="0"/>
+              <a:t>+</a:t>
+            </a:r>
+          </a:p>
+        </p:txBody>
+      </p:sp>
+      <p:cxnSp>
+        <p:nvCxnSpPr>
+          <p:cNvPr id="44" name="Straight Connector 43">
+            <a:extLst>
+              <a:ext uri="{FF2B5EF4-FFF2-40B4-BE49-F238E27FC236}">
+                <a16:creationId xmlns:a16="http://schemas.microsoft.com/office/drawing/2014/main" id="{A0548856-63E5-7AF7-C2AD-7B08AE8A99E1}"/>
+              </a:ext>
+            </a:extLst>
+          </p:cNvPr>
+          <p:cNvCxnSpPr>
+            <a:cxnSpLocks/>
+          </p:cNvCxnSpPr>
+          <p:nvPr/>
+        </p:nvCxnSpPr>
+        <p:spPr>
+          <a:xfrm>
+            <a:off x="1660848" y="4091091"/>
+            <a:ext cx="1" cy="484947"/>
+          </a:xfrm>
+          <a:prstGeom prst="line">
+            <a:avLst/>
+          </a:prstGeom>
+          <a:ln w="28575">
+            <a:solidFill>
+              <a:schemeClr val="tx1"/>
+            </a:solidFill>
+          </a:ln>
+        </p:spPr>
+        <p:style>
+          <a:lnRef idx="1">
+            <a:schemeClr val="dk1"/>
+          </a:lnRef>
+          <a:fillRef idx="0">
+            <a:schemeClr val="dk1"/>
+          </a:fillRef>
+          <a:effectRef idx="0">
+            <a:schemeClr val="dk1"/>
+          </a:effectRef>
+          <a:fontRef idx="minor">
+            <a:schemeClr val="tx1"/>
+          </a:fontRef>
+        </p:style>
+      </p:cxnSp>
+      <p:sp>
+        <p:nvSpPr>
+          <p:cNvPr id="45" name="Rectangle 44">
+            <a:extLst>
+              <a:ext uri="{FF2B5EF4-FFF2-40B4-BE49-F238E27FC236}">
+                <a16:creationId xmlns:a16="http://schemas.microsoft.com/office/drawing/2014/main" id="{FCE18D18-484B-C2DD-319D-AE9B00CB593F}"/>
+              </a:ext>
+            </a:extLst>
+          </p:cNvPr>
+          <p:cNvSpPr/>
+          <p:nvPr/>
+        </p:nvSpPr>
+        <p:spPr>
+          <a:xfrm>
+            <a:off x="1390264" y="4585368"/>
+            <a:ext cx="541170" cy="457199"/>
+          </a:xfrm>
+          <a:prstGeom prst="rect">
+            <a:avLst/>
+          </a:prstGeom>
+          <a:solidFill>
+            <a:schemeClr val="bg1"/>
+          </a:solidFill>
+          <a:ln w="28575">
+            <a:solidFill>
+              <a:schemeClr val="tx1"/>
+            </a:solidFill>
+          </a:ln>
+        </p:spPr>
+        <p:style>
+          <a:lnRef idx="2">
+            <a:schemeClr val="accent1">
+              <a:shade val="15000"/>
+            </a:schemeClr>
+          </a:lnRef>
+          <a:fillRef idx="1">
+            <a:schemeClr val="accent1"/>
+          </a:fillRef>
+          <a:effectRef idx="0">
+            <a:schemeClr val="accent1"/>
+          </a:effectRef>
+          <a:fontRef idx="minor">
+            <a:schemeClr val="lt1"/>
+          </a:fontRef>
+        </p:style>
+        <p:txBody>
+          <a:bodyPr rtlCol="0" anchor="ctr"/>
+          <a:lstStyle/>
+          <a:p>
+            <a:pPr algn="ctr"/>
+            <a:endParaRPr lang="en-US"/>
+          </a:p>
+        </p:txBody>
+      </p:sp>
+      <p:cxnSp>
+        <p:nvCxnSpPr>
+          <p:cNvPr id="51" name="Straight Connector 50">
+            <a:extLst>
+              <a:ext uri="{FF2B5EF4-FFF2-40B4-BE49-F238E27FC236}">
+                <a16:creationId xmlns:a16="http://schemas.microsoft.com/office/drawing/2014/main" id="{38F6FCD4-BC6C-A948-BB55-30F7C93ABB66}"/>
+              </a:ext>
+            </a:extLst>
+          </p:cNvPr>
+          <p:cNvCxnSpPr>
+            <a:cxnSpLocks/>
+          </p:cNvCxnSpPr>
+          <p:nvPr/>
+        </p:nvCxnSpPr>
+        <p:spPr>
+          <a:xfrm>
+            <a:off x="1660849" y="5042567"/>
+            <a:ext cx="0" cy="509147"/>
+          </a:xfrm>
+          <a:prstGeom prst="line">
+            <a:avLst/>
+          </a:prstGeom>
+          <a:ln w="28575">
+            <a:solidFill>
+              <a:schemeClr val="tx1"/>
+            </a:solidFill>
+          </a:ln>
+        </p:spPr>
+        <p:style>
+          <a:lnRef idx="1">
+            <a:schemeClr val="dk1"/>
+          </a:lnRef>
+          <a:fillRef idx="0">
+            <a:schemeClr val="dk1"/>
+          </a:fillRef>
+          <a:effectRef idx="0">
+            <a:schemeClr val="dk1"/>
+          </a:effectRef>
+          <a:fontRef idx="minor">
+            <a:schemeClr val="tx1"/>
+          </a:fontRef>
+        </p:style>
+      </p:cxnSp>
+      <p:cxnSp>
+        <p:nvCxnSpPr>
+          <p:cNvPr id="53" name="Straight Connector 52">
+            <a:extLst>
+              <a:ext uri="{FF2B5EF4-FFF2-40B4-BE49-F238E27FC236}">
+                <a16:creationId xmlns:a16="http://schemas.microsoft.com/office/drawing/2014/main" id="{7DB03149-90BC-C85D-1718-F7DD4FC42754}"/>
+              </a:ext>
+            </a:extLst>
+          </p:cNvPr>
+          <p:cNvCxnSpPr>
+            <a:cxnSpLocks/>
+            <a:endCxn id="29" idx="3"/>
+          </p:cNvCxnSpPr>
+          <p:nvPr/>
+        </p:nvCxnSpPr>
+        <p:spPr>
+          <a:xfrm>
+            <a:off x="1660849" y="5534226"/>
+            <a:ext cx="351649" cy="0"/>
+          </a:xfrm>
+          <a:prstGeom prst="line">
+            <a:avLst/>
+          </a:prstGeom>
+          <a:ln w="28575">
+            <a:solidFill>
+              <a:schemeClr val="tx1"/>
+            </a:solidFill>
+          </a:ln>
+        </p:spPr>
+        <p:style>
+          <a:lnRef idx="1">
+            <a:schemeClr val="dk1"/>
+          </a:lnRef>
+          <a:fillRef idx="0">
+            <a:schemeClr val="dk1"/>
+          </a:fillRef>
+          <a:effectRef idx="0">
+            <a:schemeClr val="dk1"/>
+          </a:effectRef>
+          <a:fontRef idx="minor">
+            <a:schemeClr val="tx1"/>
+          </a:fontRef>
+        </p:style>
+      </p:cxnSp>
+      <p:cxnSp>
+        <p:nvCxnSpPr>
+          <p:cNvPr id="58" name="Straight Connector 57">
+            <a:extLst>
+              <a:ext uri="{FF2B5EF4-FFF2-40B4-BE49-F238E27FC236}">
+                <a16:creationId xmlns:a16="http://schemas.microsoft.com/office/drawing/2014/main" id="{8734214D-4A80-7069-70C1-9F2672C3C2F9}"/>
+              </a:ext>
+            </a:extLst>
+          </p:cNvPr>
+          <p:cNvCxnSpPr>
+            <a:cxnSpLocks/>
+          </p:cNvCxnSpPr>
+          <p:nvPr/>
+        </p:nvCxnSpPr>
+        <p:spPr>
+          <a:xfrm>
+            <a:off x="1660848" y="4091091"/>
+            <a:ext cx="351649" cy="0"/>
+          </a:xfrm>
+          <a:prstGeom prst="line">
+            <a:avLst/>
+          </a:prstGeom>
+          <a:ln w="28575">
+            <a:solidFill>
+              <a:schemeClr val="tx1"/>
+            </a:solidFill>
+          </a:ln>
+        </p:spPr>
+        <p:style>
+          <a:lnRef idx="1">
+            <a:schemeClr val="dk1"/>
+          </a:lnRef>
+          <a:fillRef idx="0">
+            <a:schemeClr val="dk1"/>
+          </a:fillRef>
+          <a:effectRef idx="0">
+            <a:schemeClr val="dk1"/>
+          </a:effectRef>
+          <a:fontRef idx="minor">
+            <a:schemeClr val="tx1"/>
+          </a:fontRef>
+        </p:style>
+      </p:cxnSp>
+      <p:cxnSp>
+        <p:nvCxnSpPr>
+          <p:cNvPr id="59" name="Straight Connector 58">
+            <a:extLst>
+              <a:ext uri="{FF2B5EF4-FFF2-40B4-BE49-F238E27FC236}">
+                <a16:creationId xmlns:a16="http://schemas.microsoft.com/office/drawing/2014/main" id="{7D538674-0135-BBB0-5244-8554CCF0532D}"/>
+              </a:ext>
+            </a:extLst>
+          </p:cNvPr>
+          <p:cNvCxnSpPr>
+            <a:cxnSpLocks/>
+          </p:cNvCxnSpPr>
+          <p:nvPr/>
+        </p:nvCxnSpPr>
+        <p:spPr>
+          <a:xfrm>
+            <a:off x="1660848" y="2691500"/>
+            <a:ext cx="351649" cy="0"/>
+          </a:xfrm>
+          <a:prstGeom prst="line">
+            <a:avLst/>
+          </a:prstGeom>
+          <a:ln w="28575">
+            <a:solidFill>
+              <a:schemeClr val="tx1"/>
+            </a:solidFill>
+          </a:ln>
+        </p:spPr>
+        <p:style>
+          <a:lnRef idx="1">
+            <a:schemeClr val="dk1"/>
+          </a:lnRef>
+          <a:fillRef idx="0">
+            <a:schemeClr val="dk1"/>
+          </a:fillRef>
+          <a:effectRef idx="0">
+            <a:schemeClr val="dk1"/>
+          </a:effectRef>
+          <a:fontRef idx="minor">
+            <a:schemeClr val="tx1"/>
+          </a:fontRef>
+        </p:style>
+      </p:cxnSp>
+      <p:cxnSp>
+        <p:nvCxnSpPr>
+          <p:cNvPr id="60" name="Straight Connector 59">
+            <a:extLst>
+              <a:ext uri="{FF2B5EF4-FFF2-40B4-BE49-F238E27FC236}">
+                <a16:creationId xmlns:a16="http://schemas.microsoft.com/office/drawing/2014/main" id="{C413544B-A5A0-A9C3-9A25-A2F955346968}"/>
+              </a:ext>
+            </a:extLst>
+          </p:cNvPr>
+          <p:cNvCxnSpPr>
+            <a:cxnSpLocks/>
+            <a:endCxn id="24" idx="2"/>
+          </p:cNvCxnSpPr>
+          <p:nvPr/>
+        </p:nvCxnSpPr>
+        <p:spPr>
+          <a:xfrm flipV="1">
+            <a:off x="2541230" y="2691007"/>
+            <a:ext cx="252125" cy="4776"/>
+          </a:xfrm>
+          <a:prstGeom prst="line">
+            <a:avLst/>
+          </a:prstGeom>
+          <a:ln w="28575">
+            <a:solidFill>
+              <a:schemeClr val="tx1"/>
+            </a:solidFill>
+          </a:ln>
+        </p:spPr>
+        <p:style>
+          <a:lnRef idx="1">
+            <a:schemeClr val="dk1"/>
+          </a:lnRef>
+          <a:fillRef idx="0">
+            <a:schemeClr val="dk1"/>
+          </a:fillRef>
+          <a:effectRef idx="0">
+            <a:schemeClr val="dk1"/>
+          </a:effectRef>
+          <a:fontRef idx="minor">
+            <a:schemeClr val="tx1"/>
+          </a:fontRef>
+        </p:style>
+      </p:cxnSp>
+      <p:cxnSp>
+        <p:nvCxnSpPr>
+          <p:cNvPr id="62" name="Straight Connector 61">
+            <a:extLst>
+              <a:ext uri="{FF2B5EF4-FFF2-40B4-BE49-F238E27FC236}">
+                <a16:creationId xmlns:a16="http://schemas.microsoft.com/office/drawing/2014/main" id="{497D71F0-B293-D191-C5D6-2A065CB0792C}"/>
+              </a:ext>
+            </a:extLst>
+          </p:cNvPr>
+          <p:cNvCxnSpPr>
+            <a:cxnSpLocks/>
+          </p:cNvCxnSpPr>
+          <p:nvPr/>
+        </p:nvCxnSpPr>
+        <p:spPr>
+          <a:xfrm flipV="1">
+            <a:off x="2539182" y="4059096"/>
+            <a:ext cx="252125" cy="4776"/>
+          </a:xfrm>
+          <a:prstGeom prst="line">
+            <a:avLst/>
+          </a:prstGeom>
+          <a:ln w="28575">
+            <a:solidFill>
+              <a:schemeClr val="tx1"/>
+            </a:solidFill>
+          </a:ln>
+        </p:spPr>
+        <p:style>
+          <a:lnRef idx="1">
+            <a:schemeClr val="dk1"/>
+          </a:lnRef>
+          <a:fillRef idx="0">
+            <a:schemeClr val="dk1"/>
+          </a:fillRef>
+          <a:effectRef idx="0">
+            <a:schemeClr val="dk1"/>
+          </a:effectRef>
+          <a:fontRef idx="minor">
+            <a:schemeClr val="tx1"/>
+          </a:fontRef>
+        </p:style>
+      </p:cxnSp>
+      <p:cxnSp>
+        <p:nvCxnSpPr>
+          <p:cNvPr id="63" name="Straight Connector 62">
+            <a:extLst>
+              <a:ext uri="{FF2B5EF4-FFF2-40B4-BE49-F238E27FC236}">
+                <a16:creationId xmlns:a16="http://schemas.microsoft.com/office/drawing/2014/main" id="{2430696B-49DD-9F2F-4C68-223372F3F9A9}"/>
+              </a:ext>
+            </a:extLst>
+          </p:cNvPr>
+          <p:cNvCxnSpPr>
+            <a:cxnSpLocks/>
+          </p:cNvCxnSpPr>
+          <p:nvPr/>
+        </p:nvCxnSpPr>
+        <p:spPr>
+          <a:xfrm>
+            <a:off x="2539181" y="5526053"/>
+            <a:ext cx="499872" cy="0"/>
+          </a:xfrm>
+          <a:prstGeom prst="line">
+            <a:avLst/>
+          </a:prstGeom>
+          <a:ln w="28575">
+            <a:solidFill>
+              <a:schemeClr val="tx1"/>
+            </a:solidFill>
+          </a:ln>
+        </p:spPr>
+        <p:style>
+          <a:lnRef idx="1">
+            <a:schemeClr val="dk1"/>
+          </a:lnRef>
+          <a:fillRef idx="0">
+            <a:schemeClr val="dk1"/>
+          </a:fillRef>
+          <a:effectRef idx="0">
+            <a:schemeClr val="dk1"/>
+          </a:effectRef>
+          <a:fontRef idx="minor">
+            <a:schemeClr val="tx1"/>
+          </a:fontRef>
+        </p:style>
+      </p:cxnSp>
+      <p:cxnSp>
+        <p:nvCxnSpPr>
+          <p:cNvPr id="64" name="Straight Connector 63">
+            <a:extLst>
+              <a:ext uri="{FF2B5EF4-FFF2-40B4-BE49-F238E27FC236}">
+                <a16:creationId xmlns:a16="http://schemas.microsoft.com/office/drawing/2014/main" id="{0C64E3A1-B522-E319-FFB6-3089C28024AE}"/>
+              </a:ext>
+            </a:extLst>
+          </p:cNvPr>
+          <p:cNvCxnSpPr>
+            <a:cxnSpLocks/>
+            <a:endCxn id="24" idx="0"/>
+          </p:cNvCxnSpPr>
+          <p:nvPr/>
+        </p:nvCxnSpPr>
+        <p:spPr>
+          <a:xfrm>
+            <a:off x="3039059" y="1460241"/>
+            <a:ext cx="2" cy="1002172"/>
+          </a:xfrm>
+          <a:prstGeom prst="line">
+            <a:avLst/>
+          </a:prstGeom>
+          <a:ln w="28575">
+            <a:solidFill>
+              <a:schemeClr val="tx1"/>
+            </a:solidFill>
+          </a:ln>
+        </p:spPr>
+        <p:style>
+          <a:lnRef idx="1">
+            <a:schemeClr val="dk1"/>
+          </a:lnRef>
+          <a:fillRef idx="0">
+            <a:schemeClr val="dk1"/>
+          </a:fillRef>
+          <a:effectRef idx="0">
+            <a:schemeClr val="dk1"/>
+          </a:effectRef>
+          <a:fontRef idx="minor">
+            <a:schemeClr val="tx1"/>
+          </a:fontRef>
+        </p:style>
+      </p:cxnSp>
+      <p:cxnSp>
+        <p:nvCxnSpPr>
+          <p:cNvPr id="66" name="Straight Connector 65">
+            <a:extLst>
+              <a:ext uri="{FF2B5EF4-FFF2-40B4-BE49-F238E27FC236}">
+                <a16:creationId xmlns:a16="http://schemas.microsoft.com/office/drawing/2014/main" id="{47A3670E-0571-6FC5-7145-70B8628E51EF}"/>
+              </a:ext>
+            </a:extLst>
+          </p:cNvPr>
+          <p:cNvCxnSpPr>
+            <a:cxnSpLocks/>
+            <a:endCxn id="42" idx="0"/>
+          </p:cNvCxnSpPr>
+          <p:nvPr/>
+        </p:nvCxnSpPr>
+        <p:spPr>
+          <a:xfrm>
+            <a:off x="3039057" y="2927913"/>
+            <a:ext cx="4" cy="919468"/>
+          </a:xfrm>
+          <a:prstGeom prst="line">
+            <a:avLst/>
+          </a:prstGeom>
+          <a:ln w="28575">
+            <a:solidFill>
+              <a:schemeClr val="tx1"/>
+            </a:solidFill>
+            <a:prstDash val="lgDashDot"/>
+          </a:ln>
+        </p:spPr>
+        <p:style>
+          <a:lnRef idx="1">
+            <a:schemeClr val="dk1"/>
+          </a:lnRef>
+          <a:fillRef idx="0">
+            <a:schemeClr val="dk1"/>
+          </a:fillRef>
+          <a:effectRef idx="0">
+            <a:schemeClr val="dk1"/>
+          </a:effectRef>
+          <a:fontRef idx="minor">
+            <a:schemeClr val="tx1"/>
+          </a:fontRef>
+        </p:style>
+      </p:cxnSp>
+      <p:cxnSp>
+        <p:nvCxnSpPr>
+          <p:cNvPr id="69" name="Straight Connector 68">
+            <a:extLst>
+              <a:ext uri="{FF2B5EF4-FFF2-40B4-BE49-F238E27FC236}">
+                <a16:creationId xmlns:a16="http://schemas.microsoft.com/office/drawing/2014/main" id="{30323096-600A-A21C-22B0-773ACE8E2CF9}"/>
+              </a:ext>
+            </a:extLst>
+          </p:cNvPr>
+          <p:cNvCxnSpPr>
+            <a:cxnSpLocks/>
+          </p:cNvCxnSpPr>
+          <p:nvPr/>
+        </p:nvCxnSpPr>
+        <p:spPr>
+          <a:xfrm>
+            <a:off x="3039053" y="4312881"/>
+            <a:ext cx="0" cy="1221344"/>
+          </a:xfrm>
+          <a:prstGeom prst="line">
+            <a:avLst/>
+          </a:prstGeom>
+          <a:ln w="28575">
+            <a:solidFill>
+              <a:schemeClr val="tx1"/>
+            </a:solidFill>
+          </a:ln>
+        </p:spPr>
+        <p:style>
+          <a:lnRef idx="1">
+            <a:schemeClr val="dk1"/>
+          </a:lnRef>
+          <a:fillRef idx="0">
+            <a:schemeClr val="dk1"/>
+          </a:fillRef>
+          <a:effectRef idx="0">
+            <a:schemeClr val="dk1"/>
+          </a:effectRef>
+          <a:fontRef idx="minor">
+            <a:schemeClr val="tx1"/>
+          </a:fontRef>
+        </p:style>
+      </p:cxnSp>
+      <p:sp>
+        <p:nvSpPr>
+          <p:cNvPr id="76" name="Rectangle 75">
+            <a:extLst>
+              <a:ext uri="{FF2B5EF4-FFF2-40B4-BE49-F238E27FC236}">
+                <a16:creationId xmlns:a16="http://schemas.microsoft.com/office/drawing/2014/main" id="{FD509F4B-CA26-B380-873B-FEFCDE4E4980}"/>
+              </a:ext>
+            </a:extLst>
+          </p:cNvPr>
+          <p:cNvSpPr/>
+          <p:nvPr/>
+        </p:nvSpPr>
+        <p:spPr>
+          <a:xfrm flipH="1">
+            <a:off x="5069050" y="1707501"/>
+            <a:ext cx="541170" cy="457199"/>
+          </a:xfrm>
+          <a:prstGeom prst="rect">
+            <a:avLst/>
+          </a:prstGeom>
+          <a:solidFill>
+            <a:schemeClr val="bg1"/>
+          </a:solidFill>
+          <a:ln w="28575">
+            <a:solidFill>
+              <a:schemeClr val="tx1"/>
+            </a:solidFill>
+          </a:ln>
+        </p:spPr>
+        <p:style>
+          <a:lnRef idx="2">
+            <a:schemeClr val="accent1">
+              <a:shade val="15000"/>
+            </a:schemeClr>
+          </a:lnRef>
+          <a:fillRef idx="1">
+            <a:schemeClr val="accent1"/>
+          </a:fillRef>
+          <a:effectRef idx="0">
+            <a:schemeClr val="accent1"/>
+          </a:effectRef>
+          <a:fontRef idx="minor">
+            <a:schemeClr val="lt1"/>
+          </a:fontRef>
+        </p:style>
+        <p:txBody>
+          <a:bodyPr rtlCol="0" anchor="ctr"/>
+          <a:lstStyle/>
+          <a:p>
+            <a:pPr algn="ctr"/>
+            <a:endParaRPr lang="en-US"/>
+          </a:p>
+        </p:txBody>
+      </p:sp>
+      <p:sp>
+        <p:nvSpPr>
+          <p:cNvPr id="77" name="TextBox 76">
+            <a:extLst>
+              <a:ext uri="{FF2B5EF4-FFF2-40B4-BE49-F238E27FC236}">
+                <a16:creationId xmlns:a16="http://schemas.microsoft.com/office/drawing/2014/main" id="{5AE2F242-BFE8-91C1-1583-5B9836012939}"/>
+              </a:ext>
+            </a:extLst>
+          </p:cNvPr>
+          <p:cNvSpPr txBox="1"/>
+          <p:nvPr/>
+        </p:nvSpPr>
+        <p:spPr>
+          <a:xfrm flipH="1">
+            <a:off x="5190346" y="1751434"/>
+            <a:ext cx="298579" cy="369332"/>
+          </a:xfrm>
+          <a:prstGeom prst="rect">
+            <a:avLst/>
+          </a:prstGeom>
+          <a:noFill/>
+          <a:ln>
+            <a:noFill/>
+          </a:ln>
+        </p:spPr>
+        <p:txBody>
+          <a:bodyPr wrap="square" rtlCol="0">
+            <a:spAutoFit/>
+          </a:bodyPr>
+          <a:lstStyle/>
+          <a:p>
+            <a:r>
+              <a:rPr lang="en-US" dirty="0"/>
+              <a:t>D</a:t>
+            </a:r>
+          </a:p>
+        </p:txBody>
+      </p:sp>
+      <p:sp>
+        <p:nvSpPr>
+          <p:cNvPr id="79" name="Oval 78">
+            <a:extLst>
+              <a:ext uri="{FF2B5EF4-FFF2-40B4-BE49-F238E27FC236}">
+                <a16:creationId xmlns:a16="http://schemas.microsoft.com/office/drawing/2014/main" id="{89BA366B-2E43-1558-496C-A173E382B94F}"/>
+              </a:ext>
+            </a:extLst>
+          </p:cNvPr>
+          <p:cNvSpPr/>
+          <p:nvPr/>
+        </p:nvSpPr>
+        <p:spPr>
+          <a:xfrm flipH="1">
+            <a:off x="3715717" y="1012377"/>
+            <a:ext cx="491411" cy="457188"/>
+          </a:xfrm>
+          <a:prstGeom prst="ellipse">
+            <a:avLst/>
+          </a:prstGeom>
+          <a:solidFill>
+            <a:schemeClr val="bg1"/>
+          </a:solidFill>
+          <a:ln w="28575">
+            <a:solidFill>
+              <a:schemeClr val="tx1"/>
+            </a:solidFill>
+          </a:ln>
+        </p:spPr>
+        <p:style>
+          <a:lnRef idx="2">
+            <a:schemeClr val="accent1">
+              <a:shade val="15000"/>
+            </a:schemeClr>
+          </a:lnRef>
+          <a:fillRef idx="1">
+            <a:schemeClr val="accent1"/>
+          </a:fillRef>
+          <a:effectRef idx="0">
+            <a:schemeClr val="accent1"/>
+          </a:effectRef>
+          <a:fontRef idx="minor">
+            <a:schemeClr val="lt1"/>
+          </a:fontRef>
+        </p:style>
+        <p:txBody>
+          <a:bodyPr rtlCol="0" anchor="ctr"/>
+          <a:lstStyle/>
+          <a:p>
+            <a:pPr algn="ctr"/>
+            <a:endParaRPr lang="en-US"/>
+          </a:p>
+        </p:txBody>
+      </p:sp>
+      <p:sp>
+        <p:nvSpPr>
+          <p:cNvPr id="80" name="TextBox 79">
+            <a:extLst>
+              <a:ext uri="{FF2B5EF4-FFF2-40B4-BE49-F238E27FC236}">
+                <a16:creationId xmlns:a16="http://schemas.microsoft.com/office/drawing/2014/main" id="{DD42B664-0DAA-9475-9908-B51E394A89D6}"/>
+              </a:ext>
+            </a:extLst>
+          </p:cNvPr>
+          <p:cNvSpPr txBox="1"/>
+          <p:nvPr/>
+        </p:nvSpPr>
+        <p:spPr>
+          <a:xfrm flipH="1">
+            <a:off x="3809024" y="1049018"/>
+            <a:ext cx="298579" cy="369332"/>
+          </a:xfrm>
+          <a:prstGeom prst="rect">
+            <a:avLst/>
+          </a:prstGeom>
+          <a:noFill/>
+          <a:ln>
+            <a:noFill/>
+          </a:ln>
+        </p:spPr>
+        <p:txBody>
+          <a:bodyPr wrap="square" rtlCol="0">
+            <a:spAutoFit/>
+          </a:bodyPr>
+          <a:lstStyle/>
+          <a:p>
+            <a:r>
+              <a:rPr lang="en-US" dirty="0"/>
+              <a:t>+</a:t>
+            </a:r>
+          </a:p>
+        </p:txBody>
+      </p:sp>
+      <p:sp>
+        <p:nvSpPr>
+          <p:cNvPr id="81" name="Isosceles Triangle 80">
+            <a:extLst>
+              <a:ext uri="{FF2B5EF4-FFF2-40B4-BE49-F238E27FC236}">
+                <a16:creationId xmlns:a16="http://schemas.microsoft.com/office/drawing/2014/main" id="{CD1F9E64-3C85-11E2-D1D3-D2029419DE72}"/>
+              </a:ext>
+            </a:extLst>
+          </p:cNvPr>
+          <p:cNvSpPr/>
+          <p:nvPr/>
+        </p:nvSpPr>
+        <p:spPr>
+          <a:xfrm rot="16200000" flipH="1">
+            <a:off x="4519422" y="2414397"/>
+            <a:ext cx="383906" cy="553221"/>
+          </a:xfrm>
+          <a:prstGeom prst="triangle">
+            <a:avLst/>
+          </a:prstGeom>
+          <a:solidFill>
+            <a:schemeClr val="bg1"/>
+          </a:solidFill>
+          <a:ln w="28575">
+            <a:solidFill>
+              <a:schemeClr val="tx1"/>
+            </a:solidFill>
+          </a:ln>
+        </p:spPr>
+        <p:style>
+          <a:lnRef idx="2">
+            <a:schemeClr val="accent1">
+              <a:shade val="15000"/>
+            </a:schemeClr>
+          </a:lnRef>
+          <a:fillRef idx="1">
+            <a:schemeClr val="accent1"/>
+          </a:fillRef>
+          <a:effectRef idx="0">
+            <a:schemeClr val="accent1"/>
+          </a:effectRef>
+          <a:fontRef idx="minor">
+            <a:schemeClr val="lt1"/>
+          </a:fontRef>
+        </p:style>
+        <p:txBody>
+          <a:bodyPr rtlCol="0" anchor="ctr"/>
+          <a:lstStyle/>
+          <a:p>
+            <a:pPr algn="ctr"/>
+            <a:endParaRPr lang="en-US"/>
+          </a:p>
+        </p:txBody>
+      </p:sp>
+      <p:sp>
+        <p:nvSpPr>
+          <p:cNvPr id="82" name="Oval 81">
+            <a:extLst>
+              <a:ext uri="{FF2B5EF4-FFF2-40B4-BE49-F238E27FC236}">
+                <a16:creationId xmlns:a16="http://schemas.microsoft.com/office/drawing/2014/main" id="{1B85B70B-E1EE-AE40-7EB0-8498C72AF351}"/>
+              </a:ext>
+            </a:extLst>
+          </p:cNvPr>
+          <p:cNvSpPr/>
+          <p:nvPr/>
+        </p:nvSpPr>
+        <p:spPr>
+          <a:xfrm flipH="1">
+            <a:off x="3715718" y="2462413"/>
+            <a:ext cx="491411" cy="457188"/>
+          </a:xfrm>
+          <a:prstGeom prst="ellipse">
+            <a:avLst/>
+          </a:prstGeom>
+          <a:solidFill>
+            <a:schemeClr val="bg1"/>
+          </a:solidFill>
+          <a:ln w="28575">
+            <a:solidFill>
+              <a:schemeClr val="tx1"/>
+            </a:solidFill>
+          </a:ln>
+        </p:spPr>
+        <p:style>
+          <a:lnRef idx="2">
+            <a:schemeClr val="accent1">
+              <a:shade val="15000"/>
+            </a:schemeClr>
+          </a:lnRef>
+          <a:fillRef idx="1">
+            <a:schemeClr val="accent1"/>
+          </a:fillRef>
+          <a:effectRef idx="0">
+            <a:schemeClr val="accent1"/>
+          </a:effectRef>
+          <a:fontRef idx="minor">
+            <a:schemeClr val="lt1"/>
+          </a:fontRef>
+        </p:style>
+        <p:txBody>
+          <a:bodyPr rtlCol="0" anchor="ctr"/>
+          <a:lstStyle/>
+          <a:p>
+            <a:pPr algn="ctr"/>
+            <a:endParaRPr lang="en-US"/>
+          </a:p>
+        </p:txBody>
+      </p:sp>
+      <p:sp>
+        <p:nvSpPr>
+          <p:cNvPr id="83" name="TextBox 82">
+            <a:extLst>
+              <a:ext uri="{FF2B5EF4-FFF2-40B4-BE49-F238E27FC236}">
+                <a16:creationId xmlns:a16="http://schemas.microsoft.com/office/drawing/2014/main" id="{3575FBE7-9DD0-19AE-CBE5-F44468613A3A}"/>
+              </a:ext>
+            </a:extLst>
+          </p:cNvPr>
+          <p:cNvSpPr txBox="1"/>
+          <p:nvPr/>
+        </p:nvSpPr>
+        <p:spPr>
+          <a:xfrm flipH="1">
+            <a:off x="3809025" y="2499054"/>
+            <a:ext cx="298579" cy="369332"/>
+          </a:xfrm>
+          <a:prstGeom prst="rect">
+            <a:avLst/>
+          </a:prstGeom>
+          <a:noFill/>
+          <a:ln>
+            <a:noFill/>
+          </a:ln>
+        </p:spPr>
+        <p:txBody>
+          <a:bodyPr wrap="square" rtlCol="0">
+            <a:spAutoFit/>
+          </a:bodyPr>
+          <a:lstStyle/>
+          <a:p>
+            <a:r>
+              <a:rPr lang="en-US" dirty="0"/>
+              <a:t>+</a:t>
+            </a:r>
+          </a:p>
+        </p:txBody>
+      </p:sp>
+      <p:sp>
+        <p:nvSpPr>
+          <p:cNvPr id="84" name="Isosceles Triangle 83">
+            <a:extLst>
+              <a:ext uri="{FF2B5EF4-FFF2-40B4-BE49-F238E27FC236}">
+                <a16:creationId xmlns:a16="http://schemas.microsoft.com/office/drawing/2014/main" id="{B0687AF3-E9E3-77AF-26E0-CCE2190519D1}"/>
+              </a:ext>
+            </a:extLst>
+          </p:cNvPr>
+          <p:cNvSpPr/>
+          <p:nvPr/>
+        </p:nvSpPr>
+        <p:spPr>
+          <a:xfrm rot="16200000" flipH="1">
+            <a:off x="4519423" y="5257615"/>
+            <a:ext cx="383906" cy="553221"/>
+          </a:xfrm>
+          <a:prstGeom prst="triangle">
+            <a:avLst/>
+          </a:prstGeom>
+          <a:solidFill>
+            <a:schemeClr val="bg1"/>
+          </a:solidFill>
+          <a:ln w="28575">
+            <a:solidFill>
+              <a:schemeClr val="tx1"/>
+            </a:solidFill>
+          </a:ln>
+        </p:spPr>
+        <p:style>
+          <a:lnRef idx="2">
+            <a:schemeClr val="accent1">
+              <a:shade val="15000"/>
+            </a:schemeClr>
+          </a:lnRef>
+          <a:fillRef idx="1">
+            <a:schemeClr val="accent1"/>
+          </a:fillRef>
+          <a:effectRef idx="0">
+            <a:schemeClr val="accent1"/>
+          </a:effectRef>
+          <a:fontRef idx="minor">
+            <a:schemeClr val="lt1"/>
+          </a:fontRef>
+        </p:style>
+        <p:txBody>
+          <a:bodyPr rtlCol="0" anchor="ctr"/>
+          <a:lstStyle/>
+          <a:p>
+            <a:pPr algn="ctr"/>
+            <a:endParaRPr lang="en-US"/>
+          </a:p>
+        </p:txBody>
+      </p:sp>
+      <p:cxnSp>
+        <p:nvCxnSpPr>
+          <p:cNvPr id="85" name="Straight Connector 84">
+            <a:extLst>
+              <a:ext uri="{FF2B5EF4-FFF2-40B4-BE49-F238E27FC236}">
+                <a16:creationId xmlns:a16="http://schemas.microsoft.com/office/drawing/2014/main" id="{2F7FF493-435C-74CE-A821-854AD6055333}"/>
+              </a:ext>
+            </a:extLst>
+          </p:cNvPr>
+          <p:cNvCxnSpPr>
+            <a:cxnSpLocks/>
+            <a:stCxn id="76" idx="2"/>
+          </p:cNvCxnSpPr>
+          <p:nvPr/>
+        </p:nvCxnSpPr>
+        <p:spPr>
+          <a:xfrm flipH="1">
+            <a:off x="5339635" y="2164700"/>
+            <a:ext cx="0" cy="1026370"/>
+          </a:xfrm>
+          <a:prstGeom prst="line">
+            <a:avLst/>
+          </a:prstGeom>
+          <a:ln w="28575">
+            <a:solidFill>
+              <a:schemeClr val="tx1"/>
+            </a:solidFill>
+          </a:ln>
+        </p:spPr>
+        <p:style>
+          <a:lnRef idx="1">
+            <a:schemeClr val="dk1"/>
+          </a:lnRef>
+          <a:fillRef idx="0">
+            <a:schemeClr val="dk1"/>
+          </a:fillRef>
+          <a:effectRef idx="0">
+            <a:schemeClr val="dk1"/>
+          </a:effectRef>
+          <a:fontRef idx="minor">
+            <a:schemeClr val="tx1"/>
+          </a:fontRef>
+        </p:style>
+      </p:cxnSp>
+      <p:sp>
+        <p:nvSpPr>
+          <p:cNvPr id="86" name="Rectangle 85">
+            <a:extLst>
+              <a:ext uri="{FF2B5EF4-FFF2-40B4-BE49-F238E27FC236}">
+                <a16:creationId xmlns:a16="http://schemas.microsoft.com/office/drawing/2014/main" id="{EC4A33C2-915E-7741-ACF3-F76AD1D12F6F}"/>
+              </a:ext>
+            </a:extLst>
+          </p:cNvPr>
+          <p:cNvSpPr/>
+          <p:nvPr/>
+        </p:nvSpPr>
+        <p:spPr>
+          <a:xfrm flipH="1">
+            <a:off x="5069050" y="3200400"/>
+            <a:ext cx="541170" cy="457199"/>
+          </a:xfrm>
+          <a:prstGeom prst="rect">
+            <a:avLst/>
+          </a:prstGeom>
+          <a:solidFill>
+            <a:schemeClr val="bg1"/>
+          </a:solidFill>
+          <a:ln w="28575">
+            <a:solidFill>
+              <a:schemeClr val="tx1"/>
+            </a:solidFill>
+          </a:ln>
+        </p:spPr>
+        <p:style>
+          <a:lnRef idx="2">
+            <a:schemeClr val="accent1">
+              <a:shade val="15000"/>
+            </a:schemeClr>
+          </a:lnRef>
+          <a:fillRef idx="1">
+            <a:schemeClr val="accent1"/>
+          </a:fillRef>
+          <a:effectRef idx="0">
+            <a:schemeClr val="accent1"/>
+          </a:effectRef>
+          <a:fontRef idx="minor">
+            <a:schemeClr val="lt1"/>
+          </a:fontRef>
+        </p:style>
+        <p:txBody>
+          <a:bodyPr rtlCol="0" anchor="ctr"/>
+          <a:lstStyle/>
+          <a:p>
+            <a:pPr algn="ctr"/>
+            <a:endParaRPr lang="en-US"/>
+          </a:p>
+        </p:txBody>
+      </p:sp>
+      <p:sp>
+        <p:nvSpPr>
+          <p:cNvPr id="88" name="Isosceles Triangle 87">
+            <a:extLst>
+              <a:ext uri="{FF2B5EF4-FFF2-40B4-BE49-F238E27FC236}">
+                <a16:creationId xmlns:a16="http://schemas.microsoft.com/office/drawing/2014/main" id="{20276965-E088-E8FB-9043-C131809FC5AD}"/>
+              </a:ext>
+            </a:extLst>
+          </p:cNvPr>
+          <p:cNvSpPr/>
+          <p:nvPr/>
+        </p:nvSpPr>
+        <p:spPr>
+          <a:xfrm rot="16200000" flipH="1">
+            <a:off x="4519422" y="3799365"/>
+            <a:ext cx="383906" cy="553221"/>
+          </a:xfrm>
+          <a:prstGeom prst="triangle">
+            <a:avLst/>
+          </a:prstGeom>
+          <a:solidFill>
+            <a:schemeClr val="bg1"/>
+          </a:solidFill>
+          <a:ln w="28575">
+            <a:solidFill>
+              <a:schemeClr val="tx1"/>
+            </a:solidFill>
+          </a:ln>
+        </p:spPr>
+        <p:style>
+          <a:lnRef idx="2">
+            <a:schemeClr val="accent1">
+              <a:shade val="15000"/>
+            </a:schemeClr>
+          </a:lnRef>
+          <a:fillRef idx="1">
+            <a:schemeClr val="accent1"/>
+          </a:fillRef>
+          <a:effectRef idx="0">
+            <a:schemeClr val="accent1"/>
+          </a:effectRef>
+          <a:fontRef idx="minor">
+            <a:schemeClr val="lt1"/>
+          </a:fontRef>
+        </p:style>
+        <p:txBody>
+          <a:bodyPr rtlCol="0" anchor="ctr"/>
+          <a:lstStyle/>
+          <a:p>
+            <a:pPr algn="ctr"/>
+            <a:endParaRPr lang="en-US"/>
+          </a:p>
+        </p:txBody>
+      </p:sp>
+      <p:sp>
+        <p:nvSpPr>
+          <p:cNvPr id="89" name="Oval 88">
+            <a:extLst>
+              <a:ext uri="{FF2B5EF4-FFF2-40B4-BE49-F238E27FC236}">
+                <a16:creationId xmlns:a16="http://schemas.microsoft.com/office/drawing/2014/main" id="{295DBF38-7178-310D-AEDF-1D286364DD57}"/>
+              </a:ext>
+            </a:extLst>
+          </p:cNvPr>
+          <p:cNvSpPr/>
+          <p:nvPr/>
+        </p:nvSpPr>
+        <p:spPr>
+          <a:xfrm flipH="1">
+            <a:off x="3715718" y="3847381"/>
+            <a:ext cx="491411" cy="457188"/>
+          </a:xfrm>
+          <a:prstGeom prst="ellipse">
+            <a:avLst/>
+          </a:prstGeom>
+          <a:solidFill>
+            <a:schemeClr val="bg1"/>
+          </a:solidFill>
+          <a:ln w="28575">
+            <a:solidFill>
+              <a:schemeClr val="tx1"/>
+            </a:solidFill>
+          </a:ln>
+        </p:spPr>
+        <p:style>
+          <a:lnRef idx="2">
+            <a:schemeClr val="accent1">
+              <a:shade val="15000"/>
+            </a:schemeClr>
+          </a:lnRef>
+          <a:fillRef idx="1">
+            <a:schemeClr val="accent1"/>
+          </a:fillRef>
+          <a:effectRef idx="0">
+            <a:schemeClr val="accent1"/>
+          </a:effectRef>
+          <a:fontRef idx="minor">
+            <a:schemeClr val="lt1"/>
+          </a:fontRef>
+        </p:style>
+        <p:txBody>
+          <a:bodyPr rtlCol="0" anchor="ctr"/>
+          <a:lstStyle/>
+          <a:p>
+            <a:pPr algn="ctr"/>
+            <a:endParaRPr lang="en-US"/>
+          </a:p>
+        </p:txBody>
+      </p:sp>
+      <p:sp>
+        <p:nvSpPr>
+          <p:cNvPr id="90" name="TextBox 89">
+            <a:extLst>
+              <a:ext uri="{FF2B5EF4-FFF2-40B4-BE49-F238E27FC236}">
+                <a16:creationId xmlns:a16="http://schemas.microsoft.com/office/drawing/2014/main" id="{267D7EE0-1594-3ED5-D5E8-5276DABE7367}"/>
+              </a:ext>
+            </a:extLst>
+          </p:cNvPr>
+          <p:cNvSpPr txBox="1"/>
+          <p:nvPr/>
+        </p:nvSpPr>
+        <p:spPr>
+          <a:xfrm flipH="1">
+            <a:off x="3809025" y="3884022"/>
+            <a:ext cx="298579" cy="369332"/>
+          </a:xfrm>
+          <a:prstGeom prst="rect">
+            <a:avLst/>
+          </a:prstGeom>
+          <a:noFill/>
+          <a:ln>
+            <a:noFill/>
+          </a:ln>
+        </p:spPr>
+        <p:txBody>
+          <a:bodyPr wrap="square" rtlCol="0">
+            <a:spAutoFit/>
+          </a:bodyPr>
+          <a:lstStyle/>
+          <a:p>
+            <a:r>
+              <a:rPr lang="en-US" dirty="0"/>
+              <a:t>+</a:t>
+            </a:r>
+          </a:p>
+        </p:txBody>
+      </p:sp>
+      <p:sp>
+        <p:nvSpPr>
+          <p:cNvPr id="92" name="Rectangle 91">
+            <a:extLst>
+              <a:ext uri="{FF2B5EF4-FFF2-40B4-BE49-F238E27FC236}">
+                <a16:creationId xmlns:a16="http://schemas.microsoft.com/office/drawing/2014/main" id="{C3DDB956-F839-B2C8-0BC0-31E758CDE94A}"/>
+              </a:ext>
+            </a:extLst>
+          </p:cNvPr>
+          <p:cNvSpPr/>
+          <p:nvPr/>
+        </p:nvSpPr>
+        <p:spPr>
+          <a:xfrm flipH="1">
+            <a:off x="5069050" y="4585368"/>
+            <a:ext cx="541170" cy="457199"/>
+          </a:xfrm>
+          <a:prstGeom prst="rect">
+            <a:avLst/>
+          </a:prstGeom>
+          <a:solidFill>
+            <a:schemeClr val="bg1"/>
+          </a:solidFill>
+          <a:ln w="28575">
+            <a:solidFill>
+              <a:schemeClr val="tx1"/>
+            </a:solidFill>
+          </a:ln>
+        </p:spPr>
+        <p:style>
+          <a:lnRef idx="2">
+            <a:schemeClr val="accent1">
+              <a:shade val="15000"/>
+            </a:schemeClr>
+          </a:lnRef>
+          <a:fillRef idx="1">
+            <a:schemeClr val="accent1"/>
+          </a:fillRef>
+          <a:effectRef idx="0">
+            <a:schemeClr val="accent1"/>
+          </a:effectRef>
+          <a:fontRef idx="minor">
+            <a:schemeClr val="lt1"/>
+          </a:fontRef>
+        </p:style>
+        <p:txBody>
+          <a:bodyPr rtlCol="0" anchor="ctr"/>
+          <a:lstStyle/>
+          <a:p>
+            <a:pPr algn="ctr"/>
+            <a:endParaRPr lang="en-US"/>
+          </a:p>
+        </p:txBody>
+      </p:sp>
+      <p:cxnSp>
+        <p:nvCxnSpPr>
+          <p:cNvPr id="94" name="Straight Connector 93">
+            <a:extLst>
+              <a:ext uri="{FF2B5EF4-FFF2-40B4-BE49-F238E27FC236}">
+                <a16:creationId xmlns:a16="http://schemas.microsoft.com/office/drawing/2014/main" id="{04054720-09D5-868F-7C8C-E75CB24BC835}"/>
+              </a:ext>
+            </a:extLst>
+          </p:cNvPr>
+          <p:cNvCxnSpPr>
+            <a:cxnSpLocks/>
+          </p:cNvCxnSpPr>
+          <p:nvPr/>
+        </p:nvCxnSpPr>
+        <p:spPr>
+          <a:xfrm flipH="1">
+            <a:off x="5339635" y="5042567"/>
+            <a:ext cx="0" cy="509147"/>
+          </a:xfrm>
+          <a:prstGeom prst="line">
+            <a:avLst/>
+          </a:prstGeom>
+          <a:ln w="28575">
+            <a:solidFill>
+              <a:schemeClr val="tx1"/>
+            </a:solidFill>
+          </a:ln>
+        </p:spPr>
+        <p:style>
+          <a:lnRef idx="1">
+            <a:schemeClr val="dk1"/>
+          </a:lnRef>
+          <a:fillRef idx="0">
+            <a:schemeClr val="dk1"/>
+          </a:fillRef>
+          <a:effectRef idx="0">
+            <a:schemeClr val="dk1"/>
+          </a:effectRef>
+          <a:fontRef idx="minor">
+            <a:schemeClr val="tx1"/>
+          </a:fontRef>
+        </p:style>
+      </p:cxnSp>
+      <p:cxnSp>
+        <p:nvCxnSpPr>
+          <p:cNvPr id="95" name="Straight Connector 94">
+            <a:extLst>
+              <a:ext uri="{FF2B5EF4-FFF2-40B4-BE49-F238E27FC236}">
+                <a16:creationId xmlns:a16="http://schemas.microsoft.com/office/drawing/2014/main" id="{40D1445D-BC38-2C42-1DC5-198A984C09C6}"/>
+              </a:ext>
+            </a:extLst>
+          </p:cNvPr>
+          <p:cNvCxnSpPr>
+            <a:cxnSpLocks/>
+            <a:endCxn id="84" idx="3"/>
+          </p:cNvCxnSpPr>
+          <p:nvPr/>
+        </p:nvCxnSpPr>
+        <p:spPr>
+          <a:xfrm flipH="1">
+            <a:off x="4987986" y="5534226"/>
+            <a:ext cx="351649" cy="0"/>
+          </a:xfrm>
+          <a:prstGeom prst="line">
+            <a:avLst/>
+          </a:prstGeom>
+          <a:ln w="28575">
+            <a:solidFill>
+              <a:schemeClr val="tx1"/>
+            </a:solidFill>
+          </a:ln>
+        </p:spPr>
+        <p:style>
+          <a:lnRef idx="1">
+            <a:schemeClr val="dk1"/>
+          </a:lnRef>
+          <a:fillRef idx="0">
+            <a:schemeClr val="dk1"/>
+          </a:fillRef>
+          <a:effectRef idx="0">
+            <a:schemeClr val="dk1"/>
+          </a:effectRef>
+          <a:fontRef idx="minor">
+            <a:schemeClr val="tx1"/>
+          </a:fontRef>
+        </p:style>
+      </p:cxnSp>
+      <p:cxnSp>
+        <p:nvCxnSpPr>
+          <p:cNvPr id="96" name="Straight Connector 95">
+            <a:extLst>
+              <a:ext uri="{FF2B5EF4-FFF2-40B4-BE49-F238E27FC236}">
+                <a16:creationId xmlns:a16="http://schemas.microsoft.com/office/drawing/2014/main" id="{1C41E24C-FB07-330A-B50B-C90F9B19989F}"/>
+              </a:ext>
+            </a:extLst>
+          </p:cNvPr>
+          <p:cNvCxnSpPr>
+            <a:cxnSpLocks/>
+          </p:cNvCxnSpPr>
+          <p:nvPr/>
+        </p:nvCxnSpPr>
+        <p:spPr>
+          <a:xfrm flipH="1">
+            <a:off x="4987987" y="4091091"/>
+            <a:ext cx="351649" cy="0"/>
+          </a:xfrm>
+          <a:prstGeom prst="line">
+            <a:avLst/>
+          </a:prstGeom>
+          <a:ln w="28575">
+            <a:solidFill>
+              <a:schemeClr val="tx1"/>
+            </a:solidFill>
+          </a:ln>
+        </p:spPr>
+        <p:style>
+          <a:lnRef idx="1">
+            <a:schemeClr val="dk1"/>
+          </a:lnRef>
+          <a:fillRef idx="0">
+            <a:schemeClr val="dk1"/>
+          </a:fillRef>
+          <a:effectRef idx="0">
+            <a:schemeClr val="dk1"/>
+          </a:effectRef>
+          <a:fontRef idx="minor">
+            <a:schemeClr val="tx1"/>
+          </a:fontRef>
+        </p:style>
+      </p:cxnSp>
+      <p:cxnSp>
+        <p:nvCxnSpPr>
+          <p:cNvPr id="97" name="Straight Connector 96">
+            <a:extLst>
+              <a:ext uri="{FF2B5EF4-FFF2-40B4-BE49-F238E27FC236}">
+                <a16:creationId xmlns:a16="http://schemas.microsoft.com/office/drawing/2014/main" id="{80DBF0F3-E65D-8CDC-7F2E-07C9D730FC99}"/>
+              </a:ext>
+            </a:extLst>
+          </p:cNvPr>
+          <p:cNvCxnSpPr>
+            <a:cxnSpLocks/>
+          </p:cNvCxnSpPr>
+          <p:nvPr/>
+        </p:nvCxnSpPr>
+        <p:spPr>
+          <a:xfrm flipH="1">
+            <a:off x="4987987" y="2691500"/>
+            <a:ext cx="351649" cy="0"/>
+          </a:xfrm>
+          <a:prstGeom prst="line">
+            <a:avLst/>
+          </a:prstGeom>
+          <a:ln w="28575">
+            <a:solidFill>
+              <a:schemeClr val="tx1"/>
+            </a:solidFill>
+          </a:ln>
+        </p:spPr>
+        <p:style>
+          <a:lnRef idx="1">
+            <a:schemeClr val="dk1"/>
+          </a:lnRef>
+          <a:fillRef idx="0">
+            <a:schemeClr val="dk1"/>
+          </a:fillRef>
+          <a:effectRef idx="0">
+            <a:schemeClr val="dk1"/>
+          </a:effectRef>
+          <a:fontRef idx="minor">
+            <a:schemeClr val="tx1"/>
+          </a:fontRef>
+        </p:style>
+      </p:cxnSp>
+      <p:cxnSp>
+        <p:nvCxnSpPr>
+          <p:cNvPr id="98" name="Straight Connector 97">
+            <a:extLst>
+              <a:ext uri="{FF2B5EF4-FFF2-40B4-BE49-F238E27FC236}">
+                <a16:creationId xmlns:a16="http://schemas.microsoft.com/office/drawing/2014/main" id="{DD8E4406-6AAA-7380-F203-C9278FADFD08}"/>
+              </a:ext>
+            </a:extLst>
+          </p:cNvPr>
+          <p:cNvCxnSpPr>
+            <a:cxnSpLocks/>
+            <a:endCxn id="82" idx="2"/>
+          </p:cNvCxnSpPr>
+          <p:nvPr/>
+        </p:nvCxnSpPr>
+        <p:spPr>
+          <a:xfrm flipH="1" flipV="1">
+            <a:off x="4207129" y="2691007"/>
+            <a:ext cx="252125" cy="4776"/>
+          </a:xfrm>
+          <a:prstGeom prst="line">
+            <a:avLst/>
+          </a:prstGeom>
+          <a:ln w="28575">
+            <a:solidFill>
+              <a:schemeClr val="tx1"/>
+            </a:solidFill>
+          </a:ln>
+        </p:spPr>
+        <p:style>
+          <a:lnRef idx="1">
+            <a:schemeClr val="dk1"/>
+          </a:lnRef>
+          <a:fillRef idx="0">
+            <a:schemeClr val="dk1"/>
+          </a:fillRef>
+          <a:effectRef idx="0">
+            <a:schemeClr val="dk1"/>
+          </a:effectRef>
+          <a:fontRef idx="minor">
+            <a:schemeClr val="tx1"/>
+          </a:fontRef>
+        </p:style>
+      </p:cxnSp>
+      <p:cxnSp>
+        <p:nvCxnSpPr>
+          <p:cNvPr id="99" name="Straight Connector 98">
+            <a:extLst>
+              <a:ext uri="{FF2B5EF4-FFF2-40B4-BE49-F238E27FC236}">
+                <a16:creationId xmlns:a16="http://schemas.microsoft.com/office/drawing/2014/main" id="{30F508F0-5BB7-97FE-FD83-D8825BAF3D56}"/>
+              </a:ext>
+            </a:extLst>
+          </p:cNvPr>
+          <p:cNvCxnSpPr>
+            <a:cxnSpLocks/>
+          </p:cNvCxnSpPr>
+          <p:nvPr/>
+        </p:nvCxnSpPr>
+        <p:spPr>
+          <a:xfrm flipH="1" flipV="1">
+            <a:off x="4209177" y="4059096"/>
+            <a:ext cx="252125" cy="4776"/>
+          </a:xfrm>
+          <a:prstGeom prst="line">
+            <a:avLst/>
+          </a:prstGeom>
+          <a:ln w="28575">
+            <a:solidFill>
+              <a:schemeClr val="tx1"/>
+            </a:solidFill>
+          </a:ln>
+        </p:spPr>
+        <p:style>
+          <a:lnRef idx="1">
+            <a:schemeClr val="dk1"/>
+          </a:lnRef>
+          <a:fillRef idx="0">
+            <a:schemeClr val="dk1"/>
+          </a:fillRef>
+          <a:effectRef idx="0">
+            <a:schemeClr val="dk1"/>
+          </a:effectRef>
+          <a:fontRef idx="minor">
+            <a:schemeClr val="tx1"/>
+          </a:fontRef>
+        </p:style>
+      </p:cxnSp>
+      <p:cxnSp>
+        <p:nvCxnSpPr>
+          <p:cNvPr id="100" name="Straight Connector 99">
+            <a:extLst>
+              <a:ext uri="{FF2B5EF4-FFF2-40B4-BE49-F238E27FC236}">
+                <a16:creationId xmlns:a16="http://schemas.microsoft.com/office/drawing/2014/main" id="{A984DED8-DDEA-6AF3-9644-CD6574033841}"/>
+              </a:ext>
+            </a:extLst>
+          </p:cNvPr>
+          <p:cNvCxnSpPr>
+            <a:cxnSpLocks/>
+          </p:cNvCxnSpPr>
+          <p:nvPr/>
+        </p:nvCxnSpPr>
+        <p:spPr>
+          <a:xfrm flipH="1">
+            <a:off x="3961431" y="5526053"/>
+            <a:ext cx="499872" cy="0"/>
+          </a:xfrm>
+          <a:prstGeom prst="line">
+            <a:avLst/>
+          </a:prstGeom>
+          <a:ln w="28575">
+            <a:solidFill>
+              <a:schemeClr val="tx1"/>
+            </a:solidFill>
+          </a:ln>
+        </p:spPr>
+        <p:style>
+          <a:lnRef idx="1">
+            <a:schemeClr val="dk1"/>
+          </a:lnRef>
+          <a:fillRef idx="0">
+            <a:schemeClr val="dk1"/>
+          </a:fillRef>
+          <a:effectRef idx="0">
+            <a:schemeClr val="dk1"/>
+          </a:effectRef>
+          <a:fontRef idx="minor">
+            <a:schemeClr val="tx1"/>
+          </a:fontRef>
+        </p:style>
+      </p:cxnSp>
+      <p:cxnSp>
+        <p:nvCxnSpPr>
+          <p:cNvPr id="101" name="Straight Connector 100">
+            <a:extLst>
+              <a:ext uri="{FF2B5EF4-FFF2-40B4-BE49-F238E27FC236}">
+                <a16:creationId xmlns:a16="http://schemas.microsoft.com/office/drawing/2014/main" id="{1C5ECCAC-EBD7-4FEC-BF43-632100F11B0E}"/>
+              </a:ext>
+            </a:extLst>
+          </p:cNvPr>
+          <p:cNvCxnSpPr>
+            <a:cxnSpLocks/>
+            <a:endCxn id="82" idx="0"/>
+          </p:cNvCxnSpPr>
+          <p:nvPr/>
+        </p:nvCxnSpPr>
+        <p:spPr>
+          <a:xfrm flipH="1">
+            <a:off x="3961423" y="1460241"/>
+            <a:ext cx="2" cy="1002172"/>
+          </a:xfrm>
+          <a:prstGeom prst="line">
+            <a:avLst/>
+          </a:prstGeom>
+          <a:ln w="28575">
+            <a:solidFill>
+              <a:schemeClr val="tx1"/>
+            </a:solidFill>
+          </a:ln>
+        </p:spPr>
+        <p:style>
+          <a:lnRef idx="1">
+            <a:schemeClr val="dk1"/>
+          </a:lnRef>
+          <a:fillRef idx="0">
+            <a:schemeClr val="dk1"/>
+          </a:fillRef>
+          <a:effectRef idx="0">
+            <a:schemeClr val="dk1"/>
+          </a:effectRef>
+          <a:fontRef idx="minor">
+            <a:schemeClr val="tx1"/>
+          </a:fontRef>
+        </p:style>
+      </p:cxnSp>
+      <p:cxnSp>
+        <p:nvCxnSpPr>
+          <p:cNvPr id="102" name="Straight Connector 101">
+            <a:extLst>
+              <a:ext uri="{FF2B5EF4-FFF2-40B4-BE49-F238E27FC236}">
+                <a16:creationId xmlns:a16="http://schemas.microsoft.com/office/drawing/2014/main" id="{93709879-9E8C-4D99-9617-89F4F5E23D38}"/>
+              </a:ext>
+            </a:extLst>
+          </p:cNvPr>
+          <p:cNvCxnSpPr>
+            <a:cxnSpLocks/>
+            <a:endCxn id="89" idx="0"/>
+          </p:cNvCxnSpPr>
+          <p:nvPr/>
+        </p:nvCxnSpPr>
+        <p:spPr>
+          <a:xfrm flipH="1">
+            <a:off x="3961423" y="2927913"/>
+            <a:ext cx="4" cy="919468"/>
+          </a:xfrm>
+          <a:prstGeom prst="line">
+            <a:avLst/>
+          </a:prstGeom>
+          <a:ln w="28575">
+            <a:solidFill>
+              <a:schemeClr val="tx1"/>
+            </a:solidFill>
+            <a:prstDash val="lgDashDot"/>
+          </a:ln>
+        </p:spPr>
+        <p:style>
+          <a:lnRef idx="1">
+            <a:schemeClr val="dk1"/>
+          </a:lnRef>
+          <a:fillRef idx="0">
+            <a:schemeClr val="dk1"/>
+          </a:fillRef>
+          <a:effectRef idx="0">
+            <a:schemeClr val="dk1"/>
+          </a:effectRef>
+          <a:fontRef idx="minor">
+            <a:schemeClr val="tx1"/>
+          </a:fontRef>
+        </p:style>
+      </p:cxnSp>
+      <p:cxnSp>
+        <p:nvCxnSpPr>
+          <p:cNvPr id="103" name="Straight Connector 102">
+            <a:extLst>
+              <a:ext uri="{FF2B5EF4-FFF2-40B4-BE49-F238E27FC236}">
+                <a16:creationId xmlns:a16="http://schemas.microsoft.com/office/drawing/2014/main" id="{4F0A12D3-915F-357F-36B8-6FC72378DDC5}"/>
+              </a:ext>
+            </a:extLst>
+          </p:cNvPr>
+          <p:cNvCxnSpPr>
+            <a:cxnSpLocks/>
+          </p:cNvCxnSpPr>
+          <p:nvPr/>
+        </p:nvCxnSpPr>
+        <p:spPr>
+          <a:xfrm flipH="1">
+            <a:off x="3961431" y="4312881"/>
+            <a:ext cx="0" cy="1221344"/>
+          </a:xfrm>
+          <a:prstGeom prst="line">
+            <a:avLst/>
+          </a:prstGeom>
+          <a:ln w="28575">
+            <a:solidFill>
+              <a:schemeClr val="tx1"/>
+            </a:solidFill>
+          </a:ln>
+        </p:spPr>
+        <p:style>
+          <a:lnRef idx="1">
+            <a:schemeClr val="dk1"/>
+          </a:lnRef>
+          <a:fillRef idx="0">
+            <a:schemeClr val="dk1"/>
+          </a:fillRef>
+          <a:effectRef idx="0">
+            <a:schemeClr val="dk1"/>
+          </a:effectRef>
+          <a:fontRef idx="minor">
+            <a:schemeClr val="tx1"/>
+          </a:fontRef>
+        </p:style>
+      </p:cxnSp>
+      <p:cxnSp>
+        <p:nvCxnSpPr>
+          <p:cNvPr id="105" name="Straight Connector 104">
+            <a:extLst>
+              <a:ext uri="{FF2B5EF4-FFF2-40B4-BE49-F238E27FC236}">
+                <a16:creationId xmlns:a16="http://schemas.microsoft.com/office/drawing/2014/main" id="{E6B13441-A0D1-74A2-D04C-B27CA2F9982C}"/>
+              </a:ext>
+            </a:extLst>
+          </p:cNvPr>
+          <p:cNvCxnSpPr>
+            <a:cxnSpLocks/>
+          </p:cNvCxnSpPr>
+          <p:nvPr/>
+        </p:nvCxnSpPr>
+        <p:spPr>
+          <a:xfrm>
+            <a:off x="5326609" y="1240971"/>
+            <a:ext cx="0" cy="457200"/>
+          </a:xfrm>
+          <a:prstGeom prst="line">
+            <a:avLst/>
+          </a:prstGeom>
+          <a:ln w="28575">
+            <a:solidFill>
+              <a:schemeClr val="tx1"/>
+            </a:solidFill>
+          </a:ln>
+        </p:spPr>
+        <p:style>
+          <a:lnRef idx="1">
+            <a:schemeClr val="dk1"/>
+          </a:lnRef>
+          <a:fillRef idx="0">
+            <a:schemeClr val="dk1"/>
+          </a:fillRef>
+          <a:effectRef idx="0">
+            <a:schemeClr val="dk1"/>
+          </a:effectRef>
+          <a:fontRef idx="minor">
+            <a:schemeClr val="tx1"/>
+          </a:fontRef>
+        </p:style>
+      </p:cxnSp>
+      <p:cxnSp>
+        <p:nvCxnSpPr>
+          <p:cNvPr id="110" name="Straight Connector 109">
+            <a:extLst>
+              <a:ext uri="{FF2B5EF4-FFF2-40B4-BE49-F238E27FC236}">
+                <a16:creationId xmlns:a16="http://schemas.microsoft.com/office/drawing/2014/main" id="{AEBA74CE-7D30-4595-17E2-226B85C6F7CC}"/>
+              </a:ext>
+            </a:extLst>
+          </p:cNvPr>
+          <p:cNvCxnSpPr>
+            <a:cxnSpLocks/>
+          </p:cNvCxnSpPr>
+          <p:nvPr/>
+        </p:nvCxnSpPr>
+        <p:spPr>
+          <a:xfrm>
+            <a:off x="1658799" y="3644371"/>
+            <a:ext cx="1" cy="484947"/>
+          </a:xfrm>
+          <a:prstGeom prst="line">
+            <a:avLst/>
+          </a:prstGeom>
+          <a:ln w="28575">
+            <a:solidFill>
+              <a:schemeClr val="tx1"/>
+            </a:solidFill>
+            <a:prstDash val="dashDot"/>
+          </a:ln>
+        </p:spPr>
+        <p:style>
+          <a:lnRef idx="1">
+            <a:schemeClr val="dk1"/>
+          </a:lnRef>
+          <a:fillRef idx="0">
+            <a:schemeClr val="dk1"/>
+          </a:fillRef>
+          <a:effectRef idx="0">
+            <a:schemeClr val="dk1"/>
+          </a:effectRef>
+          <a:fontRef idx="minor">
+            <a:schemeClr val="tx1"/>
+          </a:fontRef>
+        </p:style>
+      </p:cxnSp>
+      <p:cxnSp>
+        <p:nvCxnSpPr>
+          <p:cNvPr id="111" name="Straight Connector 110">
+            <a:extLst>
+              <a:ext uri="{FF2B5EF4-FFF2-40B4-BE49-F238E27FC236}">
+                <a16:creationId xmlns:a16="http://schemas.microsoft.com/office/drawing/2014/main" id="{E5B26A92-62BD-90D5-DD58-90026A9BDCD9}"/>
+              </a:ext>
+            </a:extLst>
+          </p:cNvPr>
+          <p:cNvCxnSpPr>
+            <a:cxnSpLocks/>
+          </p:cNvCxnSpPr>
+          <p:nvPr/>
+        </p:nvCxnSpPr>
+        <p:spPr>
+          <a:xfrm>
+            <a:off x="5339635" y="4104352"/>
+            <a:ext cx="1" cy="484947"/>
+          </a:xfrm>
+          <a:prstGeom prst="line">
+            <a:avLst/>
+          </a:prstGeom>
+          <a:ln w="28575">
+            <a:solidFill>
+              <a:schemeClr val="tx1"/>
+            </a:solidFill>
+          </a:ln>
+        </p:spPr>
+        <p:style>
+          <a:lnRef idx="1">
+            <a:schemeClr val="dk1"/>
+          </a:lnRef>
+          <a:fillRef idx="0">
+            <a:schemeClr val="dk1"/>
+          </a:fillRef>
+          <a:effectRef idx="0">
+            <a:schemeClr val="dk1"/>
+          </a:effectRef>
+          <a:fontRef idx="minor">
+            <a:schemeClr val="tx1"/>
+          </a:fontRef>
+        </p:style>
+      </p:cxnSp>
+      <p:cxnSp>
+        <p:nvCxnSpPr>
+          <p:cNvPr id="112" name="Straight Connector 111">
+            <a:extLst>
+              <a:ext uri="{FF2B5EF4-FFF2-40B4-BE49-F238E27FC236}">
+                <a16:creationId xmlns:a16="http://schemas.microsoft.com/office/drawing/2014/main" id="{40EA4896-7FAD-D8C1-E5F7-7505088884E2}"/>
+              </a:ext>
+            </a:extLst>
+          </p:cNvPr>
+          <p:cNvCxnSpPr>
+            <a:cxnSpLocks/>
+          </p:cNvCxnSpPr>
+          <p:nvPr/>
+        </p:nvCxnSpPr>
+        <p:spPr>
+          <a:xfrm>
+            <a:off x="5337586" y="3657632"/>
+            <a:ext cx="1" cy="484947"/>
+          </a:xfrm>
+          <a:prstGeom prst="line">
+            <a:avLst/>
+          </a:prstGeom>
+          <a:ln w="28575">
+            <a:solidFill>
+              <a:schemeClr val="tx1"/>
+            </a:solidFill>
+            <a:prstDash val="dashDot"/>
+          </a:ln>
+        </p:spPr>
+        <p:style>
+          <a:lnRef idx="1">
+            <a:schemeClr val="dk1"/>
+          </a:lnRef>
+          <a:fillRef idx="0">
+            <a:schemeClr val="dk1"/>
+          </a:fillRef>
+          <a:effectRef idx="0">
+            <a:schemeClr val="dk1"/>
+          </a:effectRef>
+          <a:fontRef idx="minor">
+            <a:schemeClr val="tx1"/>
+          </a:fontRef>
+        </p:style>
+      </p:cxnSp>
+      <p:sp>
+        <p:nvSpPr>
+          <p:cNvPr id="113" name="TextBox 112">
+            <a:extLst>
+              <a:ext uri="{FF2B5EF4-FFF2-40B4-BE49-F238E27FC236}">
+                <a16:creationId xmlns:a16="http://schemas.microsoft.com/office/drawing/2014/main" id="{C9A9221C-F464-8F72-AAF9-3ED5D37A957A}"/>
+              </a:ext>
+            </a:extLst>
+          </p:cNvPr>
+          <p:cNvSpPr txBox="1"/>
+          <p:nvPr/>
+        </p:nvSpPr>
+        <p:spPr>
+          <a:xfrm>
+            <a:off x="893018" y="1044358"/>
+            <a:ext cx="570712" cy="369332"/>
+          </a:xfrm>
+          <a:prstGeom prst="rect">
+            <a:avLst/>
+          </a:prstGeom>
+          <a:noFill/>
+          <a:ln>
+            <a:noFill/>
+          </a:ln>
+        </p:spPr>
+        <p:txBody>
+          <a:bodyPr wrap="square" rtlCol="0">
+            <a:spAutoFit/>
+          </a:bodyPr>
+          <a:lstStyle/>
+          <a:p>
+            <a:r>
+              <a:rPr lang="en-US" dirty="0"/>
+              <a:t>x[n]</a:t>
+            </a:r>
+          </a:p>
+        </p:txBody>
+      </p:sp>
+      <p:sp>
+        <p:nvSpPr>
+          <p:cNvPr id="114" name="TextBox 113">
+            <a:extLst>
+              <a:ext uri="{FF2B5EF4-FFF2-40B4-BE49-F238E27FC236}">
+                <a16:creationId xmlns:a16="http://schemas.microsoft.com/office/drawing/2014/main" id="{B403652A-553C-64CB-99CF-04A17CE76C0A}"/>
+              </a:ext>
+            </a:extLst>
+          </p:cNvPr>
+          <p:cNvSpPr txBox="1"/>
+          <p:nvPr/>
+        </p:nvSpPr>
+        <p:spPr>
+          <a:xfrm>
+            <a:off x="5552499" y="1044358"/>
+            <a:ext cx="570712" cy="369332"/>
+          </a:xfrm>
+          <a:prstGeom prst="rect">
+            <a:avLst/>
+          </a:prstGeom>
+          <a:noFill/>
+          <a:ln>
+            <a:noFill/>
+          </a:ln>
+        </p:spPr>
+        <p:txBody>
+          <a:bodyPr wrap="square" rtlCol="0">
+            <a:spAutoFit/>
+          </a:bodyPr>
+          <a:lstStyle/>
+          <a:p>
+            <a:r>
+              <a:rPr lang="en-US" dirty="0"/>
+              <a:t>y[n]</a:t>
+            </a:r>
+          </a:p>
+        </p:txBody>
+      </p:sp>
+      <p:sp>
+        <p:nvSpPr>
+          <p:cNvPr id="2" name="TextBox 1">
+            <a:extLst>
+              <a:ext uri="{FF2B5EF4-FFF2-40B4-BE49-F238E27FC236}">
+                <a16:creationId xmlns:a16="http://schemas.microsoft.com/office/drawing/2014/main" id="{87C700AD-A543-692B-DA2A-9507BB93E43B}"/>
+              </a:ext>
+            </a:extLst>
+          </p:cNvPr>
+          <p:cNvSpPr txBox="1"/>
+          <p:nvPr/>
+        </p:nvSpPr>
+        <p:spPr>
+          <a:xfrm flipH="1">
+            <a:off x="1508333" y="1764554"/>
+            <a:ext cx="298579" cy="369332"/>
+          </a:xfrm>
+          <a:prstGeom prst="rect">
+            <a:avLst/>
+          </a:prstGeom>
+          <a:noFill/>
+          <a:ln>
+            <a:noFill/>
+          </a:ln>
+        </p:spPr>
+        <p:txBody>
+          <a:bodyPr wrap="square" rtlCol="0">
+            <a:spAutoFit/>
+          </a:bodyPr>
+          <a:lstStyle/>
+          <a:p>
+            <a:r>
+              <a:rPr lang="en-US" dirty="0"/>
+              <a:t>D</a:t>
+            </a:r>
+          </a:p>
+        </p:txBody>
+      </p:sp>
+      <p:sp>
+        <p:nvSpPr>
+          <p:cNvPr id="3" name="TextBox 2">
+            <a:extLst>
+              <a:ext uri="{FF2B5EF4-FFF2-40B4-BE49-F238E27FC236}">
+                <a16:creationId xmlns:a16="http://schemas.microsoft.com/office/drawing/2014/main" id="{FC7D478D-E3C9-903A-53B3-61B7435A936C}"/>
+              </a:ext>
+            </a:extLst>
+          </p:cNvPr>
+          <p:cNvSpPr txBox="1"/>
+          <p:nvPr/>
+        </p:nvSpPr>
+        <p:spPr>
+          <a:xfrm flipH="1">
+            <a:off x="1508332" y="3246331"/>
+            <a:ext cx="298579" cy="369332"/>
+          </a:xfrm>
+          <a:prstGeom prst="rect">
+            <a:avLst/>
+          </a:prstGeom>
+          <a:noFill/>
+          <a:ln>
+            <a:noFill/>
+          </a:ln>
+        </p:spPr>
+        <p:txBody>
+          <a:bodyPr wrap="square" rtlCol="0">
+            <a:spAutoFit/>
+          </a:bodyPr>
+          <a:lstStyle/>
+          <a:p>
+            <a:r>
+              <a:rPr lang="en-US" dirty="0"/>
+              <a:t>D</a:t>
+            </a:r>
+          </a:p>
+        </p:txBody>
+      </p:sp>
+      <p:sp>
+        <p:nvSpPr>
+          <p:cNvPr id="4" name="TextBox 3">
+            <a:extLst>
+              <a:ext uri="{FF2B5EF4-FFF2-40B4-BE49-F238E27FC236}">
+                <a16:creationId xmlns:a16="http://schemas.microsoft.com/office/drawing/2014/main" id="{2385213D-A23E-FE14-4E22-373F5F7B1AA5}"/>
+              </a:ext>
+            </a:extLst>
+          </p:cNvPr>
+          <p:cNvSpPr txBox="1"/>
+          <p:nvPr/>
+        </p:nvSpPr>
+        <p:spPr>
+          <a:xfrm flipH="1">
+            <a:off x="5188296" y="3266333"/>
+            <a:ext cx="298579" cy="369332"/>
+          </a:xfrm>
+          <a:prstGeom prst="rect">
+            <a:avLst/>
+          </a:prstGeom>
+          <a:noFill/>
+          <a:ln>
+            <a:noFill/>
+          </a:ln>
+        </p:spPr>
+        <p:txBody>
+          <a:bodyPr wrap="square" rtlCol="0">
+            <a:spAutoFit/>
+          </a:bodyPr>
+          <a:lstStyle/>
+          <a:p>
+            <a:r>
+              <a:rPr lang="en-US" dirty="0"/>
+              <a:t>D</a:t>
+            </a:r>
+          </a:p>
+        </p:txBody>
+      </p:sp>
+      <p:sp>
+        <p:nvSpPr>
+          <p:cNvPr id="6" name="TextBox 5">
+            <a:extLst>
+              <a:ext uri="{FF2B5EF4-FFF2-40B4-BE49-F238E27FC236}">
+                <a16:creationId xmlns:a16="http://schemas.microsoft.com/office/drawing/2014/main" id="{20D59C85-19F5-7F81-B9B5-6CD52EB0FA69}"/>
+              </a:ext>
+            </a:extLst>
+          </p:cNvPr>
+          <p:cNvSpPr txBox="1"/>
+          <p:nvPr/>
+        </p:nvSpPr>
+        <p:spPr>
+          <a:xfrm flipH="1">
+            <a:off x="5177319" y="4629301"/>
+            <a:ext cx="298579" cy="369332"/>
+          </a:xfrm>
+          <a:prstGeom prst="rect">
+            <a:avLst/>
+          </a:prstGeom>
+          <a:noFill/>
+          <a:ln>
+            <a:noFill/>
+          </a:ln>
+        </p:spPr>
+        <p:txBody>
+          <a:bodyPr wrap="square" rtlCol="0">
+            <a:spAutoFit/>
+          </a:bodyPr>
+          <a:lstStyle/>
+          <a:p>
+            <a:r>
+              <a:rPr lang="en-US" dirty="0"/>
+              <a:t>D</a:t>
+            </a:r>
+          </a:p>
+        </p:txBody>
+      </p:sp>
+      <p:sp>
+        <p:nvSpPr>
+          <p:cNvPr id="8" name="TextBox 7">
+            <a:extLst>
+              <a:ext uri="{FF2B5EF4-FFF2-40B4-BE49-F238E27FC236}">
+                <a16:creationId xmlns:a16="http://schemas.microsoft.com/office/drawing/2014/main" id="{22581BB8-3030-831E-2F3C-68425FA8CDAC}"/>
+              </a:ext>
+            </a:extLst>
+          </p:cNvPr>
+          <p:cNvSpPr txBox="1"/>
+          <p:nvPr/>
+        </p:nvSpPr>
+        <p:spPr>
+          <a:xfrm flipH="1">
+            <a:off x="1509117" y="4638093"/>
+            <a:ext cx="298579" cy="369332"/>
+          </a:xfrm>
+          <a:prstGeom prst="rect">
+            <a:avLst/>
+          </a:prstGeom>
+          <a:noFill/>
+          <a:ln>
+            <a:noFill/>
+          </a:ln>
+        </p:spPr>
+        <p:txBody>
+          <a:bodyPr wrap="square" rtlCol="0">
+            <a:spAutoFit/>
+          </a:bodyPr>
+          <a:lstStyle/>
+          <a:p>
+            <a:r>
+              <a:rPr lang="en-US" dirty="0"/>
+              <a:t>D</a:t>
+            </a:r>
+          </a:p>
+        </p:txBody>
+      </p:sp>
+    </p:spTree>
+    <p:extLst>
+      <p:ext uri="{BB962C8B-B14F-4D97-AF65-F5344CB8AC3E}">
+        <p14:creationId xmlns:p14="http://schemas.microsoft.com/office/powerpoint/2010/main" val="2547596861"/>
+      </p:ext>
+    </p:extLst>
+  </p:cSld>
+  <p:clrMapOvr>
+    <a:masterClrMapping/>
+  </p:clrMapOvr>
+</p:sld>
+</file>
+
+<file path=ppt/slides/slide5.xml><?xml version="1.0" encoding="utf-8"?>
+<p:sld xmlns:a="http://schemas.openxmlformats.org/drawingml/2006/main" xmlns:r="http://schemas.openxmlformats.org/officeDocument/2006/relationships" xmlns:p="http://schemas.openxmlformats.org/presentationml/2006/main">
+  <p:cSld>
+    <p:spTree>
+      <p:nvGrpSpPr>
+        <p:cNvPr id="1" name="">
+          <a:extLst>
+            <a:ext uri="{FF2B5EF4-FFF2-40B4-BE49-F238E27FC236}">
+              <a16:creationId xmlns:a16="http://schemas.microsoft.com/office/drawing/2014/main" id="{D53DB8F2-2132-77F9-8899-3DDD6DA8DFC1}"/>
+            </a:ext>
+          </a:extLst>
+        </p:cNvPr>
+        <p:cNvGrpSpPr/>
+        <p:nvPr/>
+      </p:nvGrpSpPr>
+      <p:grpSpPr>
+        <a:xfrm>
+          <a:off x="0" y="0"/>
+          <a:ext cx="0" cy="0"/>
+          <a:chOff x="0" y="0"/>
+          <a:chExt cx="0" cy="0"/>
+        </a:xfrm>
+      </p:grpSpPr>
+      <p:cxnSp>
+        <p:nvCxnSpPr>
+          <p:cNvPr id="5" name="Straight Connector 4">
+            <a:extLst>
+              <a:ext uri="{FF2B5EF4-FFF2-40B4-BE49-F238E27FC236}">
+                <a16:creationId xmlns:a16="http://schemas.microsoft.com/office/drawing/2014/main" id="{9D4CE571-B9E5-150B-B1D7-C46013C28BBB}"/>
+              </a:ext>
+            </a:extLst>
+          </p:cNvPr>
+          <p:cNvCxnSpPr>
+            <a:cxnSpLocks/>
+          </p:cNvCxnSpPr>
+          <p:nvPr/>
+        </p:nvCxnSpPr>
+        <p:spPr>
+          <a:xfrm>
+            <a:off x="1390264" y="1240971"/>
+            <a:ext cx="5029197" cy="2183"/>
+          </a:xfrm>
+          <a:prstGeom prst="line">
+            <a:avLst/>
+          </a:prstGeom>
+          <a:ln w="28575">
+            <a:solidFill>
+              <a:schemeClr val="tx1"/>
+            </a:solidFill>
+          </a:ln>
+        </p:spPr>
+        <p:style>
+          <a:lnRef idx="1">
+            <a:schemeClr val="dk1"/>
+          </a:lnRef>
+          <a:fillRef idx="0">
+            <a:schemeClr val="dk1"/>
+          </a:fillRef>
+          <a:effectRef idx="0">
+            <a:schemeClr val="dk1"/>
+          </a:effectRef>
+          <a:fontRef idx="minor">
+            <a:schemeClr val="tx1"/>
+          </a:fontRef>
+        </p:style>
+      </p:cxnSp>
+      <p:sp>
+        <p:nvSpPr>
+          <p:cNvPr id="113" name="TextBox 112">
+            <a:extLst>
+              <a:ext uri="{FF2B5EF4-FFF2-40B4-BE49-F238E27FC236}">
+                <a16:creationId xmlns:a16="http://schemas.microsoft.com/office/drawing/2014/main" id="{2A7E0D56-6741-A191-6EC3-DB35766B0112}"/>
+              </a:ext>
+            </a:extLst>
+          </p:cNvPr>
+          <p:cNvSpPr txBox="1"/>
+          <p:nvPr/>
+        </p:nvSpPr>
+        <p:spPr>
+          <a:xfrm>
+            <a:off x="893018" y="1044358"/>
+            <a:ext cx="570712" cy="369332"/>
+          </a:xfrm>
+          <a:prstGeom prst="rect">
+            <a:avLst/>
+          </a:prstGeom>
+          <a:noFill/>
+          <a:ln>
+            <a:noFill/>
+          </a:ln>
+        </p:spPr>
+        <p:txBody>
+          <a:bodyPr wrap="square" rtlCol="0">
+            <a:spAutoFit/>
+          </a:bodyPr>
+          <a:lstStyle/>
+          <a:p>
+            <a:r>
+              <a:rPr lang="en-US" dirty="0"/>
+              <a:t>x[n]</a:t>
+            </a:r>
+          </a:p>
+        </p:txBody>
+      </p:sp>
+      <p:sp>
+        <p:nvSpPr>
+          <p:cNvPr id="114" name="TextBox 113">
+            <a:extLst>
+              <a:ext uri="{FF2B5EF4-FFF2-40B4-BE49-F238E27FC236}">
+                <a16:creationId xmlns:a16="http://schemas.microsoft.com/office/drawing/2014/main" id="{390B78D8-69B6-F4FE-DC72-1AF40FB35C7A}"/>
+              </a:ext>
+            </a:extLst>
+          </p:cNvPr>
+          <p:cNvSpPr txBox="1"/>
+          <p:nvPr/>
+        </p:nvSpPr>
+        <p:spPr>
+          <a:xfrm>
+            <a:off x="6382609" y="1037459"/>
+            <a:ext cx="570712" cy="369332"/>
+          </a:xfrm>
+          <a:prstGeom prst="rect">
+            <a:avLst/>
+          </a:prstGeom>
+          <a:noFill/>
+          <a:ln>
+            <a:noFill/>
+          </a:ln>
+        </p:spPr>
+        <p:txBody>
+          <a:bodyPr wrap="square" rtlCol="0">
+            <a:spAutoFit/>
+          </a:bodyPr>
+          <a:lstStyle/>
+          <a:p>
+            <a:r>
+              <a:rPr lang="en-US" dirty="0"/>
+              <a:t>y[n]</a:t>
+            </a:r>
+          </a:p>
+        </p:txBody>
+      </p:sp>
+      <p:sp>
+        <p:nvSpPr>
+          <p:cNvPr id="82" name="Oval 81">
+            <a:extLst>
+              <a:ext uri="{FF2B5EF4-FFF2-40B4-BE49-F238E27FC236}">
+                <a16:creationId xmlns:a16="http://schemas.microsoft.com/office/drawing/2014/main" id="{A3F6AC30-8F45-CFC0-8A0C-2A3939A9E523}"/>
+              </a:ext>
+            </a:extLst>
+          </p:cNvPr>
+          <p:cNvSpPr/>
+          <p:nvPr/>
+        </p:nvSpPr>
+        <p:spPr>
+          <a:xfrm flipH="1">
+            <a:off x="2949928" y="2468040"/>
+            <a:ext cx="491411" cy="457188"/>
+          </a:xfrm>
+          <a:prstGeom prst="ellipse">
+            <a:avLst/>
+          </a:prstGeom>
+          <a:solidFill>
+            <a:schemeClr val="bg1"/>
+          </a:solidFill>
+          <a:ln w="28575">
+            <a:solidFill>
+              <a:schemeClr val="tx1"/>
+            </a:solidFill>
+          </a:ln>
+        </p:spPr>
+        <p:style>
+          <a:lnRef idx="2">
+            <a:schemeClr val="accent1">
+              <a:shade val="15000"/>
+            </a:schemeClr>
+          </a:lnRef>
+          <a:fillRef idx="1">
+            <a:schemeClr val="accent1"/>
+          </a:fillRef>
+          <a:effectRef idx="0">
+            <a:schemeClr val="accent1"/>
+          </a:effectRef>
+          <a:fontRef idx="minor">
+            <a:schemeClr val="lt1"/>
+          </a:fontRef>
+        </p:style>
+        <p:txBody>
+          <a:bodyPr rtlCol="0" anchor="ctr"/>
+          <a:lstStyle/>
+          <a:p>
+            <a:pPr algn="ctr"/>
+            <a:endParaRPr lang="en-US" dirty="0">
+              <a:solidFill>
+                <a:schemeClr val="tx1"/>
+              </a:solidFill>
+            </a:endParaRPr>
+          </a:p>
+        </p:txBody>
+      </p:sp>
+      <p:sp>
+        <p:nvSpPr>
+          <p:cNvPr id="89" name="Oval 88">
+            <a:extLst>
+              <a:ext uri="{FF2B5EF4-FFF2-40B4-BE49-F238E27FC236}">
+                <a16:creationId xmlns:a16="http://schemas.microsoft.com/office/drawing/2014/main" id="{FAAFE7BD-6814-B5BC-02E4-B158A7B01E66}"/>
+              </a:ext>
+            </a:extLst>
+          </p:cNvPr>
+          <p:cNvSpPr/>
+          <p:nvPr/>
+        </p:nvSpPr>
+        <p:spPr>
+          <a:xfrm flipH="1">
+            <a:off x="2949928" y="3853008"/>
+            <a:ext cx="491411" cy="457188"/>
+          </a:xfrm>
+          <a:prstGeom prst="ellipse">
+            <a:avLst/>
+          </a:prstGeom>
+          <a:solidFill>
+            <a:schemeClr val="bg1"/>
+          </a:solidFill>
+          <a:ln w="28575">
+            <a:solidFill>
+              <a:schemeClr val="tx1"/>
+            </a:solidFill>
+          </a:ln>
+        </p:spPr>
+        <p:style>
+          <a:lnRef idx="2">
+            <a:schemeClr val="accent1">
+              <a:shade val="15000"/>
+            </a:schemeClr>
+          </a:lnRef>
+          <a:fillRef idx="1">
+            <a:schemeClr val="accent1"/>
+          </a:fillRef>
+          <a:effectRef idx="0">
+            <a:schemeClr val="accent1"/>
+          </a:effectRef>
+          <a:fontRef idx="minor">
+            <a:schemeClr val="lt1"/>
+          </a:fontRef>
+        </p:style>
+        <p:txBody>
+          <a:bodyPr rtlCol="0" anchor="ctr"/>
+          <a:lstStyle/>
+          <a:p>
+            <a:pPr algn="ctr"/>
+            <a:endParaRPr lang="en-US" dirty="0">
+              <a:solidFill>
+                <a:schemeClr val="tx1"/>
+              </a:solidFill>
+            </a:endParaRPr>
+          </a:p>
+        </p:txBody>
+      </p:sp>
+      <p:sp>
+        <p:nvSpPr>
+          <p:cNvPr id="76" name="Rectangle 75">
+            <a:extLst>
+              <a:ext uri="{FF2B5EF4-FFF2-40B4-BE49-F238E27FC236}">
+                <a16:creationId xmlns:a16="http://schemas.microsoft.com/office/drawing/2014/main" id="{640F4B51-9953-9676-C308-A1798B9C19AE}"/>
+              </a:ext>
+            </a:extLst>
+          </p:cNvPr>
+          <p:cNvSpPr/>
+          <p:nvPr/>
+        </p:nvSpPr>
+        <p:spPr>
+          <a:xfrm flipH="1">
+            <a:off x="2928843" y="1721837"/>
+            <a:ext cx="541170" cy="457199"/>
+          </a:xfrm>
+          <a:prstGeom prst="rect">
+            <a:avLst/>
+          </a:prstGeom>
+          <a:solidFill>
+            <a:schemeClr val="bg1"/>
+          </a:solidFill>
+          <a:ln w="28575">
+            <a:solidFill>
+              <a:schemeClr val="tx1"/>
+            </a:solidFill>
+          </a:ln>
+        </p:spPr>
+        <p:style>
+          <a:lnRef idx="2">
+            <a:schemeClr val="accent1">
+              <a:shade val="15000"/>
+            </a:schemeClr>
+          </a:lnRef>
+          <a:fillRef idx="1">
+            <a:schemeClr val="accent1"/>
+          </a:fillRef>
+          <a:effectRef idx="0">
+            <a:schemeClr val="accent1"/>
+          </a:effectRef>
+          <a:fontRef idx="minor">
+            <a:schemeClr val="lt1"/>
+          </a:fontRef>
+        </p:style>
+        <p:txBody>
+          <a:bodyPr rtlCol="0" anchor="ctr"/>
+          <a:lstStyle/>
+          <a:p>
+            <a:pPr algn="ctr"/>
+            <a:endParaRPr lang="en-US">
+              <a:solidFill>
+                <a:schemeClr val="tx1"/>
+              </a:solidFill>
+            </a:endParaRPr>
+          </a:p>
+        </p:txBody>
+      </p:sp>
+      <p:sp>
+        <p:nvSpPr>
+          <p:cNvPr id="77" name="TextBox 76">
+            <a:extLst>
+              <a:ext uri="{FF2B5EF4-FFF2-40B4-BE49-F238E27FC236}">
+                <a16:creationId xmlns:a16="http://schemas.microsoft.com/office/drawing/2014/main" id="{4BB51DF7-8E67-8DEC-00F6-90D8DC45C444}"/>
+              </a:ext>
+            </a:extLst>
+          </p:cNvPr>
+          <p:cNvSpPr txBox="1"/>
+          <p:nvPr/>
+        </p:nvSpPr>
+        <p:spPr>
+          <a:xfrm flipH="1">
+            <a:off x="3050139" y="1765770"/>
+            <a:ext cx="298579" cy="369332"/>
+          </a:xfrm>
+          <a:prstGeom prst="rect">
+            <a:avLst/>
+          </a:prstGeom>
+          <a:noFill/>
+          <a:ln>
+            <a:noFill/>
+          </a:ln>
+        </p:spPr>
+        <p:txBody>
+          <a:bodyPr wrap="square" rtlCol="0">
+            <a:spAutoFit/>
+          </a:bodyPr>
+          <a:lstStyle/>
+          <a:p>
+            <a:r>
+              <a:rPr lang="en-US" dirty="0"/>
+              <a:t>D</a:t>
+            </a:r>
+          </a:p>
+        </p:txBody>
+      </p:sp>
+      <p:sp>
+        <p:nvSpPr>
+          <p:cNvPr id="79" name="Oval 78">
+            <a:extLst>
+              <a:ext uri="{FF2B5EF4-FFF2-40B4-BE49-F238E27FC236}">
+                <a16:creationId xmlns:a16="http://schemas.microsoft.com/office/drawing/2014/main" id="{F63A14A2-4A07-D5D3-7433-6BF14643CC01}"/>
+              </a:ext>
+            </a:extLst>
+          </p:cNvPr>
+          <p:cNvSpPr/>
+          <p:nvPr/>
+        </p:nvSpPr>
+        <p:spPr>
+          <a:xfrm flipH="1">
+            <a:off x="2940879" y="1018650"/>
+            <a:ext cx="491411" cy="457188"/>
+          </a:xfrm>
+          <a:prstGeom prst="ellipse">
+            <a:avLst/>
+          </a:prstGeom>
+          <a:solidFill>
+            <a:schemeClr val="bg1"/>
+          </a:solidFill>
+          <a:ln w="28575">
+            <a:solidFill>
+              <a:schemeClr val="tx1"/>
+            </a:solidFill>
+          </a:ln>
+        </p:spPr>
+        <p:style>
+          <a:lnRef idx="2">
+            <a:schemeClr val="accent1">
+              <a:shade val="15000"/>
+            </a:schemeClr>
+          </a:lnRef>
+          <a:fillRef idx="1">
+            <a:schemeClr val="accent1"/>
+          </a:fillRef>
+          <a:effectRef idx="0">
+            <a:schemeClr val="accent1"/>
+          </a:effectRef>
+          <a:fontRef idx="minor">
+            <a:schemeClr val="lt1"/>
+          </a:fontRef>
+        </p:style>
+        <p:txBody>
+          <a:bodyPr rtlCol="0" anchor="ctr"/>
+          <a:lstStyle/>
+          <a:p>
+            <a:pPr algn="ctr"/>
+            <a:endParaRPr lang="en-US">
+              <a:solidFill>
+                <a:schemeClr val="tx1"/>
+              </a:solidFill>
+            </a:endParaRPr>
+          </a:p>
+        </p:txBody>
+      </p:sp>
+      <p:sp>
+        <p:nvSpPr>
+          <p:cNvPr id="80" name="TextBox 79">
+            <a:extLst>
+              <a:ext uri="{FF2B5EF4-FFF2-40B4-BE49-F238E27FC236}">
+                <a16:creationId xmlns:a16="http://schemas.microsoft.com/office/drawing/2014/main" id="{93649B7E-E6B3-307F-36D7-77D3C77C91E4}"/>
+              </a:ext>
+            </a:extLst>
+          </p:cNvPr>
+          <p:cNvSpPr txBox="1"/>
+          <p:nvPr/>
+        </p:nvSpPr>
+        <p:spPr>
+          <a:xfrm flipH="1">
+            <a:off x="3034186" y="1055291"/>
+            <a:ext cx="298579" cy="369332"/>
+          </a:xfrm>
+          <a:prstGeom prst="rect">
+            <a:avLst/>
+          </a:prstGeom>
+          <a:noFill/>
+          <a:ln>
+            <a:noFill/>
+          </a:ln>
+        </p:spPr>
+        <p:txBody>
+          <a:bodyPr wrap="square" rtlCol="0">
+            <a:spAutoFit/>
+          </a:bodyPr>
+          <a:lstStyle/>
+          <a:p>
+            <a:r>
+              <a:rPr lang="en-US" dirty="0"/>
+              <a:t>+</a:t>
+            </a:r>
+          </a:p>
+        </p:txBody>
+      </p:sp>
+      <p:sp>
+        <p:nvSpPr>
+          <p:cNvPr id="81" name="Isosceles Triangle 80">
+            <a:extLst>
+              <a:ext uri="{FF2B5EF4-FFF2-40B4-BE49-F238E27FC236}">
+                <a16:creationId xmlns:a16="http://schemas.microsoft.com/office/drawing/2014/main" id="{662E27AD-7908-9707-5E35-0846171EA4F6}"/>
+              </a:ext>
+            </a:extLst>
+          </p:cNvPr>
+          <p:cNvSpPr/>
+          <p:nvPr/>
+        </p:nvSpPr>
+        <p:spPr>
+          <a:xfrm rot="5400000" flipH="1">
+            <a:off x="2274634" y="2428733"/>
+            <a:ext cx="383906" cy="553221"/>
+          </a:xfrm>
+          <a:prstGeom prst="triangle">
+            <a:avLst/>
+          </a:prstGeom>
+          <a:solidFill>
+            <a:schemeClr val="bg1"/>
+          </a:solidFill>
+          <a:ln w="28575">
+            <a:solidFill>
+              <a:schemeClr val="tx1"/>
+            </a:solidFill>
+          </a:ln>
+        </p:spPr>
+        <p:style>
+          <a:lnRef idx="2">
+            <a:schemeClr val="accent1">
+              <a:shade val="15000"/>
+            </a:schemeClr>
+          </a:lnRef>
+          <a:fillRef idx="1">
+            <a:schemeClr val="accent1"/>
+          </a:fillRef>
+          <a:effectRef idx="0">
+            <a:schemeClr val="accent1"/>
+          </a:effectRef>
+          <a:fontRef idx="minor">
+            <a:schemeClr val="lt1"/>
+          </a:fontRef>
+        </p:style>
+        <p:txBody>
+          <a:bodyPr rtlCol="0" anchor="ctr"/>
+          <a:lstStyle/>
+          <a:p>
+            <a:pPr algn="ctr"/>
+            <a:endParaRPr lang="en-US">
+              <a:solidFill>
+                <a:schemeClr val="tx1"/>
+              </a:solidFill>
+            </a:endParaRPr>
+          </a:p>
+        </p:txBody>
+      </p:sp>
+      <p:sp>
+        <p:nvSpPr>
+          <p:cNvPr id="83" name="TextBox 82">
+            <a:extLst>
+              <a:ext uri="{FF2B5EF4-FFF2-40B4-BE49-F238E27FC236}">
+                <a16:creationId xmlns:a16="http://schemas.microsoft.com/office/drawing/2014/main" id="{289BB75C-2A42-A25E-352C-F9F79577A87A}"/>
+              </a:ext>
+            </a:extLst>
+          </p:cNvPr>
+          <p:cNvSpPr txBox="1"/>
+          <p:nvPr/>
+        </p:nvSpPr>
+        <p:spPr>
+          <a:xfrm flipH="1">
+            <a:off x="3043235" y="2504681"/>
+            <a:ext cx="298579" cy="369332"/>
+          </a:xfrm>
+          <a:prstGeom prst="rect">
+            <a:avLst/>
+          </a:prstGeom>
+          <a:noFill/>
+          <a:ln>
+            <a:noFill/>
+          </a:ln>
+        </p:spPr>
+        <p:txBody>
+          <a:bodyPr wrap="square" rtlCol="0">
+            <a:spAutoFit/>
+          </a:bodyPr>
+          <a:lstStyle/>
+          <a:p>
+            <a:r>
+              <a:rPr lang="en-US" dirty="0"/>
+              <a:t>+</a:t>
+            </a:r>
+          </a:p>
+        </p:txBody>
+      </p:sp>
+      <p:sp>
+        <p:nvSpPr>
+          <p:cNvPr id="84" name="Isosceles Triangle 83">
+            <a:extLst>
+              <a:ext uri="{FF2B5EF4-FFF2-40B4-BE49-F238E27FC236}">
+                <a16:creationId xmlns:a16="http://schemas.microsoft.com/office/drawing/2014/main" id="{4BADF6F4-CCB2-936A-9D07-6228AE55916C}"/>
+              </a:ext>
+            </a:extLst>
+          </p:cNvPr>
+          <p:cNvSpPr/>
+          <p:nvPr/>
+        </p:nvSpPr>
+        <p:spPr>
+          <a:xfrm rot="5400000" flipH="1">
+            <a:off x="2379216" y="5271951"/>
+            <a:ext cx="383906" cy="553221"/>
+          </a:xfrm>
+          <a:prstGeom prst="triangle">
+            <a:avLst/>
+          </a:prstGeom>
+          <a:solidFill>
+            <a:schemeClr val="bg1"/>
+          </a:solidFill>
+          <a:ln w="28575">
+            <a:solidFill>
+              <a:schemeClr val="tx1"/>
+            </a:solidFill>
+          </a:ln>
+        </p:spPr>
+        <p:style>
+          <a:lnRef idx="2">
+            <a:schemeClr val="accent1">
+              <a:shade val="15000"/>
+            </a:schemeClr>
+          </a:lnRef>
+          <a:fillRef idx="1">
+            <a:schemeClr val="accent1"/>
+          </a:fillRef>
+          <a:effectRef idx="0">
+            <a:schemeClr val="accent1"/>
+          </a:effectRef>
+          <a:fontRef idx="minor">
+            <a:schemeClr val="lt1"/>
+          </a:fontRef>
+        </p:style>
+        <p:txBody>
+          <a:bodyPr rtlCol="0" anchor="ctr"/>
+          <a:lstStyle/>
+          <a:p>
+            <a:pPr algn="ctr"/>
+            <a:endParaRPr lang="en-US">
+              <a:solidFill>
+                <a:schemeClr val="tx1"/>
+              </a:solidFill>
+            </a:endParaRPr>
+          </a:p>
+        </p:txBody>
+      </p:sp>
+      <p:sp>
+        <p:nvSpPr>
+          <p:cNvPr id="86" name="Rectangle 85">
+            <a:extLst>
+              <a:ext uri="{FF2B5EF4-FFF2-40B4-BE49-F238E27FC236}">
+                <a16:creationId xmlns:a16="http://schemas.microsoft.com/office/drawing/2014/main" id="{39FBC23B-9FC2-3B29-2188-C842EA9C6B65}"/>
+              </a:ext>
+            </a:extLst>
+          </p:cNvPr>
+          <p:cNvSpPr/>
+          <p:nvPr/>
+        </p:nvSpPr>
+        <p:spPr>
+          <a:xfrm flipH="1">
+            <a:off x="2928843" y="3214736"/>
+            <a:ext cx="541170" cy="457199"/>
+          </a:xfrm>
+          <a:prstGeom prst="rect">
+            <a:avLst/>
+          </a:prstGeom>
+          <a:solidFill>
+            <a:schemeClr val="bg1"/>
+          </a:solidFill>
+          <a:ln w="28575">
+            <a:solidFill>
+              <a:schemeClr val="tx1"/>
+            </a:solidFill>
+          </a:ln>
+        </p:spPr>
+        <p:style>
+          <a:lnRef idx="2">
+            <a:schemeClr val="accent1">
+              <a:shade val="15000"/>
+            </a:schemeClr>
+          </a:lnRef>
+          <a:fillRef idx="1">
+            <a:schemeClr val="accent1"/>
+          </a:fillRef>
+          <a:effectRef idx="0">
+            <a:schemeClr val="accent1"/>
+          </a:effectRef>
+          <a:fontRef idx="minor">
+            <a:schemeClr val="lt1"/>
+          </a:fontRef>
+        </p:style>
+        <p:txBody>
+          <a:bodyPr rtlCol="0" anchor="ctr"/>
+          <a:lstStyle/>
+          <a:p>
+            <a:pPr algn="ctr"/>
+            <a:endParaRPr lang="en-US">
+              <a:solidFill>
+                <a:schemeClr val="tx1"/>
+              </a:solidFill>
+            </a:endParaRPr>
+          </a:p>
+        </p:txBody>
+      </p:sp>
+      <p:sp>
+        <p:nvSpPr>
+          <p:cNvPr id="88" name="Isosceles Triangle 87">
+            <a:extLst>
+              <a:ext uri="{FF2B5EF4-FFF2-40B4-BE49-F238E27FC236}">
+                <a16:creationId xmlns:a16="http://schemas.microsoft.com/office/drawing/2014/main" id="{FB3672B9-0793-8C3A-02DC-84083FC8548D}"/>
+              </a:ext>
+            </a:extLst>
+          </p:cNvPr>
+          <p:cNvSpPr/>
+          <p:nvPr/>
+        </p:nvSpPr>
+        <p:spPr>
+          <a:xfrm rot="5400000" flipH="1">
+            <a:off x="2275356" y="3813700"/>
+            <a:ext cx="383906" cy="553221"/>
+          </a:xfrm>
+          <a:prstGeom prst="triangle">
+            <a:avLst/>
+          </a:prstGeom>
+          <a:solidFill>
+            <a:schemeClr val="bg1"/>
+          </a:solidFill>
+          <a:ln w="28575">
+            <a:solidFill>
+              <a:schemeClr val="tx1"/>
+            </a:solidFill>
+          </a:ln>
+        </p:spPr>
+        <p:style>
+          <a:lnRef idx="2">
+            <a:schemeClr val="accent1">
+              <a:shade val="15000"/>
+            </a:schemeClr>
+          </a:lnRef>
+          <a:fillRef idx="1">
+            <a:schemeClr val="accent1"/>
+          </a:fillRef>
+          <a:effectRef idx="0">
+            <a:schemeClr val="accent1"/>
+          </a:effectRef>
+          <a:fontRef idx="minor">
+            <a:schemeClr val="lt1"/>
+          </a:fontRef>
+        </p:style>
+        <p:txBody>
+          <a:bodyPr rtlCol="0" anchor="ctr"/>
+          <a:lstStyle/>
+          <a:p>
+            <a:pPr algn="ctr"/>
+            <a:endParaRPr lang="en-US">
+              <a:solidFill>
+                <a:schemeClr val="tx1"/>
+              </a:solidFill>
+            </a:endParaRPr>
+          </a:p>
+        </p:txBody>
+      </p:sp>
+      <p:sp>
+        <p:nvSpPr>
+          <p:cNvPr id="90" name="TextBox 89">
+            <a:extLst>
+              <a:ext uri="{FF2B5EF4-FFF2-40B4-BE49-F238E27FC236}">
+                <a16:creationId xmlns:a16="http://schemas.microsoft.com/office/drawing/2014/main" id="{F28833E4-F0C4-A104-0EB3-C09E473EA835}"/>
+              </a:ext>
+            </a:extLst>
+          </p:cNvPr>
+          <p:cNvSpPr txBox="1"/>
+          <p:nvPr/>
+        </p:nvSpPr>
+        <p:spPr>
+          <a:xfrm flipH="1">
+            <a:off x="3046343" y="3892950"/>
+            <a:ext cx="298579" cy="369332"/>
+          </a:xfrm>
+          <a:prstGeom prst="rect">
+            <a:avLst/>
+          </a:prstGeom>
+          <a:noFill/>
+          <a:ln>
+            <a:noFill/>
+          </a:ln>
+        </p:spPr>
+        <p:txBody>
+          <a:bodyPr wrap="square" rtlCol="0">
+            <a:spAutoFit/>
+          </a:bodyPr>
+          <a:lstStyle/>
+          <a:p>
+            <a:r>
+              <a:rPr lang="en-US" dirty="0"/>
+              <a:t>+</a:t>
+            </a:r>
+          </a:p>
+        </p:txBody>
+      </p:sp>
+      <p:sp>
+        <p:nvSpPr>
+          <p:cNvPr id="92" name="Rectangle 91">
+            <a:extLst>
+              <a:ext uri="{FF2B5EF4-FFF2-40B4-BE49-F238E27FC236}">
+                <a16:creationId xmlns:a16="http://schemas.microsoft.com/office/drawing/2014/main" id="{B6E125B3-3D2F-95BF-B3D4-DA8322323179}"/>
+              </a:ext>
+            </a:extLst>
+          </p:cNvPr>
+          <p:cNvSpPr/>
+          <p:nvPr/>
+        </p:nvSpPr>
+        <p:spPr>
+          <a:xfrm flipH="1">
+            <a:off x="2928843" y="4599704"/>
+            <a:ext cx="541170" cy="457199"/>
+          </a:xfrm>
+          <a:prstGeom prst="rect">
+            <a:avLst/>
+          </a:prstGeom>
+          <a:solidFill>
+            <a:schemeClr val="bg1"/>
+          </a:solidFill>
+          <a:ln w="28575">
+            <a:solidFill>
+              <a:schemeClr val="tx1"/>
+            </a:solidFill>
+          </a:ln>
+        </p:spPr>
+        <p:style>
+          <a:lnRef idx="2">
+            <a:schemeClr val="accent1">
+              <a:shade val="15000"/>
+            </a:schemeClr>
+          </a:lnRef>
+          <a:fillRef idx="1">
+            <a:schemeClr val="accent1"/>
+          </a:fillRef>
+          <a:effectRef idx="0">
+            <a:schemeClr val="accent1"/>
+          </a:effectRef>
+          <a:fontRef idx="minor">
+            <a:schemeClr val="lt1"/>
+          </a:fontRef>
+        </p:style>
+        <p:txBody>
+          <a:bodyPr rtlCol="0" anchor="ctr"/>
+          <a:lstStyle/>
+          <a:p>
+            <a:pPr algn="ctr"/>
+            <a:endParaRPr lang="en-US">
+              <a:solidFill>
+                <a:schemeClr val="tx1"/>
+              </a:solidFill>
+            </a:endParaRPr>
+          </a:p>
+        </p:txBody>
+      </p:sp>
+      <p:cxnSp>
+        <p:nvCxnSpPr>
+          <p:cNvPr id="94" name="Straight Connector 93">
+            <a:extLst>
+              <a:ext uri="{FF2B5EF4-FFF2-40B4-BE49-F238E27FC236}">
+                <a16:creationId xmlns:a16="http://schemas.microsoft.com/office/drawing/2014/main" id="{69819F6D-349E-B5A8-22ED-77A53FDE2A5E}"/>
+              </a:ext>
+            </a:extLst>
+          </p:cNvPr>
+          <p:cNvCxnSpPr>
+            <a:cxnSpLocks/>
+          </p:cNvCxnSpPr>
+          <p:nvPr/>
+        </p:nvCxnSpPr>
+        <p:spPr>
+          <a:xfrm flipH="1">
+            <a:off x="3199428" y="5056903"/>
+            <a:ext cx="0" cy="509147"/>
+          </a:xfrm>
+          <a:prstGeom prst="line">
+            <a:avLst/>
+          </a:prstGeom>
+          <a:ln w="28575">
+            <a:solidFill>
+              <a:schemeClr val="tx1"/>
+            </a:solidFill>
+          </a:ln>
+        </p:spPr>
+        <p:style>
+          <a:lnRef idx="1">
+            <a:schemeClr val="dk1"/>
+          </a:lnRef>
+          <a:fillRef idx="0">
+            <a:schemeClr val="dk1"/>
+          </a:fillRef>
+          <a:effectRef idx="0">
+            <a:schemeClr val="dk1"/>
+          </a:effectRef>
+          <a:fontRef idx="minor">
+            <a:schemeClr val="tx1"/>
+          </a:fontRef>
+        </p:style>
+      </p:cxnSp>
+      <p:cxnSp>
+        <p:nvCxnSpPr>
+          <p:cNvPr id="100" name="Straight Connector 99">
+            <a:extLst>
+              <a:ext uri="{FF2B5EF4-FFF2-40B4-BE49-F238E27FC236}">
+                <a16:creationId xmlns:a16="http://schemas.microsoft.com/office/drawing/2014/main" id="{D892FA77-1985-A201-2A1F-D367D370C7CD}"/>
+              </a:ext>
+            </a:extLst>
+          </p:cNvPr>
+          <p:cNvCxnSpPr>
+            <a:cxnSpLocks/>
+            <a:stCxn id="84" idx="3"/>
+          </p:cNvCxnSpPr>
+          <p:nvPr/>
+        </p:nvCxnSpPr>
+        <p:spPr>
+          <a:xfrm flipH="1">
+            <a:off x="1785459" y="5548562"/>
+            <a:ext cx="509100" cy="0"/>
+          </a:xfrm>
+          <a:prstGeom prst="line">
+            <a:avLst/>
+          </a:prstGeom>
+          <a:ln w="28575">
+            <a:solidFill>
+              <a:schemeClr val="tx1"/>
+            </a:solidFill>
+          </a:ln>
+        </p:spPr>
+        <p:style>
+          <a:lnRef idx="1">
+            <a:schemeClr val="dk1"/>
+          </a:lnRef>
+          <a:fillRef idx="0">
+            <a:schemeClr val="dk1"/>
+          </a:fillRef>
+          <a:effectRef idx="0">
+            <a:schemeClr val="dk1"/>
+          </a:effectRef>
+          <a:fontRef idx="minor">
+            <a:schemeClr val="tx1"/>
+          </a:fontRef>
+        </p:style>
+      </p:cxnSp>
+      <p:cxnSp>
+        <p:nvCxnSpPr>
+          <p:cNvPr id="103" name="Straight Connector 102">
+            <a:extLst>
+              <a:ext uri="{FF2B5EF4-FFF2-40B4-BE49-F238E27FC236}">
+                <a16:creationId xmlns:a16="http://schemas.microsoft.com/office/drawing/2014/main" id="{8BFCA101-A165-3AA9-E765-3F82333939BF}"/>
+              </a:ext>
+            </a:extLst>
+          </p:cNvPr>
+          <p:cNvCxnSpPr>
+            <a:cxnSpLocks/>
+          </p:cNvCxnSpPr>
+          <p:nvPr/>
+        </p:nvCxnSpPr>
+        <p:spPr>
+          <a:xfrm flipH="1">
+            <a:off x="1811894" y="1247092"/>
+            <a:ext cx="9330" cy="2181908"/>
+          </a:xfrm>
+          <a:prstGeom prst="line">
+            <a:avLst/>
+          </a:prstGeom>
+          <a:ln w="28575">
+            <a:solidFill>
+              <a:schemeClr val="tx1"/>
+            </a:solidFill>
+          </a:ln>
+        </p:spPr>
+        <p:style>
+          <a:lnRef idx="1">
+            <a:schemeClr val="dk1"/>
+          </a:lnRef>
+          <a:fillRef idx="0">
+            <a:schemeClr val="dk1"/>
+          </a:fillRef>
+          <a:effectRef idx="0">
+            <a:schemeClr val="dk1"/>
+          </a:effectRef>
+          <a:fontRef idx="minor">
+            <a:schemeClr val="tx1"/>
+          </a:fontRef>
+        </p:style>
+      </p:cxnSp>
+      <p:cxnSp>
+        <p:nvCxnSpPr>
+          <p:cNvPr id="105" name="Straight Connector 104">
+            <a:extLst>
+              <a:ext uri="{FF2B5EF4-FFF2-40B4-BE49-F238E27FC236}">
+                <a16:creationId xmlns:a16="http://schemas.microsoft.com/office/drawing/2014/main" id="{C2A7E452-F724-EF5B-9853-90EBB0BD7F92}"/>
+              </a:ext>
+            </a:extLst>
+          </p:cNvPr>
+          <p:cNvCxnSpPr>
+            <a:cxnSpLocks/>
+            <a:stCxn id="79" idx="4"/>
+          </p:cNvCxnSpPr>
+          <p:nvPr/>
+        </p:nvCxnSpPr>
+        <p:spPr>
+          <a:xfrm flipH="1">
+            <a:off x="3186402" y="1475838"/>
+            <a:ext cx="182" cy="236669"/>
+          </a:xfrm>
+          <a:prstGeom prst="line">
+            <a:avLst/>
+          </a:prstGeom>
+          <a:ln w="28575">
+            <a:solidFill>
+              <a:schemeClr val="tx1"/>
+            </a:solidFill>
+          </a:ln>
+        </p:spPr>
+        <p:style>
+          <a:lnRef idx="1">
+            <a:schemeClr val="dk1"/>
+          </a:lnRef>
+          <a:fillRef idx="0">
+            <a:schemeClr val="dk1"/>
+          </a:fillRef>
+          <a:effectRef idx="0">
+            <a:schemeClr val="dk1"/>
+          </a:effectRef>
+          <a:fontRef idx="minor">
+            <a:schemeClr val="tx1"/>
+          </a:fontRef>
+        </p:style>
+      </p:cxnSp>
+      <p:cxnSp>
+        <p:nvCxnSpPr>
+          <p:cNvPr id="111" name="Straight Connector 110">
+            <a:extLst>
+              <a:ext uri="{FF2B5EF4-FFF2-40B4-BE49-F238E27FC236}">
+                <a16:creationId xmlns:a16="http://schemas.microsoft.com/office/drawing/2014/main" id="{C3B83A0A-9208-44D5-E279-4E18E53945F1}"/>
+              </a:ext>
+            </a:extLst>
+          </p:cNvPr>
+          <p:cNvCxnSpPr>
+            <a:cxnSpLocks/>
+            <a:stCxn id="89" idx="4"/>
+          </p:cNvCxnSpPr>
+          <p:nvPr/>
+        </p:nvCxnSpPr>
+        <p:spPr>
+          <a:xfrm>
+            <a:off x="3195633" y="4310196"/>
+            <a:ext cx="3796" cy="293439"/>
+          </a:xfrm>
+          <a:prstGeom prst="line">
+            <a:avLst/>
+          </a:prstGeom>
+          <a:ln w="28575">
+            <a:solidFill>
+              <a:schemeClr val="tx1"/>
+            </a:solidFill>
+          </a:ln>
+        </p:spPr>
+        <p:style>
+          <a:lnRef idx="1">
+            <a:schemeClr val="dk1"/>
+          </a:lnRef>
+          <a:fillRef idx="0">
+            <a:schemeClr val="dk1"/>
+          </a:fillRef>
+          <a:effectRef idx="0">
+            <a:schemeClr val="dk1"/>
+          </a:effectRef>
+          <a:fontRef idx="minor">
+            <a:schemeClr val="tx1"/>
+          </a:fontRef>
+        </p:style>
+      </p:cxnSp>
+      <p:sp>
+        <p:nvSpPr>
+          <p:cNvPr id="10" name="Isosceles Triangle 9">
+            <a:extLst>
+              <a:ext uri="{FF2B5EF4-FFF2-40B4-BE49-F238E27FC236}">
+                <a16:creationId xmlns:a16="http://schemas.microsoft.com/office/drawing/2014/main" id="{D0C73B71-B8DE-84D7-B3C2-FDF8F6F0E547}"/>
+              </a:ext>
+            </a:extLst>
+          </p:cNvPr>
+          <p:cNvSpPr/>
+          <p:nvPr/>
+        </p:nvSpPr>
+        <p:spPr>
+          <a:xfrm rot="5400000" flipH="1">
+            <a:off x="2212708" y="970482"/>
+            <a:ext cx="383906" cy="553221"/>
+          </a:xfrm>
+          <a:prstGeom prst="triangle">
+            <a:avLst/>
+          </a:prstGeom>
+          <a:solidFill>
+            <a:schemeClr val="bg1"/>
+          </a:solidFill>
+          <a:ln w="28575">
+            <a:solidFill>
+              <a:schemeClr val="tx1"/>
+            </a:solidFill>
+          </a:ln>
+        </p:spPr>
+        <p:style>
+          <a:lnRef idx="2">
+            <a:schemeClr val="accent1">
+              <a:shade val="15000"/>
+            </a:schemeClr>
+          </a:lnRef>
+          <a:fillRef idx="1">
+            <a:schemeClr val="accent1"/>
+          </a:fillRef>
+          <a:effectRef idx="0">
+            <a:schemeClr val="accent1"/>
+          </a:effectRef>
+          <a:fontRef idx="minor">
+            <a:schemeClr val="lt1"/>
+          </a:fontRef>
+        </p:style>
+        <p:txBody>
+          <a:bodyPr rtlCol="0" anchor="ctr"/>
+          <a:lstStyle/>
+          <a:p>
+            <a:pPr algn="ctr"/>
+            <a:endParaRPr lang="en-US">
+              <a:solidFill>
+                <a:schemeClr val="tx1"/>
+              </a:solidFill>
+            </a:endParaRPr>
+          </a:p>
+        </p:txBody>
+      </p:sp>
+      <p:cxnSp>
+        <p:nvCxnSpPr>
+          <p:cNvPr id="13" name="Straight Connector 12">
+            <a:extLst>
+              <a:ext uri="{FF2B5EF4-FFF2-40B4-BE49-F238E27FC236}">
+                <a16:creationId xmlns:a16="http://schemas.microsoft.com/office/drawing/2014/main" id="{AEDF9224-9FA9-DF19-1ADB-F064060B0F64}"/>
+              </a:ext>
+            </a:extLst>
+          </p:cNvPr>
+          <p:cNvCxnSpPr>
+            <a:cxnSpLocks/>
+            <a:endCxn id="89" idx="0"/>
+          </p:cNvCxnSpPr>
+          <p:nvPr/>
+        </p:nvCxnSpPr>
+        <p:spPr>
+          <a:xfrm>
+            <a:off x="3193106" y="3676641"/>
+            <a:ext cx="2527" cy="176367"/>
+          </a:xfrm>
+          <a:prstGeom prst="line">
+            <a:avLst/>
+          </a:prstGeom>
+          <a:ln w="28575">
+            <a:solidFill>
+              <a:schemeClr val="tx1"/>
+            </a:solidFill>
+            <a:prstDash val="sysDash"/>
+          </a:ln>
+        </p:spPr>
+        <p:style>
+          <a:lnRef idx="1">
+            <a:schemeClr val="dk1"/>
+          </a:lnRef>
+          <a:fillRef idx="0">
+            <a:schemeClr val="dk1"/>
+          </a:fillRef>
+          <a:effectRef idx="0">
+            <a:schemeClr val="dk1"/>
+          </a:effectRef>
+          <a:fontRef idx="minor">
+            <a:schemeClr val="tx1"/>
+          </a:fontRef>
+        </p:style>
+      </p:cxnSp>
+      <p:cxnSp>
+        <p:nvCxnSpPr>
+          <p:cNvPr id="2" name="Straight Connector 1">
+            <a:extLst>
+              <a:ext uri="{FF2B5EF4-FFF2-40B4-BE49-F238E27FC236}">
+                <a16:creationId xmlns:a16="http://schemas.microsoft.com/office/drawing/2014/main" id="{FCAD2B89-9640-65DC-66AA-40DBEB6D978D}"/>
+              </a:ext>
+            </a:extLst>
+          </p:cNvPr>
+          <p:cNvCxnSpPr>
+            <a:cxnSpLocks/>
+          </p:cNvCxnSpPr>
+          <p:nvPr/>
+        </p:nvCxnSpPr>
+        <p:spPr>
+          <a:xfrm flipH="1">
+            <a:off x="2828012" y="5552002"/>
+            <a:ext cx="365094" cy="0"/>
+          </a:xfrm>
+          <a:prstGeom prst="line">
+            <a:avLst/>
+          </a:prstGeom>
+          <a:ln w="28575">
+            <a:solidFill>
+              <a:schemeClr val="tx1"/>
+            </a:solidFill>
+          </a:ln>
+        </p:spPr>
+        <p:style>
+          <a:lnRef idx="1">
+            <a:schemeClr val="dk1"/>
+          </a:lnRef>
+          <a:fillRef idx="0">
+            <a:schemeClr val="dk1"/>
+          </a:fillRef>
+          <a:effectRef idx="0">
+            <a:schemeClr val="dk1"/>
+          </a:effectRef>
+          <a:fontRef idx="minor">
+            <a:schemeClr val="tx1"/>
+          </a:fontRef>
+        </p:style>
+      </p:cxnSp>
+      <p:cxnSp>
+        <p:nvCxnSpPr>
+          <p:cNvPr id="9" name="Straight Connector 8">
+            <a:extLst>
+              <a:ext uri="{FF2B5EF4-FFF2-40B4-BE49-F238E27FC236}">
+                <a16:creationId xmlns:a16="http://schemas.microsoft.com/office/drawing/2014/main" id="{4BA29A2A-8AC7-6C13-5B20-AC80D0D27D13}"/>
+              </a:ext>
+            </a:extLst>
+          </p:cNvPr>
+          <p:cNvCxnSpPr>
+            <a:cxnSpLocks/>
+            <a:endCxn id="88" idx="3"/>
+          </p:cNvCxnSpPr>
+          <p:nvPr/>
+        </p:nvCxnSpPr>
+        <p:spPr>
+          <a:xfrm>
+            <a:off x="1820863" y="4090311"/>
+            <a:ext cx="369836" cy="0"/>
+          </a:xfrm>
+          <a:prstGeom prst="line">
+            <a:avLst/>
+          </a:prstGeom>
+          <a:ln w="28575">
+            <a:solidFill>
+              <a:schemeClr val="tx1"/>
+            </a:solidFill>
+          </a:ln>
+        </p:spPr>
+        <p:style>
+          <a:lnRef idx="1">
+            <a:schemeClr val="dk1"/>
+          </a:lnRef>
+          <a:fillRef idx="0">
+            <a:schemeClr val="dk1"/>
+          </a:fillRef>
+          <a:effectRef idx="0">
+            <a:schemeClr val="dk1"/>
+          </a:effectRef>
+          <a:fontRef idx="minor">
+            <a:schemeClr val="tx1"/>
+          </a:fontRef>
+        </p:style>
+      </p:cxnSp>
+      <p:cxnSp>
+        <p:nvCxnSpPr>
+          <p:cNvPr id="17" name="Straight Connector 16">
+            <a:extLst>
+              <a:ext uri="{FF2B5EF4-FFF2-40B4-BE49-F238E27FC236}">
+                <a16:creationId xmlns:a16="http://schemas.microsoft.com/office/drawing/2014/main" id="{B88D0C69-B79B-3377-1E89-3C5EE0902247}"/>
+              </a:ext>
+            </a:extLst>
+          </p:cNvPr>
+          <p:cNvCxnSpPr>
+            <a:cxnSpLocks/>
+          </p:cNvCxnSpPr>
+          <p:nvPr/>
+        </p:nvCxnSpPr>
+        <p:spPr>
+          <a:xfrm>
+            <a:off x="1805470" y="2705343"/>
+            <a:ext cx="369836" cy="0"/>
+          </a:xfrm>
+          <a:prstGeom prst="line">
+            <a:avLst/>
+          </a:prstGeom>
+          <a:ln w="28575">
+            <a:solidFill>
+              <a:schemeClr val="tx1"/>
+            </a:solidFill>
+          </a:ln>
+        </p:spPr>
+        <p:style>
+          <a:lnRef idx="1">
+            <a:schemeClr val="dk1"/>
+          </a:lnRef>
+          <a:fillRef idx="0">
+            <a:schemeClr val="dk1"/>
+          </a:fillRef>
+          <a:effectRef idx="0">
+            <a:schemeClr val="dk1"/>
+          </a:effectRef>
+          <a:fontRef idx="minor">
+            <a:schemeClr val="tx1"/>
+          </a:fontRef>
+        </p:style>
+      </p:cxnSp>
+      <p:cxnSp>
+        <p:nvCxnSpPr>
+          <p:cNvPr id="19" name="Straight Connector 18">
+            <a:extLst>
+              <a:ext uri="{FF2B5EF4-FFF2-40B4-BE49-F238E27FC236}">
+                <a16:creationId xmlns:a16="http://schemas.microsoft.com/office/drawing/2014/main" id="{50EC06BF-FD1B-09D3-D5EB-529FA988046B}"/>
+              </a:ext>
+            </a:extLst>
+          </p:cNvPr>
+          <p:cNvCxnSpPr>
+            <a:cxnSpLocks/>
+            <a:stCxn id="81" idx="0"/>
+            <a:endCxn id="82" idx="6"/>
+          </p:cNvCxnSpPr>
+          <p:nvPr/>
+        </p:nvCxnSpPr>
+        <p:spPr>
+          <a:xfrm flipV="1">
+            <a:off x="2743198" y="2696634"/>
+            <a:ext cx="206730" cy="8710"/>
+          </a:xfrm>
+          <a:prstGeom prst="line">
+            <a:avLst/>
+          </a:prstGeom>
+          <a:ln w="28575">
+            <a:solidFill>
+              <a:schemeClr val="tx1"/>
+            </a:solidFill>
+          </a:ln>
+        </p:spPr>
+        <p:style>
+          <a:lnRef idx="1">
+            <a:schemeClr val="dk1"/>
+          </a:lnRef>
+          <a:fillRef idx="0">
+            <a:schemeClr val="dk1"/>
+          </a:fillRef>
+          <a:effectRef idx="0">
+            <a:schemeClr val="dk1"/>
+          </a:effectRef>
+          <a:fontRef idx="minor">
+            <a:schemeClr val="tx1"/>
+          </a:fontRef>
+        </p:style>
+      </p:cxnSp>
+      <p:cxnSp>
+        <p:nvCxnSpPr>
+          <p:cNvPr id="26" name="Straight Connector 25">
+            <a:extLst>
+              <a:ext uri="{FF2B5EF4-FFF2-40B4-BE49-F238E27FC236}">
+                <a16:creationId xmlns:a16="http://schemas.microsoft.com/office/drawing/2014/main" id="{2FEE0F0C-AADE-9BED-5512-D607E8E06F1F}"/>
+              </a:ext>
+            </a:extLst>
+          </p:cNvPr>
+          <p:cNvCxnSpPr>
+            <a:cxnSpLocks/>
+          </p:cNvCxnSpPr>
+          <p:nvPr/>
+        </p:nvCxnSpPr>
+        <p:spPr>
+          <a:xfrm flipV="1">
+            <a:off x="2743198" y="4077796"/>
+            <a:ext cx="206730" cy="8710"/>
+          </a:xfrm>
+          <a:prstGeom prst="line">
+            <a:avLst/>
+          </a:prstGeom>
+          <a:ln w="28575">
+            <a:solidFill>
+              <a:schemeClr val="tx1"/>
+            </a:solidFill>
+          </a:ln>
+        </p:spPr>
+        <p:style>
+          <a:lnRef idx="1">
+            <a:schemeClr val="dk1"/>
+          </a:lnRef>
+          <a:fillRef idx="0">
+            <a:schemeClr val="dk1"/>
+          </a:fillRef>
+          <a:effectRef idx="0">
+            <a:schemeClr val="dk1"/>
+          </a:effectRef>
+          <a:fontRef idx="minor">
+            <a:schemeClr val="tx1"/>
+          </a:fontRef>
+        </p:style>
+      </p:cxnSp>
+      <p:cxnSp>
+        <p:nvCxnSpPr>
+          <p:cNvPr id="31" name="Straight Connector 30">
+            <a:extLst>
+              <a:ext uri="{FF2B5EF4-FFF2-40B4-BE49-F238E27FC236}">
+                <a16:creationId xmlns:a16="http://schemas.microsoft.com/office/drawing/2014/main" id="{781E09DC-E10F-7A7E-0D5E-28956FA98371}"/>
+              </a:ext>
+            </a:extLst>
+          </p:cNvPr>
+          <p:cNvCxnSpPr>
+            <a:cxnSpLocks/>
+          </p:cNvCxnSpPr>
+          <p:nvPr/>
+        </p:nvCxnSpPr>
+        <p:spPr>
+          <a:xfrm flipH="1">
+            <a:off x="1791781" y="4086506"/>
+            <a:ext cx="21566" cy="1479544"/>
+          </a:xfrm>
+          <a:prstGeom prst="line">
+            <a:avLst/>
+          </a:prstGeom>
+          <a:ln w="28575">
+            <a:solidFill>
+              <a:schemeClr val="tx1"/>
+            </a:solidFill>
+          </a:ln>
+        </p:spPr>
+        <p:style>
+          <a:lnRef idx="1">
+            <a:schemeClr val="dk1"/>
+          </a:lnRef>
+          <a:fillRef idx="0">
+            <a:schemeClr val="dk1"/>
+          </a:fillRef>
+          <a:effectRef idx="0">
+            <a:schemeClr val="dk1"/>
+          </a:effectRef>
+          <a:fontRef idx="minor">
+            <a:schemeClr val="tx1"/>
+          </a:fontRef>
+        </p:style>
+      </p:cxnSp>
+      <p:cxnSp>
+        <p:nvCxnSpPr>
+          <p:cNvPr id="38" name="Straight Connector 37">
+            <a:extLst>
+              <a:ext uri="{FF2B5EF4-FFF2-40B4-BE49-F238E27FC236}">
+                <a16:creationId xmlns:a16="http://schemas.microsoft.com/office/drawing/2014/main" id="{F133D0F3-28A8-71D7-06A4-926A8F1DC39F}"/>
+              </a:ext>
+            </a:extLst>
+          </p:cNvPr>
+          <p:cNvCxnSpPr>
+            <a:cxnSpLocks/>
+          </p:cNvCxnSpPr>
+          <p:nvPr/>
+        </p:nvCxnSpPr>
+        <p:spPr>
+          <a:xfrm>
+            <a:off x="1811894" y="3395297"/>
+            <a:ext cx="0" cy="691209"/>
+          </a:xfrm>
+          <a:prstGeom prst="line">
+            <a:avLst/>
+          </a:prstGeom>
+          <a:ln w="28575">
+            <a:solidFill>
+              <a:schemeClr val="tx1"/>
+            </a:solidFill>
+            <a:prstDash val="sysDash"/>
+          </a:ln>
+        </p:spPr>
+        <p:style>
+          <a:lnRef idx="1">
+            <a:schemeClr val="dk1"/>
+          </a:lnRef>
+          <a:fillRef idx="0">
+            <a:schemeClr val="dk1"/>
+          </a:fillRef>
+          <a:effectRef idx="0">
+            <a:schemeClr val="dk1"/>
+          </a:effectRef>
+          <a:fontRef idx="minor">
+            <a:schemeClr val="tx1"/>
+          </a:fontRef>
+        </p:style>
+      </p:cxnSp>
+      <p:cxnSp>
+        <p:nvCxnSpPr>
+          <p:cNvPr id="48" name="Straight Connector 47">
+            <a:extLst>
+              <a:ext uri="{FF2B5EF4-FFF2-40B4-BE49-F238E27FC236}">
+                <a16:creationId xmlns:a16="http://schemas.microsoft.com/office/drawing/2014/main" id="{25317EE3-22A4-4F23-CF19-D535B31B1EFD}"/>
+              </a:ext>
+            </a:extLst>
+          </p:cNvPr>
+          <p:cNvCxnSpPr>
+            <a:cxnSpLocks/>
+            <a:endCxn id="82" idx="0"/>
+          </p:cNvCxnSpPr>
+          <p:nvPr/>
+        </p:nvCxnSpPr>
+        <p:spPr>
+          <a:xfrm>
+            <a:off x="3187726" y="2177323"/>
+            <a:ext cx="7907" cy="290717"/>
+          </a:xfrm>
+          <a:prstGeom prst="line">
+            <a:avLst/>
+          </a:prstGeom>
+          <a:ln w="28575">
+            <a:solidFill>
+              <a:schemeClr val="tx1"/>
+            </a:solidFill>
+          </a:ln>
+        </p:spPr>
+        <p:style>
+          <a:lnRef idx="1">
+            <a:schemeClr val="dk1"/>
+          </a:lnRef>
+          <a:fillRef idx="0">
+            <a:schemeClr val="dk1"/>
+          </a:fillRef>
+          <a:effectRef idx="0">
+            <a:schemeClr val="dk1"/>
+          </a:effectRef>
+          <a:fontRef idx="minor">
+            <a:schemeClr val="tx1"/>
+          </a:fontRef>
+        </p:style>
+      </p:cxnSp>
+      <p:cxnSp>
+        <p:nvCxnSpPr>
+          <p:cNvPr id="50" name="Straight Connector 49">
+            <a:extLst>
+              <a:ext uri="{FF2B5EF4-FFF2-40B4-BE49-F238E27FC236}">
+                <a16:creationId xmlns:a16="http://schemas.microsoft.com/office/drawing/2014/main" id="{83BB0575-6AE0-204D-778C-6E1E48CAD208}"/>
+              </a:ext>
+            </a:extLst>
+          </p:cNvPr>
+          <p:cNvCxnSpPr>
+            <a:cxnSpLocks/>
+            <a:endCxn id="86" idx="0"/>
+          </p:cNvCxnSpPr>
+          <p:nvPr/>
+        </p:nvCxnSpPr>
+        <p:spPr>
+          <a:xfrm>
+            <a:off x="3194504" y="2931463"/>
+            <a:ext cx="4924" cy="283273"/>
+          </a:xfrm>
+          <a:prstGeom prst="line">
+            <a:avLst/>
+          </a:prstGeom>
+          <a:ln w="28575">
+            <a:solidFill>
+              <a:schemeClr val="tx1"/>
+            </a:solidFill>
+          </a:ln>
+        </p:spPr>
+        <p:style>
+          <a:lnRef idx="1">
+            <a:schemeClr val="dk1"/>
+          </a:lnRef>
+          <a:fillRef idx="0">
+            <a:schemeClr val="dk1"/>
+          </a:fillRef>
+          <a:effectRef idx="0">
+            <a:schemeClr val="dk1"/>
+          </a:effectRef>
+          <a:fontRef idx="minor">
+            <a:schemeClr val="tx1"/>
+          </a:fontRef>
+        </p:style>
+      </p:cxnSp>
+      <p:sp>
+        <p:nvSpPr>
+          <p:cNvPr id="57" name="Oval 56">
+            <a:extLst>
+              <a:ext uri="{FF2B5EF4-FFF2-40B4-BE49-F238E27FC236}">
+                <a16:creationId xmlns:a16="http://schemas.microsoft.com/office/drawing/2014/main" id="{E04DC5A6-0B5D-6023-F3EF-EF69EA3FC7E1}"/>
+              </a:ext>
+            </a:extLst>
+          </p:cNvPr>
+          <p:cNvSpPr/>
+          <p:nvPr/>
+        </p:nvSpPr>
+        <p:spPr>
+          <a:xfrm>
+            <a:off x="4440120" y="2468040"/>
+            <a:ext cx="491411" cy="457188"/>
+          </a:xfrm>
+          <a:prstGeom prst="ellipse">
+            <a:avLst/>
+          </a:prstGeom>
+          <a:solidFill>
+            <a:schemeClr val="bg1"/>
+          </a:solidFill>
+          <a:ln w="28575">
+            <a:solidFill>
+              <a:schemeClr val="tx1"/>
+            </a:solidFill>
+          </a:ln>
+        </p:spPr>
+        <p:style>
+          <a:lnRef idx="2">
+            <a:schemeClr val="accent1">
+              <a:shade val="15000"/>
+            </a:schemeClr>
+          </a:lnRef>
+          <a:fillRef idx="1">
+            <a:schemeClr val="accent1"/>
+          </a:fillRef>
+          <a:effectRef idx="0">
+            <a:schemeClr val="accent1"/>
+          </a:effectRef>
+          <a:fontRef idx="minor">
+            <a:schemeClr val="lt1"/>
+          </a:fontRef>
+        </p:style>
+        <p:txBody>
+          <a:bodyPr rtlCol="0" anchor="ctr"/>
+          <a:lstStyle/>
+          <a:p>
+            <a:pPr algn="ctr"/>
+            <a:endParaRPr lang="en-US" dirty="0">
+              <a:solidFill>
+                <a:schemeClr val="tx1"/>
+              </a:solidFill>
+            </a:endParaRPr>
+          </a:p>
+        </p:txBody>
+      </p:sp>
+      <p:sp>
+        <p:nvSpPr>
+          <p:cNvPr id="61" name="Oval 60">
+            <a:extLst>
+              <a:ext uri="{FF2B5EF4-FFF2-40B4-BE49-F238E27FC236}">
+                <a16:creationId xmlns:a16="http://schemas.microsoft.com/office/drawing/2014/main" id="{4B83842F-9CB8-3E8A-F563-D7899ADB884B}"/>
+              </a:ext>
+            </a:extLst>
+          </p:cNvPr>
+          <p:cNvSpPr/>
+          <p:nvPr/>
+        </p:nvSpPr>
+        <p:spPr>
+          <a:xfrm>
+            <a:off x="4440120" y="3853008"/>
+            <a:ext cx="491411" cy="457188"/>
+          </a:xfrm>
+          <a:prstGeom prst="ellipse">
+            <a:avLst/>
+          </a:prstGeom>
+          <a:solidFill>
+            <a:schemeClr val="bg1"/>
+          </a:solidFill>
+          <a:ln w="28575">
+            <a:solidFill>
+              <a:schemeClr val="tx1"/>
+            </a:solidFill>
+          </a:ln>
+        </p:spPr>
+        <p:style>
+          <a:lnRef idx="2">
+            <a:schemeClr val="accent1">
+              <a:shade val="15000"/>
+            </a:schemeClr>
+          </a:lnRef>
+          <a:fillRef idx="1">
+            <a:schemeClr val="accent1"/>
+          </a:fillRef>
+          <a:effectRef idx="0">
+            <a:schemeClr val="accent1"/>
+          </a:effectRef>
+          <a:fontRef idx="minor">
+            <a:schemeClr val="lt1"/>
+          </a:fontRef>
+        </p:style>
+        <p:txBody>
+          <a:bodyPr rtlCol="0" anchor="ctr"/>
+          <a:lstStyle/>
+          <a:p>
+            <a:pPr algn="ctr"/>
+            <a:endParaRPr lang="en-US" dirty="0">
+              <a:solidFill>
+                <a:schemeClr val="tx1"/>
+              </a:solidFill>
+            </a:endParaRPr>
+          </a:p>
+        </p:txBody>
+      </p:sp>
+      <p:sp>
+        <p:nvSpPr>
+          <p:cNvPr id="65" name="Rectangle 64">
+            <a:extLst>
+              <a:ext uri="{FF2B5EF4-FFF2-40B4-BE49-F238E27FC236}">
+                <a16:creationId xmlns:a16="http://schemas.microsoft.com/office/drawing/2014/main" id="{F825FBCE-9406-3712-CF51-76E179F16FA4}"/>
+              </a:ext>
+            </a:extLst>
+          </p:cNvPr>
+          <p:cNvSpPr/>
+          <p:nvPr/>
+        </p:nvSpPr>
+        <p:spPr>
+          <a:xfrm>
+            <a:off x="4411446" y="1721837"/>
+            <a:ext cx="541170" cy="457199"/>
+          </a:xfrm>
+          <a:prstGeom prst="rect">
+            <a:avLst/>
+          </a:prstGeom>
+          <a:solidFill>
+            <a:schemeClr val="bg1"/>
+          </a:solidFill>
+          <a:ln w="28575">
+            <a:solidFill>
+              <a:schemeClr val="tx1"/>
+            </a:solidFill>
+          </a:ln>
+        </p:spPr>
+        <p:style>
+          <a:lnRef idx="2">
+            <a:schemeClr val="accent1">
+              <a:shade val="15000"/>
+            </a:schemeClr>
+          </a:lnRef>
+          <a:fillRef idx="1">
+            <a:schemeClr val="accent1"/>
+          </a:fillRef>
+          <a:effectRef idx="0">
+            <a:schemeClr val="accent1"/>
+          </a:effectRef>
+          <a:fontRef idx="minor">
+            <a:schemeClr val="lt1"/>
+          </a:fontRef>
+        </p:style>
+        <p:txBody>
+          <a:bodyPr rtlCol="0" anchor="ctr"/>
+          <a:lstStyle/>
+          <a:p>
+            <a:pPr algn="ctr"/>
+            <a:endParaRPr lang="en-US">
+              <a:solidFill>
+                <a:schemeClr val="tx1"/>
+              </a:solidFill>
+            </a:endParaRPr>
+          </a:p>
+        </p:txBody>
+      </p:sp>
+      <p:sp>
+        <p:nvSpPr>
+          <p:cNvPr id="68" name="Oval 67">
+            <a:extLst>
+              <a:ext uri="{FF2B5EF4-FFF2-40B4-BE49-F238E27FC236}">
+                <a16:creationId xmlns:a16="http://schemas.microsoft.com/office/drawing/2014/main" id="{6D3C1B03-5910-C149-1EBC-BA4C2003C3B9}"/>
+              </a:ext>
+            </a:extLst>
+          </p:cNvPr>
+          <p:cNvSpPr/>
+          <p:nvPr/>
+        </p:nvSpPr>
+        <p:spPr>
+          <a:xfrm>
+            <a:off x="4449169" y="1018650"/>
+            <a:ext cx="491411" cy="457188"/>
+          </a:xfrm>
+          <a:prstGeom prst="ellipse">
+            <a:avLst/>
+          </a:prstGeom>
+          <a:solidFill>
+            <a:schemeClr val="bg1"/>
+          </a:solidFill>
+          <a:ln w="28575">
+            <a:solidFill>
+              <a:schemeClr val="tx1"/>
+            </a:solidFill>
+          </a:ln>
+        </p:spPr>
+        <p:style>
+          <a:lnRef idx="2">
+            <a:schemeClr val="accent1">
+              <a:shade val="15000"/>
+            </a:schemeClr>
+          </a:lnRef>
+          <a:fillRef idx="1">
+            <a:schemeClr val="accent1"/>
+          </a:fillRef>
+          <a:effectRef idx="0">
+            <a:schemeClr val="accent1"/>
+          </a:effectRef>
+          <a:fontRef idx="minor">
+            <a:schemeClr val="lt1"/>
+          </a:fontRef>
+        </p:style>
+        <p:txBody>
+          <a:bodyPr rtlCol="0" anchor="ctr"/>
+          <a:lstStyle/>
+          <a:p>
+            <a:pPr algn="ctr"/>
+            <a:endParaRPr lang="en-US">
+              <a:solidFill>
+                <a:schemeClr val="tx1"/>
+              </a:solidFill>
+            </a:endParaRPr>
+          </a:p>
+        </p:txBody>
+      </p:sp>
+      <p:sp>
+        <p:nvSpPr>
+          <p:cNvPr id="70" name="TextBox 69">
+            <a:extLst>
+              <a:ext uri="{FF2B5EF4-FFF2-40B4-BE49-F238E27FC236}">
+                <a16:creationId xmlns:a16="http://schemas.microsoft.com/office/drawing/2014/main" id="{F5BC4FCD-F668-5085-6DB1-DCDABA8BC0BF}"/>
+              </a:ext>
+            </a:extLst>
+          </p:cNvPr>
+          <p:cNvSpPr txBox="1"/>
+          <p:nvPr/>
+        </p:nvSpPr>
+        <p:spPr>
+          <a:xfrm>
+            <a:off x="4548694" y="1055291"/>
+            <a:ext cx="298579" cy="369332"/>
+          </a:xfrm>
+          <a:prstGeom prst="rect">
+            <a:avLst/>
+          </a:prstGeom>
+          <a:noFill/>
+          <a:ln>
+            <a:noFill/>
+          </a:ln>
+        </p:spPr>
+        <p:txBody>
+          <a:bodyPr wrap="square" rtlCol="0">
+            <a:spAutoFit/>
+          </a:bodyPr>
+          <a:lstStyle/>
+          <a:p>
+            <a:r>
+              <a:rPr lang="en-US" dirty="0"/>
+              <a:t>+</a:t>
+            </a:r>
+          </a:p>
+        </p:txBody>
+      </p:sp>
+      <p:sp>
+        <p:nvSpPr>
+          <p:cNvPr id="71" name="Isosceles Triangle 70">
+            <a:extLst>
+              <a:ext uri="{FF2B5EF4-FFF2-40B4-BE49-F238E27FC236}">
+                <a16:creationId xmlns:a16="http://schemas.microsoft.com/office/drawing/2014/main" id="{49EE6AE6-54CB-D1CB-54D8-DAE4A704FEA2}"/>
+              </a:ext>
+            </a:extLst>
+          </p:cNvPr>
+          <p:cNvSpPr/>
+          <p:nvPr/>
+        </p:nvSpPr>
+        <p:spPr>
+          <a:xfrm rot="16200000">
+            <a:off x="5222919" y="2428733"/>
+            <a:ext cx="383906" cy="553221"/>
+          </a:xfrm>
+          <a:prstGeom prst="triangle">
+            <a:avLst/>
+          </a:prstGeom>
+          <a:solidFill>
+            <a:schemeClr val="bg1"/>
+          </a:solidFill>
+          <a:ln w="28575">
+            <a:solidFill>
+              <a:schemeClr val="tx1"/>
+            </a:solidFill>
+          </a:ln>
+        </p:spPr>
+        <p:style>
+          <a:lnRef idx="2">
+            <a:schemeClr val="accent1">
+              <a:shade val="15000"/>
+            </a:schemeClr>
+          </a:lnRef>
+          <a:fillRef idx="1">
+            <a:schemeClr val="accent1"/>
+          </a:fillRef>
+          <a:effectRef idx="0">
+            <a:schemeClr val="accent1"/>
+          </a:effectRef>
+          <a:fontRef idx="minor">
+            <a:schemeClr val="lt1"/>
+          </a:fontRef>
+        </p:style>
+        <p:txBody>
+          <a:bodyPr rtlCol="0" anchor="ctr"/>
+          <a:lstStyle/>
+          <a:p>
+            <a:pPr algn="ctr"/>
+            <a:endParaRPr lang="en-US">
+              <a:solidFill>
+                <a:schemeClr val="tx1"/>
+              </a:solidFill>
+            </a:endParaRPr>
+          </a:p>
+        </p:txBody>
+      </p:sp>
+      <p:sp>
+        <p:nvSpPr>
+          <p:cNvPr id="72" name="TextBox 71">
+            <a:extLst>
+              <a:ext uri="{FF2B5EF4-FFF2-40B4-BE49-F238E27FC236}">
+                <a16:creationId xmlns:a16="http://schemas.microsoft.com/office/drawing/2014/main" id="{4F08CFBC-9FB9-550C-CE8B-83A93C1B1FDF}"/>
+              </a:ext>
+            </a:extLst>
+          </p:cNvPr>
+          <p:cNvSpPr txBox="1"/>
+          <p:nvPr/>
+        </p:nvSpPr>
+        <p:spPr>
+          <a:xfrm>
+            <a:off x="4539645" y="2504681"/>
+            <a:ext cx="298579" cy="369332"/>
+          </a:xfrm>
+          <a:prstGeom prst="rect">
+            <a:avLst/>
+          </a:prstGeom>
+          <a:noFill/>
+          <a:ln>
+            <a:noFill/>
+          </a:ln>
+        </p:spPr>
+        <p:txBody>
+          <a:bodyPr wrap="square" rtlCol="0">
+            <a:spAutoFit/>
+          </a:bodyPr>
+          <a:lstStyle/>
+          <a:p>
+            <a:r>
+              <a:rPr lang="en-US" dirty="0"/>
+              <a:t>+</a:t>
+            </a:r>
+          </a:p>
+        </p:txBody>
+      </p:sp>
+      <p:sp>
+        <p:nvSpPr>
+          <p:cNvPr id="73" name="Isosceles Triangle 72">
+            <a:extLst>
+              <a:ext uri="{FF2B5EF4-FFF2-40B4-BE49-F238E27FC236}">
+                <a16:creationId xmlns:a16="http://schemas.microsoft.com/office/drawing/2014/main" id="{FC015454-F2E0-90C5-E58E-4D5F10B8584E}"/>
+              </a:ext>
+            </a:extLst>
+          </p:cNvPr>
+          <p:cNvSpPr/>
+          <p:nvPr/>
+        </p:nvSpPr>
+        <p:spPr>
+          <a:xfrm rot="16200000">
+            <a:off x="5118337" y="5271951"/>
+            <a:ext cx="383906" cy="553221"/>
+          </a:xfrm>
+          <a:prstGeom prst="triangle">
+            <a:avLst/>
+          </a:prstGeom>
+          <a:solidFill>
+            <a:schemeClr val="bg1"/>
+          </a:solidFill>
+          <a:ln w="28575">
+            <a:solidFill>
+              <a:schemeClr val="tx1"/>
+            </a:solidFill>
+          </a:ln>
+        </p:spPr>
+        <p:style>
+          <a:lnRef idx="2">
+            <a:schemeClr val="accent1">
+              <a:shade val="15000"/>
+            </a:schemeClr>
+          </a:lnRef>
+          <a:fillRef idx="1">
+            <a:schemeClr val="accent1"/>
+          </a:fillRef>
+          <a:effectRef idx="0">
+            <a:schemeClr val="accent1"/>
+          </a:effectRef>
+          <a:fontRef idx="minor">
+            <a:schemeClr val="lt1"/>
+          </a:fontRef>
+        </p:style>
+        <p:txBody>
+          <a:bodyPr rtlCol="0" anchor="ctr"/>
+          <a:lstStyle/>
+          <a:p>
+            <a:pPr algn="ctr"/>
+            <a:endParaRPr lang="en-US">
+              <a:solidFill>
+                <a:schemeClr val="tx1"/>
+              </a:solidFill>
+            </a:endParaRPr>
+          </a:p>
+        </p:txBody>
+      </p:sp>
+      <p:sp>
+        <p:nvSpPr>
+          <p:cNvPr id="74" name="Rectangle 73">
+            <a:extLst>
+              <a:ext uri="{FF2B5EF4-FFF2-40B4-BE49-F238E27FC236}">
+                <a16:creationId xmlns:a16="http://schemas.microsoft.com/office/drawing/2014/main" id="{852D1292-B225-01AE-A709-13F10C99CB4A}"/>
+              </a:ext>
+            </a:extLst>
+          </p:cNvPr>
+          <p:cNvSpPr/>
+          <p:nvPr/>
+        </p:nvSpPr>
+        <p:spPr>
+          <a:xfrm>
+            <a:off x="4411446" y="3214736"/>
+            <a:ext cx="541170" cy="457199"/>
+          </a:xfrm>
+          <a:prstGeom prst="rect">
+            <a:avLst/>
+          </a:prstGeom>
+          <a:solidFill>
+            <a:schemeClr val="bg1"/>
+          </a:solidFill>
+          <a:ln w="28575">
+            <a:solidFill>
+              <a:schemeClr val="tx1"/>
+            </a:solidFill>
+          </a:ln>
+        </p:spPr>
+        <p:style>
+          <a:lnRef idx="2">
+            <a:schemeClr val="accent1">
+              <a:shade val="15000"/>
+            </a:schemeClr>
+          </a:lnRef>
+          <a:fillRef idx="1">
+            <a:schemeClr val="accent1"/>
+          </a:fillRef>
+          <a:effectRef idx="0">
+            <a:schemeClr val="accent1"/>
+          </a:effectRef>
+          <a:fontRef idx="minor">
+            <a:schemeClr val="lt1"/>
+          </a:fontRef>
+        </p:style>
+        <p:txBody>
+          <a:bodyPr rtlCol="0" anchor="ctr"/>
+          <a:lstStyle/>
+          <a:p>
+            <a:pPr algn="ctr"/>
+            <a:endParaRPr lang="en-US">
+              <a:solidFill>
+                <a:schemeClr val="tx1"/>
+              </a:solidFill>
+            </a:endParaRPr>
+          </a:p>
+        </p:txBody>
+      </p:sp>
+      <p:sp>
+        <p:nvSpPr>
+          <p:cNvPr id="78" name="Isosceles Triangle 77">
+            <a:extLst>
+              <a:ext uri="{FF2B5EF4-FFF2-40B4-BE49-F238E27FC236}">
+                <a16:creationId xmlns:a16="http://schemas.microsoft.com/office/drawing/2014/main" id="{3FA99171-A7C0-A365-F971-1507355A8A20}"/>
+              </a:ext>
+            </a:extLst>
+          </p:cNvPr>
+          <p:cNvSpPr/>
+          <p:nvPr/>
+        </p:nvSpPr>
+        <p:spPr>
+          <a:xfrm rot="16200000">
+            <a:off x="5222197" y="3813700"/>
+            <a:ext cx="383906" cy="553221"/>
+          </a:xfrm>
+          <a:prstGeom prst="triangle">
+            <a:avLst/>
+          </a:prstGeom>
+          <a:solidFill>
+            <a:schemeClr val="bg1"/>
+          </a:solidFill>
+          <a:ln w="28575">
+            <a:solidFill>
+              <a:schemeClr val="tx1"/>
+            </a:solidFill>
+          </a:ln>
+        </p:spPr>
+        <p:style>
+          <a:lnRef idx="2">
+            <a:schemeClr val="accent1">
+              <a:shade val="15000"/>
+            </a:schemeClr>
+          </a:lnRef>
+          <a:fillRef idx="1">
+            <a:schemeClr val="accent1"/>
+          </a:fillRef>
+          <a:effectRef idx="0">
+            <a:schemeClr val="accent1"/>
+          </a:effectRef>
+          <a:fontRef idx="minor">
+            <a:schemeClr val="lt1"/>
+          </a:fontRef>
+        </p:style>
+        <p:txBody>
+          <a:bodyPr rtlCol="0" anchor="ctr"/>
+          <a:lstStyle/>
+          <a:p>
+            <a:pPr algn="ctr"/>
+            <a:endParaRPr lang="en-US">
+              <a:solidFill>
+                <a:schemeClr val="tx1"/>
+              </a:solidFill>
+            </a:endParaRPr>
+          </a:p>
+        </p:txBody>
+      </p:sp>
+      <p:sp>
+        <p:nvSpPr>
+          <p:cNvPr id="91" name="TextBox 90">
+            <a:extLst>
+              <a:ext uri="{FF2B5EF4-FFF2-40B4-BE49-F238E27FC236}">
+                <a16:creationId xmlns:a16="http://schemas.microsoft.com/office/drawing/2014/main" id="{40A23913-78A2-06FF-9F90-582AE1B05B97}"/>
+              </a:ext>
+            </a:extLst>
+          </p:cNvPr>
+          <p:cNvSpPr txBox="1"/>
+          <p:nvPr/>
+        </p:nvSpPr>
+        <p:spPr>
+          <a:xfrm>
+            <a:off x="4536537" y="3892950"/>
+            <a:ext cx="298579" cy="369332"/>
+          </a:xfrm>
+          <a:prstGeom prst="rect">
+            <a:avLst/>
+          </a:prstGeom>
+          <a:noFill/>
+          <a:ln>
+            <a:noFill/>
+          </a:ln>
+        </p:spPr>
+        <p:txBody>
+          <a:bodyPr wrap="square" rtlCol="0">
+            <a:spAutoFit/>
+          </a:bodyPr>
+          <a:lstStyle/>
+          <a:p>
+            <a:r>
+              <a:rPr lang="en-US" dirty="0"/>
+              <a:t>+</a:t>
+            </a:r>
+          </a:p>
+        </p:txBody>
+      </p:sp>
+      <p:sp>
+        <p:nvSpPr>
+          <p:cNvPr id="95" name="Rectangle 94">
+            <a:extLst>
+              <a:ext uri="{FF2B5EF4-FFF2-40B4-BE49-F238E27FC236}">
+                <a16:creationId xmlns:a16="http://schemas.microsoft.com/office/drawing/2014/main" id="{D72B10F3-8418-27CC-217D-4A7556ACE5BB}"/>
+              </a:ext>
+            </a:extLst>
+          </p:cNvPr>
+          <p:cNvSpPr/>
+          <p:nvPr/>
+        </p:nvSpPr>
+        <p:spPr>
+          <a:xfrm>
+            <a:off x="4411446" y="4599704"/>
+            <a:ext cx="541170" cy="457199"/>
+          </a:xfrm>
+          <a:prstGeom prst="rect">
+            <a:avLst/>
+          </a:prstGeom>
+          <a:solidFill>
+            <a:schemeClr val="bg1"/>
+          </a:solidFill>
+          <a:ln w="28575">
+            <a:solidFill>
+              <a:schemeClr val="tx1"/>
+            </a:solidFill>
+          </a:ln>
+        </p:spPr>
+        <p:style>
+          <a:lnRef idx="2">
+            <a:schemeClr val="accent1">
+              <a:shade val="15000"/>
+            </a:schemeClr>
+          </a:lnRef>
+          <a:fillRef idx="1">
+            <a:schemeClr val="accent1"/>
+          </a:fillRef>
+          <a:effectRef idx="0">
+            <a:schemeClr val="accent1"/>
+          </a:effectRef>
+          <a:fontRef idx="minor">
+            <a:schemeClr val="lt1"/>
+          </a:fontRef>
+        </p:style>
+        <p:txBody>
+          <a:bodyPr rtlCol="0" anchor="ctr"/>
+          <a:lstStyle/>
+          <a:p>
+            <a:pPr algn="ctr"/>
+            <a:endParaRPr lang="en-US">
+              <a:solidFill>
+                <a:schemeClr val="tx1"/>
+              </a:solidFill>
+            </a:endParaRPr>
+          </a:p>
+        </p:txBody>
+      </p:sp>
+      <p:cxnSp>
+        <p:nvCxnSpPr>
+          <p:cNvPr id="97" name="Straight Connector 96">
+            <a:extLst>
+              <a:ext uri="{FF2B5EF4-FFF2-40B4-BE49-F238E27FC236}">
+                <a16:creationId xmlns:a16="http://schemas.microsoft.com/office/drawing/2014/main" id="{172CD2F0-2271-5E27-F876-C7AC355560E7}"/>
+              </a:ext>
+            </a:extLst>
+          </p:cNvPr>
+          <p:cNvCxnSpPr>
+            <a:cxnSpLocks/>
+          </p:cNvCxnSpPr>
+          <p:nvPr/>
+        </p:nvCxnSpPr>
+        <p:spPr>
+          <a:xfrm>
+            <a:off x="4682031" y="5056903"/>
+            <a:ext cx="0" cy="509147"/>
+          </a:xfrm>
+          <a:prstGeom prst="line">
+            <a:avLst/>
+          </a:prstGeom>
+          <a:ln w="28575">
+            <a:solidFill>
+              <a:schemeClr val="tx1"/>
+            </a:solidFill>
+          </a:ln>
+        </p:spPr>
+        <p:style>
+          <a:lnRef idx="1">
+            <a:schemeClr val="dk1"/>
+          </a:lnRef>
+          <a:fillRef idx="0">
+            <a:schemeClr val="dk1"/>
+          </a:fillRef>
+          <a:effectRef idx="0">
+            <a:schemeClr val="dk1"/>
+          </a:effectRef>
+          <a:fontRef idx="minor">
+            <a:schemeClr val="tx1"/>
+          </a:fontRef>
+        </p:style>
+      </p:cxnSp>
+      <p:cxnSp>
+        <p:nvCxnSpPr>
+          <p:cNvPr id="98" name="Straight Connector 97">
+            <a:extLst>
+              <a:ext uri="{FF2B5EF4-FFF2-40B4-BE49-F238E27FC236}">
+                <a16:creationId xmlns:a16="http://schemas.microsoft.com/office/drawing/2014/main" id="{C3101963-B5DF-231A-046E-C8BB8D28825A}"/>
+              </a:ext>
+            </a:extLst>
+          </p:cNvPr>
+          <p:cNvCxnSpPr>
+            <a:cxnSpLocks/>
+            <a:stCxn id="73" idx="3"/>
+          </p:cNvCxnSpPr>
+          <p:nvPr/>
+        </p:nvCxnSpPr>
+        <p:spPr>
+          <a:xfrm>
+            <a:off x="5586900" y="5548562"/>
+            <a:ext cx="509100" cy="0"/>
+          </a:xfrm>
+          <a:prstGeom prst="line">
+            <a:avLst/>
+          </a:prstGeom>
+          <a:ln w="28575">
+            <a:solidFill>
+              <a:schemeClr val="tx1"/>
+            </a:solidFill>
+          </a:ln>
+        </p:spPr>
+        <p:style>
+          <a:lnRef idx="1">
+            <a:schemeClr val="dk1"/>
+          </a:lnRef>
+          <a:fillRef idx="0">
+            <a:schemeClr val="dk1"/>
+          </a:fillRef>
+          <a:effectRef idx="0">
+            <a:schemeClr val="dk1"/>
+          </a:effectRef>
+          <a:fontRef idx="minor">
+            <a:schemeClr val="tx1"/>
+          </a:fontRef>
+        </p:style>
+      </p:cxnSp>
+      <p:cxnSp>
+        <p:nvCxnSpPr>
+          <p:cNvPr id="99" name="Straight Connector 98">
+            <a:extLst>
+              <a:ext uri="{FF2B5EF4-FFF2-40B4-BE49-F238E27FC236}">
+                <a16:creationId xmlns:a16="http://schemas.microsoft.com/office/drawing/2014/main" id="{09E8C04A-B672-2B7B-E9A8-B6D765072B66}"/>
+              </a:ext>
+            </a:extLst>
+          </p:cNvPr>
+          <p:cNvCxnSpPr>
+            <a:cxnSpLocks/>
+          </p:cNvCxnSpPr>
+          <p:nvPr/>
+        </p:nvCxnSpPr>
+        <p:spPr>
+          <a:xfrm>
+            <a:off x="6060235" y="1247092"/>
+            <a:ext cx="9330" cy="2181908"/>
+          </a:xfrm>
+          <a:prstGeom prst="line">
+            <a:avLst/>
+          </a:prstGeom>
+          <a:ln w="28575">
+            <a:solidFill>
+              <a:schemeClr val="tx1"/>
+            </a:solidFill>
+          </a:ln>
+        </p:spPr>
+        <p:style>
+          <a:lnRef idx="1">
+            <a:schemeClr val="dk1"/>
+          </a:lnRef>
+          <a:fillRef idx="0">
+            <a:schemeClr val="dk1"/>
+          </a:fillRef>
+          <a:effectRef idx="0">
+            <a:schemeClr val="dk1"/>
+          </a:effectRef>
+          <a:fontRef idx="minor">
+            <a:schemeClr val="tx1"/>
+          </a:fontRef>
+        </p:style>
+      </p:cxnSp>
+      <p:cxnSp>
+        <p:nvCxnSpPr>
+          <p:cNvPr id="104" name="Straight Connector 103">
+            <a:extLst>
+              <a:ext uri="{FF2B5EF4-FFF2-40B4-BE49-F238E27FC236}">
+                <a16:creationId xmlns:a16="http://schemas.microsoft.com/office/drawing/2014/main" id="{417C7A4B-AAFF-3B98-EA11-979440696E4B}"/>
+              </a:ext>
+            </a:extLst>
+          </p:cNvPr>
+          <p:cNvCxnSpPr>
+            <a:cxnSpLocks/>
+            <a:stCxn id="68" idx="4"/>
+          </p:cNvCxnSpPr>
+          <p:nvPr/>
+        </p:nvCxnSpPr>
+        <p:spPr>
+          <a:xfrm>
+            <a:off x="4694875" y="1475838"/>
+            <a:ext cx="182" cy="236669"/>
+          </a:xfrm>
+          <a:prstGeom prst="line">
+            <a:avLst/>
+          </a:prstGeom>
+          <a:ln w="28575">
+            <a:solidFill>
+              <a:schemeClr val="tx1"/>
+            </a:solidFill>
+          </a:ln>
+        </p:spPr>
+        <p:style>
+          <a:lnRef idx="1">
+            <a:schemeClr val="dk1"/>
+          </a:lnRef>
+          <a:fillRef idx="0">
+            <a:schemeClr val="dk1"/>
+          </a:fillRef>
+          <a:effectRef idx="0">
+            <a:schemeClr val="dk1"/>
+          </a:effectRef>
+          <a:fontRef idx="minor">
+            <a:schemeClr val="tx1"/>
+          </a:fontRef>
+        </p:style>
+      </p:cxnSp>
+      <p:cxnSp>
+        <p:nvCxnSpPr>
+          <p:cNvPr id="106" name="Straight Connector 105">
+            <a:extLst>
+              <a:ext uri="{FF2B5EF4-FFF2-40B4-BE49-F238E27FC236}">
+                <a16:creationId xmlns:a16="http://schemas.microsoft.com/office/drawing/2014/main" id="{A3E26769-5050-64FF-2BD5-4851C1D15A60}"/>
+              </a:ext>
+            </a:extLst>
+          </p:cNvPr>
+          <p:cNvCxnSpPr>
+            <a:cxnSpLocks/>
+            <a:stCxn id="61" idx="4"/>
+          </p:cNvCxnSpPr>
+          <p:nvPr/>
+        </p:nvCxnSpPr>
+        <p:spPr>
+          <a:xfrm flipH="1">
+            <a:off x="4682030" y="4310196"/>
+            <a:ext cx="3796" cy="293439"/>
+          </a:xfrm>
+          <a:prstGeom prst="line">
+            <a:avLst/>
+          </a:prstGeom>
+          <a:ln w="28575">
+            <a:solidFill>
+              <a:schemeClr val="tx1"/>
+            </a:solidFill>
+          </a:ln>
+        </p:spPr>
+        <p:style>
+          <a:lnRef idx="1">
+            <a:schemeClr val="dk1"/>
+          </a:lnRef>
+          <a:fillRef idx="0">
+            <a:schemeClr val="dk1"/>
+          </a:fillRef>
+          <a:effectRef idx="0">
+            <a:schemeClr val="dk1"/>
+          </a:effectRef>
+          <a:fontRef idx="minor">
+            <a:schemeClr val="tx1"/>
+          </a:fontRef>
+        </p:style>
+      </p:cxnSp>
+      <p:cxnSp>
+        <p:nvCxnSpPr>
+          <p:cNvPr id="108" name="Straight Connector 107">
+            <a:extLst>
+              <a:ext uri="{FF2B5EF4-FFF2-40B4-BE49-F238E27FC236}">
+                <a16:creationId xmlns:a16="http://schemas.microsoft.com/office/drawing/2014/main" id="{E64F83B5-4B9E-456A-F4F8-460BE7539C36}"/>
+              </a:ext>
+            </a:extLst>
+          </p:cNvPr>
+          <p:cNvCxnSpPr>
+            <a:cxnSpLocks/>
+            <a:endCxn id="61" idx="0"/>
+          </p:cNvCxnSpPr>
+          <p:nvPr/>
+        </p:nvCxnSpPr>
+        <p:spPr>
+          <a:xfrm flipH="1">
+            <a:off x="4685826" y="3676641"/>
+            <a:ext cx="2527" cy="176367"/>
+          </a:xfrm>
+          <a:prstGeom prst="line">
+            <a:avLst/>
+          </a:prstGeom>
+          <a:ln w="28575">
+            <a:solidFill>
+              <a:schemeClr val="tx1"/>
+            </a:solidFill>
+            <a:prstDash val="sysDash"/>
+          </a:ln>
+        </p:spPr>
+        <p:style>
+          <a:lnRef idx="1">
+            <a:schemeClr val="dk1"/>
+          </a:lnRef>
+          <a:fillRef idx="0">
+            <a:schemeClr val="dk1"/>
+          </a:fillRef>
+          <a:effectRef idx="0">
+            <a:schemeClr val="dk1"/>
+          </a:effectRef>
+          <a:fontRef idx="minor">
+            <a:schemeClr val="tx1"/>
+          </a:fontRef>
+        </p:style>
+      </p:cxnSp>
+      <p:cxnSp>
+        <p:nvCxnSpPr>
+          <p:cNvPr id="109" name="Straight Connector 108">
+            <a:extLst>
+              <a:ext uri="{FF2B5EF4-FFF2-40B4-BE49-F238E27FC236}">
+                <a16:creationId xmlns:a16="http://schemas.microsoft.com/office/drawing/2014/main" id="{E02FC347-E92E-2815-BC37-0D42C3CFA474}"/>
+              </a:ext>
+            </a:extLst>
+          </p:cNvPr>
+          <p:cNvCxnSpPr>
+            <a:cxnSpLocks/>
+          </p:cNvCxnSpPr>
+          <p:nvPr/>
+        </p:nvCxnSpPr>
+        <p:spPr>
+          <a:xfrm>
+            <a:off x="4688353" y="5552002"/>
+            <a:ext cx="365094" cy="0"/>
+          </a:xfrm>
+          <a:prstGeom prst="line">
+            <a:avLst/>
+          </a:prstGeom>
+          <a:ln w="28575">
+            <a:solidFill>
+              <a:schemeClr val="tx1"/>
+            </a:solidFill>
+          </a:ln>
+        </p:spPr>
+        <p:style>
+          <a:lnRef idx="1">
+            <a:schemeClr val="dk1"/>
+          </a:lnRef>
+          <a:fillRef idx="0">
+            <a:schemeClr val="dk1"/>
+          </a:fillRef>
+          <a:effectRef idx="0">
+            <a:schemeClr val="dk1"/>
+          </a:effectRef>
+          <a:fontRef idx="minor">
+            <a:schemeClr val="tx1"/>
+          </a:fontRef>
+        </p:style>
+      </p:cxnSp>
+      <p:cxnSp>
+        <p:nvCxnSpPr>
+          <p:cNvPr id="112" name="Straight Connector 111">
+            <a:extLst>
+              <a:ext uri="{FF2B5EF4-FFF2-40B4-BE49-F238E27FC236}">
+                <a16:creationId xmlns:a16="http://schemas.microsoft.com/office/drawing/2014/main" id="{9970AC15-3684-94BC-3CAD-FE895B571BBF}"/>
+              </a:ext>
+            </a:extLst>
+          </p:cNvPr>
+          <p:cNvCxnSpPr>
+            <a:cxnSpLocks/>
+            <a:endCxn id="78" idx="3"/>
+          </p:cNvCxnSpPr>
+          <p:nvPr/>
+        </p:nvCxnSpPr>
+        <p:spPr>
+          <a:xfrm flipH="1">
+            <a:off x="5690760" y="4090311"/>
+            <a:ext cx="369836" cy="0"/>
+          </a:xfrm>
+          <a:prstGeom prst="line">
+            <a:avLst/>
+          </a:prstGeom>
+          <a:ln w="28575">
+            <a:solidFill>
+              <a:schemeClr val="tx1"/>
+            </a:solidFill>
+          </a:ln>
+        </p:spPr>
+        <p:style>
+          <a:lnRef idx="1">
+            <a:schemeClr val="dk1"/>
+          </a:lnRef>
+          <a:fillRef idx="0">
+            <a:schemeClr val="dk1"/>
+          </a:fillRef>
+          <a:effectRef idx="0">
+            <a:schemeClr val="dk1"/>
+          </a:effectRef>
+          <a:fontRef idx="minor">
+            <a:schemeClr val="tx1"/>
+          </a:fontRef>
+        </p:style>
+      </p:cxnSp>
+      <p:cxnSp>
+        <p:nvCxnSpPr>
+          <p:cNvPr id="115" name="Straight Connector 114">
+            <a:extLst>
+              <a:ext uri="{FF2B5EF4-FFF2-40B4-BE49-F238E27FC236}">
+                <a16:creationId xmlns:a16="http://schemas.microsoft.com/office/drawing/2014/main" id="{35F6CC59-E766-5F96-090F-8DA507425CD3}"/>
+              </a:ext>
+            </a:extLst>
+          </p:cNvPr>
+          <p:cNvCxnSpPr>
+            <a:cxnSpLocks/>
+          </p:cNvCxnSpPr>
+          <p:nvPr/>
+        </p:nvCxnSpPr>
+        <p:spPr>
+          <a:xfrm flipH="1">
+            <a:off x="5706153" y="2705343"/>
+            <a:ext cx="369836" cy="0"/>
+          </a:xfrm>
+          <a:prstGeom prst="line">
+            <a:avLst/>
+          </a:prstGeom>
+          <a:ln w="28575">
+            <a:solidFill>
+              <a:schemeClr val="tx1"/>
+            </a:solidFill>
+          </a:ln>
+        </p:spPr>
+        <p:style>
+          <a:lnRef idx="1">
+            <a:schemeClr val="dk1"/>
+          </a:lnRef>
+          <a:fillRef idx="0">
+            <a:schemeClr val="dk1"/>
+          </a:fillRef>
+          <a:effectRef idx="0">
+            <a:schemeClr val="dk1"/>
+          </a:effectRef>
+          <a:fontRef idx="minor">
+            <a:schemeClr val="tx1"/>
+          </a:fontRef>
+        </p:style>
+      </p:cxnSp>
+      <p:cxnSp>
+        <p:nvCxnSpPr>
+          <p:cNvPr id="116" name="Straight Connector 115">
+            <a:extLst>
+              <a:ext uri="{FF2B5EF4-FFF2-40B4-BE49-F238E27FC236}">
+                <a16:creationId xmlns:a16="http://schemas.microsoft.com/office/drawing/2014/main" id="{4E9967BC-E1B5-F64D-5696-D4A67499109E}"/>
+              </a:ext>
+            </a:extLst>
+          </p:cNvPr>
+          <p:cNvCxnSpPr>
+            <a:cxnSpLocks/>
+            <a:stCxn id="71" idx="0"/>
+            <a:endCxn id="57" idx="6"/>
+          </p:cNvCxnSpPr>
+          <p:nvPr/>
+        </p:nvCxnSpPr>
+        <p:spPr>
+          <a:xfrm flipH="1" flipV="1">
+            <a:off x="4931531" y="2696634"/>
+            <a:ext cx="206730" cy="8710"/>
+          </a:xfrm>
+          <a:prstGeom prst="line">
+            <a:avLst/>
+          </a:prstGeom>
+          <a:ln w="28575">
+            <a:solidFill>
+              <a:schemeClr val="tx1"/>
+            </a:solidFill>
+          </a:ln>
+        </p:spPr>
+        <p:style>
+          <a:lnRef idx="1">
+            <a:schemeClr val="dk1"/>
+          </a:lnRef>
+          <a:fillRef idx="0">
+            <a:schemeClr val="dk1"/>
+          </a:fillRef>
+          <a:effectRef idx="0">
+            <a:schemeClr val="dk1"/>
+          </a:effectRef>
+          <a:fontRef idx="minor">
+            <a:schemeClr val="tx1"/>
+          </a:fontRef>
+        </p:style>
+      </p:cxnSp>
+      <p:cxnSp>
+        <p:nvCxnSpPr>
+          <p:cNvPr id="117" name="Straight Connector 116">
+            <a:extLst>
+              <a:ext uri="{FF2B5EF4-FFF2-40B4-BE49-F238E27FC236}">
+                <a16:creationId xmlns:a16="http://schemas.microsoft.com/office/drawing/2014/main" id="{3A0845C6-4A98-2A60-571A-EDF307326523}"/>
+              </a:ext>
+            </a:extLst>
+          </p:cNvPr>
+          <p:cNvCxnSpPr>
+            <a:cxnSpLocks/>
+          </p:cNvCxnSpPr>
+          <p:nvPr/>
+        </p:nvCxnSpPr>
+        <p:spPr>
+          <a:xfrm flipH="1" flipV="1">
+            <a:off x="4931531" y="4077796"/>
+            <a:ext cx="206730" cy="8710"/>
+          </a:xfrm>
+          <a:prstGeom prst="line">
+            <a:avLst/>
+          </a:prstGeom>
+          <a:ln w="28575">
+            <a:solidFill>
+              <a:schemeClr val="tx1"/>
+            </a:solidFill>
+          </a:ln>
+        </p:spPr>
+        <p:style>
+          <a:lnRef idx="1">
+            <a:schemeClr val="dk1"/>
+          </a:lnRef>
+          <a:fillRef idx="0">
+            <a:schemeClr val="dk1"/>
+          </a:fillRef>
+          <a:effectRef idx="0">
+            <a:schemeClr val="dk1"/>
+          </a:effectRef>
+          <a:fontRef idx="minor">
+            <a:schemeClr val="tx1"/>
+          </a:fontRef>
+        </p:style>
+      </p:cxnSp>
+      <p:cxnSp>
+        <p:nvCxnSpPr>
+          <p:cNvPr id="118" name="Straight Connector 117">
+            <a:extLst>
+              <a:ext uri="{FF2B5EF4-FFF2-40B4-BE49-F238E27FC236}">
+                <a16:creationId xmlns:a16="http://schemas.microsoft.com/office/drawing/2014/main" id="{2457C2EF-6D7C-3C34-8C86-57C8DD584DF2}"/>
+              </a:ext>
+            </a:extLst>
+          </p:cNvPr>
+          <p:cNvCxnSpPr>
+            <a:cxnSpLocks/>
+          </p:cNvCxnSpPr>
+          <p:nvPr/>
+        </p:nvCxnSpPr>
+        <p:spPr>
+          <a:xfrm>
+            <a:off x="6068112" y="4086506"/>
+            <a:ext cx="21566" cy="1479544"/>
+          </a:xfrm>
+          <a:prstGeom prst="line">
+            <a:avLst/>
+          </a:prstGeom>
+          <a:ln w="28575">
+            <a:solidFill>
+              <a:schemeClr val="tx1"/>
+            </a:solidFill>
+          </a:ln>
+        </p:spPr>
+        <p:style>
+          <a:lnRef idx="1">
+            <a:schemeClr val="dk1"/>
+          </a:lnRef>
+          <a:fillRef idx="0">
+            <a:schemeClr val="dk1"/>
+          </a:fillRef>
+          <a:effectRef idx="0">
+            <a:schemeClr val="dk1"/>
+          </a:effectRef>
+          <a:fontRef idx="minor">
+            <a:schemeClr val="tx1"/>
+          </a:fontRef>
+        </p:style>
+      </p:cxnSp>
+      <p:cxnSp>
+        <p:nvCxnSpPr>
+          <p:cNvPr id="119" name="Straight Connector 118">
+            <a:extLst>
+              <a:ext uri="{FF2B5EF4-FFF2-40B4-BE49-F238E27FC236}">
+                <a16:creationId xmlns:a16="http://schemas.microsoft.com/office/drawing/2014/main" id="{06279C27-5B68-34E0-676C-7F1B57246D7A}"/>
+              </a:ext>
+            </a:extLst>
+          </p:cNvPr>
+          <p:cNvCxnSpPr>
+            <a:cxnSpLocks/>
+          </p:cNvCxnSpPr>
+          <p:nvPr/>
+        </p:nvCxnSpPr>
+        <p:spPr>
+          <a:xfrm flipH="1">
+            <a:off x="6069565" y="3395297"/>
+            <a:ext cx="0" cy="691209"/>
+          </a:xfrm>
+          <a:prstGeom prst="line">
+            <a:avLst/>
+          </a:prstGeom>
+          <a:ln w="28575">
+            <a:solidFill>
+              <a:schemeClr val="tx1"/>
+            </a:solidFill>
+            <a:prstDash val="sysDash"/>
+          </a:ln>
+        </p:spPr>
+        <p:style>
+          <a:lnRef idx="1">
+            <a:schemeClr val="dk1"/>
+          </a:lnRef>
+          <a:fillRef idx="0">
+            <a:schemeClr val="dk1"/>
+          </a:fillRef>
+          <a:effectRef idx="0">
+            <a:schemeClr val="dk1"/>
+          </a:effectRef>
+          <a:fontRef idx="minor">
+            <a:schemeClr val="tx1"/>
+          </a:fontRef>
+        </p:style>
+      </p:cxnSp>
+      <p:cxnSp>
+        <p:nvCxnSpPr>
+          <p:cNvPr id="120" name="Straight Connector 119">
+            <a:extLst>
+              <a:ext uri="{FF2B5EF4-FFF2-40B4-BE49-F238E27FC236}">
+                <a16:creationId xmlns:a16="http://schemas.microsoft.com/office/drawing/2014/main" id="{BDDF3999-A679-C2F9-DE5F-A4D3B531D802}"/>
+              </a:ext>
+            </a:extLst>
+          </p:cNvPr>
+          <p:cNvCxnSpPr>
+            <a:cxnSpLocks/>
+            <a:endCxn id="57" idx="0"/>
+          </p:cNvCxnSpPr>
+          <p:nvPr/>
+        </p:nvCxnSpPr>
+        <p:spPr>
+          <a:xfrm flipH="1">
+            <a:off x="4685826" y="2177323"/>
+            <a:ext cx="7907" cy="290717"/>
+          </a:xfrm>
+          <a:prstGeom prst="line">
+            <a:avLst/>
+          </a:prstGeom>
+          <a:ln w="28575">
+            <a:solidFill>
+              <a:schemeClr val="tx1"/>
+            </a:solidFill>
+          </a:ln>
+        </p:spPr>
+        <p:style>
+          <a:lnRef idx="1">
+            <a:schemeClr val="dk1"/>
+          </a:lnRef>
+          <a:fillRef idx="0">
+            <a:schemeClr val="dk1"/>
+          </a:fillRef>
+          <a:effectRef idx="0">
+            <a:schemeClr val="dk1"/>
+          </a:effectRef>
+          <a:fontRef idx="minor">
+            <a:schemeClr val="tx1"/>
+          </a:fontRef>
+        </p:style>
+      </p:cxnSp>
+      <p:cxnSp>
+        <p:nvCxnSpPr>
+          <p:cNvPr id="121" name="Straight Connector 120">
+            <a:extLst>
+              <a:ext uri="{FF2B5EF4-FFF2-40B4-BE49-F238E27FC236}">
+                <a16:creationId xmlns:a16="http://schemas.microsoft.com/office/drawing/2014/main" id="{25811849-C8D2-1D97-F25B-552E0FF98D5C}"/>
+              </a:ext>
+            </a:extLst>
+          </p:cNvPr>
+          <p:cNvCxnSpPr>
+            <a:cxnSpLocks/>
+            <a:endCxn id="74" idx="0"/>
+          </p:cNvCxnSpPr>
+          <p:nvPr/>
+        </p:nvCxnSpPr>
+        <p:spPr>
+          <a:xfrm flipH="1">
+            <a:off x="4682031" y="2931463"/>
+            <a:ext cx="4924" cy="283273"/>
+          </a:xfrm>
+          <a:prstGeom prst="line">
+            <a:avLst/>
+          </a:prstGeom>
+          <a:ln w="28575">
+            <a:solidFill>
+              <a:schemeClr val="tx1"/>
+            </a:solidFill>
+          </a:ln>
+        </p:spPr>
+        <p:style>
+          <a:lnRef idx="1">
+            <a:schemeClr val="dk1"/>
+          </a:lnRef>
+          <a:fillRef idx="0">
+            <a:schemeClr val="dk1"/>
+          </a:fillRef>
+          <a:effectRef idx="0">
+            <a:schemeClr val="dk1"/>
+          </a:effectRef>
+          <a:fontRef idx="minor">
+            <a:schemeClr val="tx1"/>
+          </a:fontRef>
+        </p:style>
+      </p:cxnSp>
+      <p:sp>
+        <p:nvSpPr>
+          <p:cNvPr id="123" name="Rectangle 122">
+            <a:extLst>
+              <a:ext uri="{FF2B5EF4-FFF2-40B4-BE49-F238E27FC236}">
+                <a16:creationId xmlns:a16="http://schemas.microsoft.com/office/drawing/2014/main" id="{F7A6B969-2DAB-5B20-2553-337BA71B4483}"/>
+              </a:ext>
+            </a:extLst>
+          </p:cNvPr>
+          <p:cNvSpPr/>
+          <p:nvPr/>
+        </p:nvSpPr>
+        <p:spPr>
+          <a:xfrm>
+            <a:off x="3686847" y="1018650"/>
+            <a:ext cx="541170" cy="457199"/>
+          </a:xfrm>
+          <a:prstGeom prst="rect">
+            <a:avLst/>
+          </a:prstGeom>
+          <a:solidFill>
+            <a:schemeClr val="bg1"/>
+          </a:solidFill>
+          <a:ln w="28575">
+            <a:solidFill>
+              <a:schemeClr val="tx1"/>
+            </a:solidFill>
+          </a:ln>
+        </p:spPr>
+        <p:style>
+          <a:lnRef idx="2">
+            <a:schemeClr val="accent1">
+              <a:shade val="15000"/>
+            </a:schemeClr>
+          </a:lnRef>
+          <a:fillRef idx="1">
+            <a:schemeClr val="accent1"/>
+          </a:fillRef>
+          <a:effectRef idx="0">
+            <a:schemeClr val="accent1"/>
+          </a:effectRef>
+          <a:fontRef idx="minor">
+            <a:schemeClr val="lt1"/>
+          </a:fontRef>
+        </p:style>
+        <p:txBody>
+          <a:bodyPr rtlCol="0" anchor="ctr"/>
+          <a:lstStyle/>
+          <a:p>
+            <a:pPr algn="ctr"/>
+            <a:endParaRPr lang="en-US">
+              <a:solidFill>
+                <a:schemeClr val="tx1"/>
+              </a:solidFill>
+            </a:endParaRPr>
+          </a:p>
+        </p:txBody>
+      </p:sp>
+      <p:sp>
+        <p:nvSpPr>
+          <p:cNvPr id="124" name="TextBox 123">
+            <a:extLst>
+              <a:ext uri="{FF2B5EF4-FFF2-40B4-BE49-F238E27FC236}">
+                <a16:creationId xmlns:a16="http://schemas.microsoft.com/office/drawing/2014/main" id="{3FD5F362-3987-893D-E85F-F40C18A2C779}"/>
+              </a:ext>
+            </a:extLst>
+          </p:cNvPr>
+          <p:cNvSpPr txBox="1"/>
+          <p:nvPr/>
+        </p:nvSpPr>
+        <p:spPr>
+          <a:xfrm>
+            <a:off x="3786372" y="1062426"/>
+            <a:ext cx="298579" cy="369332"/>
+          </a:xfrm>
+          <a:prstGeom prst="rect">
+            <a:avLst/>
+          </a:prstGeom>
+          <a:noFill/>
+          <a:ln>
+            <a:noFill/>
+          </a:ln>
+        </p:spPr>
+        <p:txBody>
+          <a:bodyPr wrap="square" rtlCol="0">
+            <a:spAutoFit/>
+          </a:bodyPr>
+          <a:lstStyle/>
+          <a:p>
+            <a:r>
+              <a:rPr lang="en-US" dirty="0"/>
+              <a:t>D</a:t>
+            </a:r>
+          </a:p>
+        </p:txBody>
+      </p:sp>
+      <p:sp>
+        <p:nvSpPr>
+          <p:cNvPr id="193" name="TextBox 192">
+            <a:extLst>
+              <a:ext uri="{FF2B5EF4-FFF2-40B4-BE49-F238E27FC236}">
+                <a16:creationId xmlns:a16="http://schemas.microsoft.com/office/drawing/2014/main" id="{4894D085-E040-1191-375E-9709975CBE44}"/>
+              </a:ext>
+            </a:extLst>
+          </p:cNvPr>
+          <p:cNvSpPr txBox="1"/>
+          <p:nvPr/>
+        </p:nvSpPr>
+        <p:spPr>
+          <a:xfrm flipH="1">
+            <a:off x="4527973" y="1775390"/>
+            <a:ext cx="298579" cy="369332"/>
+          </a:xfrm>
+          <a:prstGeom prst="rect">
+            <a:avLst/>
+          </a:prstGeom>
+          <a:noFill/>
+          <a:ln>
+            <a:noFill/>
+          </a:ln>
+        </p:spPr>
+        <p:txBody>
+          <a:bodyPr wrap="square" rtlCol="0">
+            <a:spAutoFit/>
+          </a:bodyPr>
+          <a:lstStyle/>
+          <a:p>
+            <a:r>
+              <a:rPr lang="en-US" dirty="0"/>
+              <a:t>D</a:t>
+            </a:r>
+          </a:p>
+        </p:txBody>
+      </p:sp>
+      <p:sp>
+        <p:nvSpPr>
+          <p:cNvPr id="194" name="TextBox 193">
+            <a:extLst>
+              <a:ext uri="{FF2B5EF4-FFF2-40B4-BE49-F238E27FC236}">
+                <a16:creationId xmlns:a16="http://schemas.microsoft.com/office/drawing/2014/main" id="{ED1AD3A0-AEB8-9EE5-32F1-867EFA1FF64C}"/>
+              </a:ext>
+            </a:extLst>
+          </p:cNvPr>
+          <p:cNvSpPr txBox="1"/>
+          <p:nvPr/>
+        </p:nvSpPr>
+        <p:spPr>
+          <a:xfrm flipH="1">
+            <a:off x="3050139" y="3262650"/>
+            <a:ext cx="298579" cy="369332"/>
+          </a:xfrm>
+          <a:prstGeom prst="rect">
+            <a:avLst/>
+          </a:prstGeom>
+          <a:noFill/>
+          <a:ln>
+            <a:noFill/>
+          </a:ln>
+        </p:spPr>
+        <p:txBody>
+          <a:bodyPr wrap="square" rtlCol="0">
+            <a:spAutoFit/>
+          </a:bodyPr>
+          <a:lstStyle/>
+          <a:p>
+            <a:r>
+              <a:rPr lang="en-US" dirty="0"/>
+              <a:t>D</a:t>
+            </a:r>
+          </a:p>
+        </p:txBody>
+      </p:sp>
+      <p:sp>
+        <p:nvSpPr>
+          <p:cNvPr id="195" name="TextBox 194">
+            <a:extLst>
+              <a:ext uri="{FF2B5EF4-FFF2-40B4-BE49-F238E27FC236}">
+                <a16:creationId xmlns:a16="http://schemas.microsoft.com/office/drawing/2014/main" id="{4FB5DC1D-0BCB-1012-E18E-DF51FBBA3427}"/>
+              </a:ext>
+            </a:extLst>
+          </p:cNvPr>
+          <p:cNvSpPr txBox="1"/>
+          <p:nvPr/>
+        </p:nvSpPr>
+        <p:spPr>
+          <a:xfrm flipH="1">
+            <a:off x="4527973" y="3273933"/>
+            <a:ext cx="298579" cy="369332"/>
+          </a:xfrm>
+          <a:prstGeom prst="rect">
+            <a:avLst/>
+          </a:prstGeom>
+          <a:noFill/>
+          <a:ln>
+            <a:noFill/>
+          </a:ln>
+        </p:spPr>
+        <p:txBody>
+          <a:bodyPr wrap="square" rtlCol="0">
+            <a:spAutoFit/>
+          </a:bodyPr>
+          <a:lstStyle/>
+          <a:p>
+            <a:r>
+              <a:rPr lang="en-US" dirty="0"/>
+              <a:t>D</a:t>
+            </a:r>
+          </a:p>
+        </p:txBody>
+      </p:sp>
+      <p:sp>
+        <p:nvSpPr>
+          <p:cNvPr id="196" name="TextBox 195">
+            <a:extLst>
+              <a:ext uri="{FF2B5EF4-FFF2-40B4-BE49-F238E27FC236}">
+                <a16:creationId xmlns:a16="http://schemas.microsoft.com/office/drawing/2014/main" id="{7A4FF8EE-90AE-91D6-A350-61D4B72D79F3}"/>
+              </a:ext>
+            </a:extLst>
+          </p:cNvPr>
+          <p:cNvSpPr txBox="1"/>
+          <p:nvPr/>
+        </p:nvSpPr>
+        <p:spPr>
+          <a:xfrm flipH="1">
+            <a:off x="4544443" y="4651549"/>
+            <a:ext cx="298579" cy="369332"/>
+          </a:xfrm>
+          <a:prstGeom prst="rect">
+            <a:avLst/>
+          </a:prstGeom>
+          <a:noFill/>
+          <a:ln>
+            <a:noFill/>
+          </a:ln>
+        </p:spPr>
+        <p:txBody>
+          <a:bodyPr wrap="square" rtlCol="0">
+            <a:spAutoFit/>
+          </a:bodyPr>
+          <a:lstStyle/>
+          <a:p>
+            <a:r>
+              <a:rPr lang="en-US" dirty="0"/>
+              <a:t>D</a:t>
+            </a:r>
+          </a:p>
+        </p:txBody>
+      </p:sp>
+      <p:sp>
+        <p:nvSpPr>
+          <p:cNvPr id="197" name="TextBox 196">
+            <a:extLst>
+              <a:ext uri="{FF2B5EF4-FFF2-40B4-BE49-F238E27FC236}">
+                <a16:creationId xmlns:a16="http://schemas.microsoft.com/office/drawing/2014/main" id="{13023729-98CB-6DC7-950C-CC6F24BF90EA}"/>
+              </a:ext>
+            </a:extLst>
+          </p:cNvPr>
+          <p:cNvSpPr txBox="1"/>
+          <p:nvPr/>
+        </p:nvSpPr>
+        <p:spPr>
+          <a:xfrm flipH="1">
+            <a:off x="3034186" y="4656942"/>
+            <a:ext cx="298579" cy="369332"/>
+          </a:xfrm>
+          <a:prstGeom prst="rect">
+            <a:avLst/>
+          </a:prstGeom>
+          <a:noFill/>
+          <a:ln>
+            <a:noFill/>
+          </a:ln>
+        </p:spPr>
+        <p:txBody>
+          <a:bodyPr wrap="square" rtlCol="0">
+            <a:spAutoFit/>
+          </a:bodyPr>
+          <a:lstStyle/>
+          <a:p>
+            <a:r>
+              <a:rPr lang="en-US" dirty="0"/>
+              <a:t>D</a:t>
+            </a:r>
+          </a:p>
+        </p:txBody>
+      </p:sp>
+    </p:spTree>
+    <p:extLst>
+      <p:ext uri="{BB962C8B-B14F-4D97-AF65-F5344CB8AC3E}">
+        <p14:creationId xmlns:p14="http://schemas.microsoft.com/office/powerpoint/2010/main" val="2260214414"/>
+      </p:ext>
+    </p:extLst>
+  </p:cSld>
+  <p:clrMapOvr>
+    <a:masterClrMapping/>
+  </p:clrMapOvr>
+</p:sld>
+</file>
+
+<file path=ppt/slides/slide6.xml><?xml version="1.0" encoding="utf-8"?>
+<p:sld xmlns:a="http://schemas.openxmlformats.org/drawingml/2006/main" xmlns:r="http://schemas.openxmlformats.org/officeDocument/2006/relationships" xmlns:p="http://schemas.openxmlformats.org/presentationml/2006/main">
+  <p:cSld>
+    <p:spTree>
+      <p:nvGrpSpPr>
+        <p:cNvPr id="1" name="">
+          <a:extLst>
+            <a:ext uri="{FF2B5EF4-FFF2-40B4-BE49-F238E27FC236}">
+              <a16:creationId xmlns:a16="http://schemas.microsoft.com/office/drawing/2014/main" id="{8C34DBB4-3FBC-0854-52FA-E4A626875CE0}"/>
+            </a:ext>
+          </a:extLst>
+        </p:cNvPr>
+        <p:cNvGrpSpPr/>
+        <p:nvPr/>
+      </p:nvGrpSpPr>
+      <p:grpSpPr>
+        <a:xfrm>
+          <a:off x="0" y="0"/>
+          <a:ext cx="0" cy="0"/>
+          <a:chOff x="0" y="0"/>
+          <a:chExt cx="0" cy="0"/>
+        </a:xfrm>
+      </p:grpSpPr>
+      <p:sp>
+        <p:nvSpPr>
+          <p:cNvPr id="145" name="Rectangle: Rounded Corners 144">
+            <a:extLst>
+              <a:ext uri="{FF2B5EF4-FFF2-40B4-BE49-F238E27FC236}">
+                <a16:creationId xmlns:a16="http://schemas.microsoft.com/office/drawing/2014/main" id="{0A0B59A6-A1BC-3244-653F-D5C92F5647BF}"/>
+              </a:ext>
+            </a:extLst>
+          </p:cNvPr>
+          <p:cNvSpPr/>
+          <p:nvPr/>
+        </p:nvSpPr>
+        <p:spPr>
+          <a:xfrm>
+            <a:off x="925652" y="757923"/>
+            <a:ext cx="6938128" cy="4949072"/>
+          </a:xfrm>
+          <a:prstGeom prst="roundRect">
+            <a:avLst/>
+          </a:prstGeom>
+          <a:solidFill>
+            <a:schemeClr val="bg1"/>
+          </a:solidFill>
+          <a:ln w="76200">
+            <a:solidFill>
+              <a:schemeClr val="tx1"/>
+            </a:solidFill>
+          </a:ln>
+        </p:spPr>
+        <p:style>
+          <a:lnRef idx="2">
+            <a:schemeClr val="accent1">
+              <a:shade val="15000"/>
+            </a:schemeClr>
+          </a:lnRef>
+          <a:fillRef idx="1">
+            <a:schemeClr val="accent1"/>
+          </a:fillRef>
+          <a:effectRef idx="0">
+            <a:schemeClr val="accent1"/>
+          </a:effectRef>
+          <a:fontRef idx="minor">
+            <a:schemeClr val="lt1"/>
+          </a:fontRef>
+        </p:style>
+        <p:txBody>
+          <a:bodyPr rtlCol="0" anchor="ctr"/>
+          <a:lstStyle/>
+          <a:p>
+            <a:pPr algn="ctr"/>
+            <a:endParaRPr lang="en-US">
+              <a:solidFill>
+                <a:schemeClr val="tx1"/>
+              </a:solidFill>
+            </a:endParaRPr>
+          </a:p>
+        </p:txBody>
+      </p:sp>
+      <p:sp>
+        <p:nvSpPr>
+          <p:cNvPr id="146" name="TextBox 145">
+            <a:extLst>
+              <a:ext uri="{FF2B5EF4-FFF2-40B4-BE49-F238E27FC236}">
+                <a16:creationId xmlns:a16="http://schemas.microsoft.com/office/drawing/2014/main" id="{86F301C2-589C-9C94-C6D0-0F9B2600BB96}"/>
+              </a:ext>
+            </a:extLst>
+          </p:cNvPr>
+          <p:cNvSpPr txBox="1"/>
+          <p:nvPr/>
+        </p:nvSpPr>
+        <p:spPr>
+          <a:xfrm>
+            <a:off x="2763879" y="878807"/>
+            <a:ext cx="3261674" cy="584775"/>
+          </a:xfrm>
+          <a:prstGeom prst="rect">
+            <a:avLst/>
+          </a:prstGeom>
+          <a:noFill/>
+          <a:ln>
+            <a:noFill/>
+          </a:ln>
+        </p:spPr>
+        <p:txBody>
+          <a:bodyPr wrap="square" rtlCol="0">
+            <a:spAutoFit/>
+          </a:bodyPr>
+          <a:lstStyle/>
+          <a:p>
+            <a:pPr algn="ctr"/>
+            <a:r>
+              <a:rPr lang="en-US" sz="3200" dirty="0"/>
+              <a:t>Testbench</a:t>
+            </a:r>
+          </a:p>
+        </p:txBody>
+      </p:sp>
+      <p:sp>
+        <p:nvSpPr>
+          <p:cNvPr id="128" name="Rectangle: Rounded Corners 127">
+            <a:extLst>
+              <a:ext uri="{FF2B5EF4-FFF2-40B4-BE49-F238E27FC236}">
+                <a16:creationId xmlns:a16="http://schemas.microsoft.com/office/drawing/2014/main" id="{19926C3B-50F1-1F65-4832-989B92905E95}"/>
+              </a:ext>
+            </a:extLst>
+          </p:cNvPr>
+          <p:cNvSpPr/>
+          <p:nvPr/>
+        </p:nvSpPr>
+        <p:spPr>
+          <a:xfrm>
+            <a:off x="4348065" y="2099388"/>
+            <a:ext cx="2892490" cy="2015412"/>
+          </a:xfrm>
+          <a:prstGeom prst="roundRect">
+            <a:avLst/>
+          </a:prstGeom>
+          <a:solidFill>
+            <a:schemeClr val="bg1"/>
+          </a:solidFill>
+          <a:ln>
+            <a:solidFill>
+              <a:schemeClr val="tx1"/>
+            </a:solidFill>
+          </a:ln>
+        </p:spPr>
+        <p:style>
+          <a:lnRef idx="2">
+            <a:schemeClr val="accent1">
+              <a:shade val="15000"/>
+            </a:schemeClr>
+          </a:lnRef>
+          <a:fillRef idx="1">
+            <a:schemeClr val="accent1"/>
+          </a:fillRef>
+          <a:effectRef idx="0">
+            <a:schemeClr val="accent1"/>
+          </a:effectRef>
+          <a:fontRef idx="minor">
+            <a:schemeClr val="lt1"/>
+          </a:fontRef>
+        </p:style>
+        <p:txBody>
+          <a:bodyPr rtlCol="0" anchor="t"/>
+          <a:lstStyle/>
+          <a:p>
+            <a:pPr algn="ctr"/>
+            <a:r>
+              <a:rPr lang="en-US" dirty="0" err="1">
+                <a:solidFill>
+                  <a:schemeClr val="tx1"/>
+                </a:solidFill>
+              </a:rPr>
+              <a:t>IIR_filter_pipelined</a:t>
+            </a:r>
+            <a:endParaRPr lang="en-US" dirty="0">
+              <a:solidFill>
+                <a:schemeClr val="tx1"/>
+              </a:solidFill>
+            </a:endParaRPr>
+          </a:p>
+        </p:txBody>
+      </p:sp>
+      <p:sp>
+        <p:nvSpPr>
+          <p:cNvPr id="129" name="Rectangle: Rounded Corners 128">
+            <a:extLst>
+              <a:ext uri="{FF2B5EF4-FFF2-40B4-BE49-F238E27FC236}">
+                <a16:creationId xmlns:a16="http://schemas.microsoft.com/office/drawing/2014/main" id="{FA3446CE-7930-30E0-DCDC-BFC8069297B4}"/>
+              </a:ext>
+            </a:extLst>
+          </p:cNvPr>
+          <p:cNvSpPr/>
+          <p:nvPr/>
+        </p:nvSpPr>
+        <p:spPr>
+          <a:xfrm>
+            <a:off x="4589105" y="2765928"/>
+            <a:ext cx="2457060" cy="466531"/>
+          </a:xfrm>
+          <a:prstGeom prst="roundRect">
+            <a:avLst/>
+          </a:prstGeom>
+          <a:solidFill>
+            <a:schemeClr val="bg1"/>
+          </a:solidFill>
+          <a:ln>
+            <a:solidFill>
+              <a:schemeClr val="tx1"/>
+            </a:solidFill>
+          </a:ln>
+        </p:spPr>
+        <p:style>
+          <a:lnRef idx="2">
+            <a:schemeClr val="accent1">
+              <a:shade val="15000"/>
+            </a:schemeClr>
+          </a:lnRef>
+          <a:fillRef idx="1">
+            <a:schemeClr val="accent1"/>
+          </a:fillRef>
+          <a:effectRef idx="0">
+            <a:schemeClr val="accent1"/>
+          </a:effectRef>
+          <a:fontRef idx="minor">
+            <a:schemeClr val="lt1"/>
+          </a:fontRef>
+        </p:style>
+        <p:txBody>
+          <a:bodyPr rtlCol="0" anchor="ctr"/>
+          <a:lstStyle/>
+          <a:p>
+            <a:pPr algn="ctr"/>
+            <a:r>
+              <a:rPr lang="en-US" dirty="0" err="1">
+                <a:solidFill>
+                  <a:schemeClr val="tx1"/>
+                </a:solidFill>
+              </a:rPr>
+              <a:t>Coeff_selector</a:t>
+            </a:r>
+            <a:endParaRPr lang="en-US" dirty="0">
+              <a:solidFill>
+                <a:schemeClr val="tx1"/>
+              </a:solidFill>
+            </a:endParaRPr>
+          </a:p>
+        </p:txBody>
+      </p:sp>
+      <p:sp>
+        <p:nvSpPr>
+          <p:cNvPr id="130" name="Rectangle: Rounded Corners 129">
+            <a:extLst>
+              <a:ext uri="{FF2B5EF4-FFF2-40B4-BE49-F238E27FC236}">
+                <a16:creationId xmlns:a16="http://schemas.microsoft.com/office/drawing/2014/main" id="{7A75B425-2300-3A33-79C0-FFAA351560EA}"/>
+              </a:ext>
+            </a:extLst>
+          </p:cNvPr>
+          <p:cNvSpPr/>
+          <p:nvPr/>
+        </p:nvSpPr>
+        <p:spPr>
+          <a:xfrm>
+            <a:off x="2052732" y="3198845"/>
+            <a:ext cx="2037184" cy="693575"/>
+          </a:xfrm>
+          <a:prstGeom prst="roundRect">
+            <a:avLst/>
+          </a:prstGeom>
+          <a:solidFill>
+            <a:schemeClr val="bg1"/>
+          </a:solidFill>
+          <a:ln>
+            <a:solidFill>
+              <a:schemeClr val="tx1"/>
+            </a:solidFill>
+          </a:ln>
+        </p:spPr>
+        <p:style>
+          <a:lnRef idx="2">
+            <a:schemeClr val="accent1">
+              <a:shade val="15000"/>
+            </a:schemeClr>
+          </a:lnRef>
+          <a:fillRef idx="1">
+            <a:schemeClr val="accent1"/>
+          </a:fillRef>
+          <a:effectRef idx="0">
+            <a:schemeClr val="accent1"/>
+          </a:effectRef>
+          <a:fontRef idx="minor">
+            <a:schemeClr val="lt1"/>
+          </a:fontRef>
+        </p:style>
+        <p:txBody>
+          <a:bodyPr rtlCol="0" anchor="ctr"/>
+          <a:lstStyle/>
+          <a:p>
+            <a:pPr algn="ctr"/>
+            <a:r>
+              <a:rPr lang="en-US" dirty="0" err="1">
+                <a:solidFill>
+                  <a:schemeClr val="tx1"/>
+                </a:solidFill>
+              </a:rPr>
+              <a:t>SineWave</a:t>
+            </a:r>
+            <a:endParaRPr lang="en-US" dirty="0">
+              <a:solidFill>
+                <a:schemeClr val="tx1"/>
+              </a:solidFill>
+            </a:endParaRPr>
+          </a:p>
+        </p:txBody>
+      </p:sp>
+      <p:sp>
+        <p:nvSpPr>
+          <p:cNvPr id="131" name="Rectangle: Rounded Corners 130">
+            <a:extLst>
+              <a:ext uri="{FF2B5EF4-FFF2-40B4-BE49-F238E27FC236}">
+                <a16:creationId xmlns:a16="http://schemas.microsoft.com/office/drawing/2014/main" id="{AF47B283-FB82-7388-90F7-3A63FBB69555}"/>
+              </a:ext>
+            </a:extLst>
+          </p:cNvPr>
+          <p:cNvSpPr/>
+          <p:nvPr/>
+        </p:nvSpPr>
+        <p:spPr>
+          <a:xfrm>
+            <a:off x="2052732" y="4390054"/>
+            <a:ext cx="2037184" cy="657808"/>
+          </a:xfrm>
+          <a:prstGeom prst="roundRect">
+            <a:avLst/>
+          </a:prstGeom>
+          <a:solidFill>
+            <a:schemeClr val="bg1"/>
+          </a:solidFill>
+          <a:ln>
+            <a:solidFill>
+              <a:schemeClr val="tx1"/>
+            </a:solidFill>
+          </a:ln>
+        </p:spPr>
+        <p:style>
+          <a:lnRef idx="2">
+            <a:schemeClr val="accent1">
+              <a:shade val="15000"/>
+            </a:schemeClr>
+          </a:lnRef>
+          <a:fillRef idx="1">
+            <a:schemeClr val="accent1"/>
+          </a:fillRef>
+          <a:effectRef idx="0">
+            <a:schemeClr val="accent1"/>
+          </a:effectRef>
+          <a:fontRef idx="minor">
+            <a:schemeClr val="lt1"/>
+          </a:fontRef>
+        </p:style>
+        <p:txBody>
+          <a:bodyPr rtlCol="0" anchor="ctr"/>
+          <a:lstStyle/>
+          <a:p>
+            <a:pPr algn="ctr"/>
+            <a:r>
+              <a:rPr lang="en-US" dirty="0">
+                <a:solidFill>
+                  <a:schemeClr val="tx1"/>
+                </a:solidFill>
+              </a:rPr>
+              <a:t>Counter</a:t>
+            </a:r>
+          </a:p>
+        </p:txBody>
+      </p:sp>
+      <p:cxnSp>
+        <p:nvCxnSpPr>
+          <p:cNvPr id="133" name="Straight Arrow Connector 132">
+            <a:extLst>
+              <a:ext uri="{FF2B5EF4-FFF2-40B4-BE49-F238E27FC236}">
+                <a16:creationId xmlns:a16="http://schemas.microsoft.com/office/drawing/2014/main" id="{83647635-F588-9ED8-5F22-B0C03FD274EC}"/>
+              </a:ext>
+            </a:extLst>
+          </p:cNvPr>
+          <p:cNvCxnSpPr>
+            <a:cxnSpLocks/>
+            <a:stCxn id="130" idx="3"/>
+          </p:cNvCxnSpPr>
+          <p:nvPr/>
+        </p:nvCxnSpPr>
+        <p:spPr>
+          <a:xfrm>
+            <a:off x="4089916" y="3545633"/>
+            <a:ext cx="304800" cy="0"/>
+          </a:xfrm>
+          <a:prstGeom prst="straightConnector1">
+            <a:avLst/>
+          </a:prstGeom>
+          <a:ln w="57150">
+            <a:solidFill>
+              <a:schemeClr val="tx1"/>
+            </a:solidFill>
+            <a:tailEnd type="triangle"/>
+          </a:ln>
+        </p:spPr>
+        <p:style>
+          <a:lnRef idx="1">
+            <a:schemeClr val="accent1"/>
+          </a:lnRef>
+          <a:fillRef idx="0">
+            <a:schemeClr val="accent1"/>
+          </a:fillRef>
+          <a:effectRef idx="0">
+            <a:schemeClr val="accent1"/>
+          </a:effectRef>
+          <a:fontRef idx="minor">
+            <a:schemeClr val="tx1"/>
+          </a:fontRef>
+        </p:style>
+      </p:cxnSp>
+      <p:cxnSp>
+        <p:nvCxnSpPr>
+          <p:cNvPr id="134" name="Straight Arrow Connector 133">
+            <a:extLst>
+              <a:ext uri="{FF2B5EF4-FFF2-40B4-BE49-F238E27FC236}">
+                <a16:creationId xmlns:a16="http://schemas.microsoft.com/office/drawing/2014/main" id="{82F1E849-AB96-FC06-AEB8-2964C3D12530}"/>
+              </a:ext>
+            </a:extLst>
+          </p:cNvPr>
+          <p:cNvCxnSpPr>
+            <a:cxnSpLocks/>
+            <a:stCxn id="131" idx="0"/>
+            <a:endCxn id="130" idx="2"/>
+          </p:cNvCxnSpPr>
+          <p:nvPr/>
+        </p:nvCxnSpPr>
+        <p:spPr>
+          <a:xfrm flipV="1">
+            <a:off x="3071324" y="3892420"/>
+            <a:ext cx="0" cy="497634"/>
+          </a:xfrm>
+          <a:prstGeom prst="straightConnector1">
+            <a:avLst/>
+          </a:prstGeom>
+          <a:ln w="57150">
+            <a:solidFill>
+              <a:schemeClr val="tx1"/>
+            </a:solidFill>
+            <a:tailEnd type="triangle"/>
+          </a:ln>
+        </p:spPr>
+        <p:style>
+          <a:lnRef idx="1">
+            <a:schemeClr val="accent1"/>
+          </a:lnRef>
+          <a:fillRef idx="0">
+            <a:schemeClr val="accent1"/>
+          </a:fillRef>
+          <a:effectRef idx="0">
+            <a:schemeClr val="accent1"/>
+          </a:effectRef>
+          <a:fontRef idx="minor">
+            <a:schemeClr val="tx1"/>
+          </a:fontRef>
+        </p:style>
+      </p:cxnSp>
+      <p:cxnSp>
+        <p:nvCxnSpPr>
+          <p:cNvPr id="139" name="Straight Arrow Connector 138">
+            <a:extLst>
+              <a:ext uri="{FF2B5EF4-FFF2-40B4-BE49-F238E27FC236}">
+                <a16:creationId xmlns:a16="http://schemas.microsoft.com/office/drawing/2014/main" id="{62C58502-3639-18F4-1E67-FDC801DD7CBB}"/>
+              </a:ext>
+            </a:extLst>
+          </p:cNvPr>
+          <p:cNvCxnSpPr>
+            <a:cxnSpLocks/>
+          </p:cNvCxnSpPr>
+          <p:nvPr/>
+        </p:nvCxnSpPr>
+        <p:spPr>
+          <a:xfrm>
+            <a:off x="4089916" y="2985796"/>
+            <a:ext cx="304800" cy="0"/>
+          </a:xfrm>
+          <a:prstGeom prst="straightConnector1">
+            <a:avLst/>
+          </a:prstGeom>
+          <a:ln w="57150">
+            <a:solidFill>
+              <a:schemeClr val="tx1"/>
+            </a:solidFill>
+            <a:tailEnd type="triangle"/>
+          </a:ln>
+        </p:spPr>
+        <p:style>
+          <a:lnRef idx="1">
+            <a:schemeClr val="accent1"/>
+          </a:lnRef>
+          <a:fillRef idx="0">
+            <a:schemeClr val="accent1"/>
+          </a:fillRef>
+          <a:effectRef idx="0">
+            <a:schemeClr val="accent1"/>
+          </a:effectRef>
+          <a:fontRef idx="minor">
+            <a:schemeClr val="tx1"/>
+          </a:fontRef>
+        </p:style>
+      </p:cxnSp>
+      <p:sp>
+        <p:nvSpPr>
+          <p:cNvPr id="144" name="TextBox 143">
+            <a:extLst>
+              <a:ext uri="{FF2B5EF4-FFF2-40B4-BE49-F238E27FC236}">
+                <a16:creationId xmlns:a16="http://schemas.microsoft.com/office/drawing/2014/main" id="{5B7A683A-9A5B-D96C-A260-74C81964577A}"/>
+              </a:ext>
+            </a:extLst>
+          </p:cNvPr>
+          <p:cNvSpPr txBox="1"/>
+          <p:nvPr/>
+        </p:nvSpPr>
+        <p:spPr>
+          <a:xfrm>
+            <a:off x="2248508" y="2765362"/>
+            <a:ext cx="1720888" cy="369332"/>
+          </a:xfrm>
+          <a:prstGeom prst="rect">
+            <a:avLst/>
+          </a:prstGeom>
+          <a:noFill/>
+          <a:ln>
+            <a:noFill/>
+          </a:ln>
+        </p:spPr>
+        <p:txBody>
+          <a:bodyPr wrap="square" rtlCol="0">
+            <a:spAutoFit/>
+          </a:bodyPr>
+          <a:lstStyle/>
+          <a:p>
+            <a:r>
+              <a:rPr lang="en-US" dirty="0" err="1"/>
+              <a:t>filter_index</a:t>
+            </a:r>
+            <a:r>
+              <a:rPr lang="en-US" dirty="0"/>
+              <a:t>[0:4]</a:t>
+            </a:r>
+          </a:p>
+        </p:txBody>
+      </p:sp>
+    </p:spTree>
+    <p:extLst>
+      <p:ext uri="{BB962C8B-B14F-4D97-AF65-F5344CB8AC3E}">
+        <p14:creationId xmlns:p14="http://schemas.microsoft.com/office/powerpoint/2010/main" val="1180399039"/>
+      </p:ext>
+    </p:extLst>
+  </p:cSld>
+  <p:clrMapOvr>
+    <a:masterClrMapping/>
+  </p:clrMapOvr>
+</p:sld>
+</file>
+
 <file path=ppt/theme/theme1.xml><?xml version="1.0" encoding="utf-8"?>
 <a:theme xmlns:a="http://schemas.openxmlformats.org/drawingml/2006/main" name="Office Theme">
   <a:themeElements>
